--- a/CCF/CCF.pptx
+++ b/CCF/CCF.pptx
@@ -203,7 +203,7 @@
           <a:p>
             <a:fld id="{175ECC00-C06A-4323-852F-768318D8586A}" type="datetimeFigureOut">
               <a:rPr lang="fr-FR" smtClean="0"/>
-              <a:t>12/01/2025</a:t>
+              <a:t>13/01/2025</a:t>
             </a:fld>
             <a:endParaRPr lang="fr-FR"/>
           </a:p>
@@ -368,7 +368,7 @@
           <a:p>
             <a:fld id="{AE8DAB01-C85E-4F33-91A5-B6D112914A5D}" type="datetimeFigureOut">
               <a:rPr lang="fr-FR" smtClean="0"/>
-              <a:t>12/01/2025</a:t>
+              <a:t>13/01/2025</a:t>
             </a:fld>
             <a:endParaRPr lang="fr-FR"/>
           </a:p>
@@ -767,7 +767,7 @@
           <a:p>
             <a:fld id="{A69F3118-5675-4AEB-B17B-1E109ACFC119}" type="datetimeFigureOut">
               <a:rPr lang="fr-FR" smtClean="0"/>
-              <a:t>12/01/2025</a:t>
+              <a:t>13/01/2025</a:t>
             </a:fld>
             <a:endParaRPr lang="fr-FR"/>
           </a:p>
@@ -937,7 +937,7 @@
           <a:p>
             <a:fld id="{A69F3118-5675-4AEB-B17B-1E109ACFC119}" type="datetimeFigureOut">
               <a:rPr lang="fr-FR" smtClean="0"/>
-              <a:t>12/01/2025</a:t>
+              <a:t>13/01/2025</a:t>
             </a:fld>
             <a:endParaRPr lang="fr-FR"/>
           </a:p>
@@ -1117,7 +1117,7 @@
           <a:p>
             <a:fld id="{A69F3118-5675-4AEB-B17B-1E109ACFC119}" type="datetimeFigureOut">
               <a:rPr lang="fr-FR" smtClean="0"/>
-              <a:t>12/01/2025</a:t>
+              <a:t>13/01/2025</a:t>
             </a:fld>
             <a:endParaRPr lang="fr-FR"/>
           </a:p>
@@ -1287,7 +1287,7 @@
           <a:p>
             <a:fld id="{A69F3118-5675-4AEB-B17B-1E109ACFC119}" type="datetimeFigureOut">
               <a:rPr lang="fr-FR" smtClean="0"/>
-              <a:t>12/01/2025</a:t>
+              <a:t>13/01/2025</a:t>
             </a:fld>
             <a:endParaRPr lang="fr-FR"/>
           </a:p>
@@ -1531,7 +1531,7 @@
           <a:p>
             <a:fld id="{A69F3118-5675-4AEB-B17B-1E109ACFC119}" type="datetimeFigureOut">
               <a:rPr lang="fr-FR" smtClean="0"/>
-              <a:t>12/01/2025</a:t>
+              <a:t>13/01/2025</a:t>
             </a:fld>
             <a:endParaRPr lang="fr-FR"/>
           </a:p>
@@ -1763,7 +1763,7 @@
           <a:p>
             <a:fld id="{A69F3118-5675-4AEB-B17B-1E109ACFC119}" type="datetimeFigureOut">
               <a:rPr lang="fr-FR" smtClean="0"/>
-              <a:t>12/01/2025</a:t>
+              <a:t>13/01/2025</a:t>
             </a:fld>
             <a:endParaRPr lang="fr-FR"/>
           </a:p>
@@ -2130,7 +2130,7 @@
           <a:p>
             <a:fld id="{A69F3118-5675-4AEB-B17B-1E109ACFC119}" type="datetimeFigureOut">
               <a:rPr lang="fr-FR" smtClean="0"/>
-              <a:t>12/01/2025</a:t>
+              <a:t>13/01/2025</a:t>
             </a:fld>
             <a:endParaRPr lang="fr-FR"/>
           </a:p>
@@ -2248,7 +2248,7 @@
           <a:p>
             <a:fld id="{A69F3118-5675-4AEB-B17B-1E109ACFC119}" type="datetimeFigureOut">
               <a:rPr lang="fr-FR" smtClean="0"/>
-              <a:t>12/01/2025</a:t>
+              <a:t>13/01/2025</a:t>
             </a:fld>
             <a:endParaRPr lang="fr-FR"/>
           </a:p>
@@ -2343,7 +2343,7 @@
           <a:p>
             <a:fld id="{A69F3118-5675-4AEB-B17B-1E109ACFC119}" type="datetimeFigureOut">
               <a:rPr lang="fr-FR" smtClean="0"/>
-              <a:t>12/01/2025</a:t>
+              <a:t>13/01/2025</a:t>
             </a:fld>
             <a:endParaRPr lang="fr-FR"/>
           </a:p>
@@ -2620,7 +2620,7 @@
           <a:p>
             <a:fld id="{A69F3118-5675-4AEB-B17B-1E109ACFC119}" type="datetimeFigureOut">
               <a:rPr lang="fr-FR" smtClean="0"/>
-              <a:t>12/01/2025</a:t>
+              <a:t>13/01/2025</a:t>
             </a:fld>
             <a:endParaRPr lang="fr-FR"/>
           </a:p>
@@ -2877,7 +2877,7 @@
           <a:p>
             <a:fld id="{A69F3118-5675-4AEB-B17B-1E109ACFC119}" type="datetimeFigureOut">
               <a:rPr lang="fr-FR" smtClean="0"/>
-              <a:t>12/01/2025</a:t>
+              <a:t>13/01/2025</a:t>
             </a:fld>
             <a:endParaRPr lang="fr-FR"/>
           </a:p>
@@ -3090,7 +3090,7 @@
           <a:p>
             <a:fld id="{A69F3118-5675-4AEB-B17B-1E109ACFC119}" type="datetimeFigureOut">
               <a:rPr lang="fr-FR" smtClean="0"/>
-              <a:t>12/01/2025</a:t>
+              <a:t>13/01/2025</a:t>
             </a:fld>
             <a:endParaRPr lang="fr-FR"/>
           </a:p>
@@ -4183,7 +4183,7 @@
           <p:nvPr>
             <p:extLst>
               <p:ext uri="{D42A27DB-BD31-4B8C-83A1-F6EECF244321}">
-                <p14:modId xmlns:p14="http://schemas.microsoft.com/office/powerpoint/2010/main" val="2712961980"/>
+                <p14:modId xmlns:p14="http://schemas.microsoft.com/office/powerpoint/2010/main" val="959755582"/>
               </p:ext>
             </p:extLst>
           </p:nvPr>
@@ -4920,7 +4920,7 @@
                       <a:pPr algn="ctr"/>
                       <a:r>
                         <a:rPr lang="fr-FR" sz="900" dirty="0"/>
-                        <a:t>Plus de deux éléments sont serrés</a:t>
+                        <a:t>Plus de deux éléments ne sont pas serrés</a:t>
                       </a:r>
                     </a:p>
                   </a:txBody>

--- a/CCF/CCF.pptx
+++ b/CCF/CCF.pptx
@@ -5,13 +5,16 @@
     <p:sldMasterId id="2147483660" r:id="rId1"/>
   </p:sldMasterIdLst>
   <p:notesMasterIdLst>
-    <p:notesMasterId r:id="rId3"/>
+    <p:notesMasterId r:id="rId6"/>
   </p:notesMasterIdLst>
   <p:handoutMasterIdLst>
-    <p:handoutMasterId r:id="rId4"/>
+    <p:handoutMasterId r:id="rId7"/>
   </p:handoutMasterIdLst>
   <p:sldIdLst>
     <p:sldId id="256" r:id="rId2"/>
+    <p:sldId id="257" r:id="rId3"/>
+    <p:sldId id="258" r:id="rId4"/>
+    <p:sldId id="259" r:id="rId5"/>
   </p:sldIdLst>
   <p:sldSz cx="15119350" cy="10799763"/>
   <p:notesSz cx="6797675" cy="9926638"/>
@@ -203,7 +206,7 @@
           <a:p>
             <a:fld id="{175ECC00-C06A-4323-852F-768318D8586A}" type="datetimeFigureOut">
               <a:rPr lang="fr-FR" smtClean="0"/>
-              <a:t>13/01/2025</a:t>
+              <a:t>24/01/2025</a:t>
             </a:fld>
             <a:endParaRPr lang="fr-FR"/>
           </a:p>
@@ -368,7 +371,7 @@
           <a:p>
             <a:fld id="{AE8DAB01-C85E-4F33-91A5-B6D112914A5D}" type="datetimeFigureOut">
               <a:rPr lang="fr-FR" smtClean="0"/>
-              <a:t>13/01/2025</a:t>
+              <a:t>24/01/2025</a:t>
             </a:fld>
             <a:endParaRPr lang="fr-FR"/>
           </a:p>
@@ -767,7 +770,7 @@
           <a:p>
             <a:fld id="{A69F3118-5675-4AEB-B17B-1E109ACFC119}" type="datetimeFigureOut">
               <a:rPr lang="fr-FR" smtClean="0"/>
-              <a:t>13/01/2025</a:t>
+              <a:t>24/01/2025</a:t>
             </a:fld>
             <a:endParaRPr lang="fr-FR"/>
           </a:p>
@@ -937,7 +940,7 @@
           <a:p>
             <a:fld id="{A69F3118-5675-4AEB-B17B-1E109ACFC119}" type="datetimeFigureOut">
               <a:rPr lang="fr-FR" smtClean="0"/>
-              <a:t>13/01/2025</a:t>
+              <a:t>24/01/2025</a:t>
             </a:fld>
             <a:endParaRPr lang="fr-FR"/>
           </a:p>
@@ -1117,7 +1120,7 @@
           <a:p>
             <a:fld id="{A69F3118-5675-4AEB-B17B-1E109ACFC119}" type="datetimeFigureOut">
               <a:rPr lang="fr-FR" smtClean="0"/>
-              <a:t>13/01/2025</a:t>
+              <a:t>24/01/2025</a:t>
             </a:fld>
             <a:endParaRPr lang="fr-FR"/>
           </a:p>
@@ -1287,7 +1290,7 @@
           <a:p>
             <a:fld id="{A69F3118-5675-4AEB-B17B-1E109ACFC119}" type="datetimeFigureOut">
               <a:rPr lang="fr-FR" smtClean="0"/>
-              <a:t>13/01/2025</a:t>
+              <a:t>24/01/2025</a:t>
             </a:fld>
             <a:endParaRPr lang="fr-FR"/>
           </a:p>
@@ -1531,7 +1534,7 @@
           <a:p>
             <a:fld id="{A69F3118-5675-4AEB-B17B-1E109ACFC119}" type="datetimeFigureOut">
               <a:rPr lang="fr-FR" smtClean="0"/>
-              <a:t>13/01/2025</a:t>
+              <a:t>24/01/2025</a:t>
             </a:fld>
             <a:endParaRPr lang="fr-FR"/>
           </a:p>
@@ -1763,7 +1766,7 @@
           <a:p>
             <a:fld id="{A69F3118-5675-4AEB-B17B-1E109ACFC119}" type="datetimeFigureOut">
               <a:rPr lang="fr-FR" smtClean="0"/>
-              <a:t>13/01/2025</a:t>
+              <a:t>24/01/2025</a:t>
             </a:fld>
             <a:endParaRPr lang="fr-FR"/>
           </a:p>
@@ -2130,7 +2133,7 @@
           <a:p>
             <a:fld id="{A69F3118-5675-4AEB-B17B-1E109ACFC119}" type="datetimeFigureOut">
               <a:rPr lang="fr-FR" smtClean="0"/>
-              <a:t>13/01/2025</a:t>
+              <a:t>24/01/2025</a:t>
             </a:fld>
             <a:endParaRPr lang="fr-FR"/>
           </a:p>
@@ -2248,7 +2251,7 @@
           <a:p>
             <a:fld id="{A69F3118-5675-4AEB-B17B-1E109ACFC119}" type="datetimeFigureOut">
               <a:rPr lang="fr-FR" smtClean="0"/>
-              <a:t>13/01/2025</a:t>
+              <a:t>24/01/2025</a:t>
             </a:fld>
             <a:endParaRPr lang="fr-FR"/>
           </a:p>
@@ -2343,7 +2346,7 @@
           <a:p>
             <a:fld id="{A69F3118-5675-4AEB-B17B-1E109ACFC119}" type="datetimeFigureOut">
               <a:rPr lang="fr-FR" smtClean="0"/>
-              <a:t>13/01/2025</a:t>
+              <a:t>24/01/2025</a:t>
             </a:fld>
             <a:endParaRPr lang="fr-FR"/>
           </a:p>
@@ -2620,7 +2623,7 @@
           <a:p>
             <a:fld id="{A69F3118-5675-4AEB-B17B-1E109ACFC119}" type="datetimeFigureOut">
               <a:rPr lang="fr-FR" smtClean="0"/>
-              <a:t>13/01/2025</a:t>
+              <a:t>24/01/2025</a:t>
             </a:fld>
             <a:endParaRPr lang="fr-FR"/>
           </a:p>
@@ -2877,7 +2880,7 @@
           <a:p>
             <a:fld id="{A69F3118-5675-4AEB-B17B-1E109ACFC119}" type="datetimeFigureOut">
               <a:rPr lang="fr-FR" smtClean="0"/>
-              <a:t>13/01/2025</a:t>
+              <a:t>24/01/2025</a:t>
             </a:fld>
             <a:endParaRPr lang="fr-FR"/>
           </a:p>
@@ -3090,7 +3093,7 @@
           <a:p>
             <a:fld id="{A69F3118-5675-4AEB-B17B-1E109ACFC119}" type="datetimeFigureOut">
               <a:rPr lang="fr-FR" smtClean="0"/>
-              <a:t>13/01/2025</a:t>
+              <a:t>24/01/2025</a:t>
             </a:fld>
             <a:endParaRPr lang="fr-FR"/>
           </a:p>
@@ -3550,7 +3553,7 @@
                 <a:ea typeface="JetBrains Mono" panose="02000009000000000000" pitchFamily="49" charset="0"/>
                 <a:cs typeface="Arial" panose="020B0604020202020204" pitchFamily="34" charset="0"/>
               </a:rPr>
-              <a:t>Critère de notation :</a:t>
+              <a:t>Critères de notation :</a:t>
             </a:r>
           </a:p>
         </p:txBody>
@@ -4106,7 +4109,7 @@
                 <a:ea typeface="JetBrains Mono" panose="02000009000000000000" pitchFamily="49" charset="0"/>
                 <a:cs typeface="JetBrains Mono" panose="02000009000000000000" pitchFamily="49" charset="0"/>
               </a:rPr>
-              <a:t>Terminale Technicien</a:t>
+              <a:t>Technicien</a:t>
             </a:r>
           </a:p>
           <a:p>
@@ -4163,7 +4166,7 @@
                 <a:ea typeface="JetBrains Mono" panose="02000009000000000000" pitchFamily="49" charset="0"/>
                 <a:cs typeface="JetBrains Mono" panose="02000009000000000000" pitchFamily="49" charset="0"/>
               </a:rPr>
-              <a:t>Sujet : CCF</a:t>
+              <a:t>Sujet : Réglage de la toupie</a:t>
             </a:r>
           </a:p>
         </p:txBody>
@@ -4183,7 +4186,7 @@
           <p:nvPr>
             <p:extLst>
               <p:ext uri="{D42A27DB-BD31-4B8C-83A1-F6EECF244321}">
-                <p14:modId xmlns:p14="http://schemas.microsoft.com/office/powerpoint/2010/main" val="959755582"/>
+                <p14:modId xmlns:p14="http://schemas.microsoft.com/office/powerpoint/2010/main" val="1206909810"/>
               </p:ext>
             </p:extLst>
           </p:nvPr>
@@ -4317,7 +4320,7 @@
                   </a:txBody>
                   <a:tcPr anchor="ctr">
                     <a:solidFill>
-                      <a:srgbClr val="FFC000"/>
+                      <a:schemeClr val="accent4"/>
                     </a:solidFill>
                   </a:tcPr>
                 </a:tc>
@@ -4335,10 +4338,7 @@
                   </a:txBody>
                   <a:tcPr anchor="ctr">
                     <a:solidFill>
-                      <a:schemeClr val="accent4">
-                        <a:lumMod val="60000"/>
-                        <a:lumOff val="40000"/>
-                      </a:schemeClr>
+                      <a:srgbClr val="FFFF00"/>
                     </a:solidFill>
                   </a:tcPr>
                 </a:tc>
@@ -5053,6 +5053,4932 @@
     <p:extLst>
       <p:ext uri="{BB962C8B-B14F-4D97-AF65-F5344CB8AC3E}">
         <p14:creationId xmlns:p14="http://schemas.microsoft.com/office/powerpoint/2010/main" val="1283752452"/>
+      </p:ext>
+    </p:extLst>
+  </p:cSld>
+  <p:clrMapOvr>
+    <a:masterClrMapping/>
+  </p:clrMapOvr>
+</p:sld>
+</file>
+
+<file path=ppt/slides/slide2.xml><?xml version="1.0" encoding="utf-8"?>
+<p:sld xmlns:a="http://schemas.openxmlformats.org/drawingml/2006/main" xmlns:r="http://schemas.openxmlformats.org/officeDocument/2006/relationships" xmlns:p="http://schemas.openxmlformats.org/presentationml/2006/main">
+  <p:cSld>
+    <p:spTree>
+      <p:nvGrpSpPr>
+        <p:cNvPr id="1" name=""/>
+        <p:cNvGrpSpPr/>
+        <p:nvPr/>
+      </p:nvGrpSpPr>
+      <p:grpSpPr>
+        <a:xfrm>
+          <a:off x="0" y="0"/>
+          <a:ext cx="0" cy="0"/>
+          <a:chOff x="0" y="0"/>
+          <a:chExt cx="0" cy="0"/>
+        </a:xfrm>
+      </p:grpSpPr>
+      <p:sp>
+        <p:nvSpPr>
+          <p:cNvPr id="17" name="Rectangle 16"/>
+          <p:cNvSpPr/>
+          <p:nvPr/>
+        </p:nvSpPr>
+        <p:spPr>
+          <a:xfrm>
+            <a:off x="4039557" y="179881"/>
+            <a:ext cx="7040235" cy="10440000"/>
+          </a:xfrm>
+          <a:prstGeom prst="rect">
+            <a:avLst/>
+          </a:prstGeom>
+          <a:ln w="57150"/>
+        </p:spPr>
+        <p:style>
+          <a:lnRef idx="2">
+            <a:schemeClr val="dk1"/>
+          </a:lnRef>
+          <a:fillRef idx="1">
+            <a:schemeClr val="lt1"/>
+          </a:fillRef>
+          <a:effectRef idx="0">
+            <a:schemeClr val="dk1"/>
+          </a:effectRef>
+          <a:fontRef idx="minor">
+            <a:schemeClr val="dk1"/>
+          </a:fontRef>
+        </p:style>
+        <p:txBody>
+          <a:bodyPr rtlCol="0" anchor="t"/>
+          <a:lstStyle/>
+          <a:p>
+            <a:pPr marL="72000"/>
+            <a:endParaRPr lang="fr-FR" b="1" dirty="0">
+              <a:solidFill>
+                <a:schemeClr val="tx1"/>
+              </a:solidFill>
+              <a:latin typeface="Comic Sans MS" panose="030F0702030302020204" pitchFamily="66" charset="0"/>
+              <a:ea typeface="JetBrains Mono" panose="02000009000000000000" pitchFamily="49" charset="0"/>
+              <a:cs typeface="Arial" panose="020B0604020202020204" pitchFamily="34" charset="0"/>
+            </a:endParaRPr>
+          </a:p>
+          <a:p>
+            <a:pPr marL="72000"/>
+            <a:r>
+              <a:rPr lang="fr-FR" b="1" dirty="0">
+                <a:solidFill>
+                  <a:schemeClr val="tx1"/>
+                </a:solidFill>
+                <a:latin typeface="Comic Sans MS" panose="030F0702030302020204" pitchFamily="66" charset="0"/>
+                <a:ea typeface="JetBrains Mono" panose="02000009000000000000" pitchFamily="49" charset="0"/>
+                <a:cs typeface="Arial" panose="020B0604020202020204" pitchFamily="34" charset="0"/>
+              </a:rPr>
+              <a:t>Critères de notation :</a:t>
+            </a:r>
+          </a:p>
+        </p:txBody>
+      </p:sp>
+      <p:sp>
+        <p:nvSpPr>
+          <p:cNvPr id="18" name="Rectangle 17"/>
+          <p:cNvSpPr/>
+          <p:nvPr/>
+        </p:nvSpPr>
+        <p:spPr>
+          <a:xfrm>
+            <a:off x="142517" y="1390649"/>
+            <a:ext cx="3763202" cy="9229231"/>
+          </a:xfrm>
+          <a:prstGeom prst="rect">
+            <a:avLst/>
+          </a:prstGeom>
+          <a:ln w="57150"/>
+        </p:spPr>
+        <p:style>
+          <a:lnRef idx="2">
+            <a:schemeClr val="dk1"/>
+          </a:lnRef>
+          <a:fillRef idx="1">
+            <a:schemeClr val="lt1"/>
+          </a:fillRef>
+          <a:effectRef idx="0">
+            <a:schemeClr val="dk1"/>
+          </a:effectRef>
+          <a:fontRef idx="minor">
+            <a:schemeClr val="dk1"/>
+          </a:fontRef>
+        </p:style>
+        <p:txBody>
+          <a:bodyPr rtlCol="0" anchor="ctr"/>
+          <a:lstStyle/>
+          <a:p>
+            <a:pPr marL="72000"/>
+            <a:r>
+              <a:rPr lang="fr-FR" sz="1600" b="1" dirty="0">
+                <a:solidFill>
+                  <a:schemeClr val="tx1"/>
+                </a:solidFill>
+                <a:ea typeface="JetBrains Mono" panose="02000009000000000000" pitchFamily="49" charset="0"/>
+                <a:cs typeface="Courier New" panose="02070309020205020404" pitchFamily="49" charset="0"/>
+              </a:rPr>
+              <a:t>Noms et prénoms de l’élève :</a:t>
+            </a:r>
+          </a:p>
+          <a:p>
+            <a:pPr marL="72000"/>
+            <a:endParaRPr lang="fr-FR" sz="1600" b="1" dirty="0">
+              <a:solidFill>
+                <a:schemeClr val="tx1"/>
+              </a:solidFill>
+              <a:ea typeface="JetBrains Mono" panose="02000009000000000000" pitchFamily="49" charset="0"/>
+              <a:cs typeface="Courier New" panose="02070309020205020404" pitchFamily="49" charset="0"/>
+            </a:endParaRPr>
+          </a:p>
+          <a:p>
+            <a:pPr marL="72000"/>
+            <a:r>
+              <a:rPr lang="fr-FR" sz="1600" b="1" dirty="0">
+                <a:solidFill>
+                  <a:schemeClr val="tx1"/>
+                </a:solidFill>
+                <a:ea typeface="JetBrains Mono" panose="02000009000000000000" pitchFamily="49" charset="0"/>
+                <a:cs typeface="Courier New" panose="02070309020205020404" pitchFamily="49" charset="0"/>
+              </a:rPr>
+              <a:t>………………………………………………… (TTMA)</a:t>
+            </a:r>
+          </a:p>
+          <a:p>
+            <a:pPr marL="72000"/>
+            <a:endParaRPr lang="fr-FR" sz="1600" b="1" dirty="0">
+              <a:solidFill>
+                <a:schemeClr val="tx1"/>
+              </a:solidFill>
+              <a:ea typeface="JetBrains Mono" panose="02000009000000000000" pitchFamily="49" charset="0"/>
+              <a:cs typeface="Courier New" panose="02070309020205020404" pitchFamily="49" charset="0"/>
+            </a:endParaRPr>
+          </a:p>
+          <a:p>
+            <a:pPr marL="72000"/>
+            <a:r>
+              <a:rPr lang="fr-FR" sz="1600" b="1" dirty="0">
+                <a:solidFill>
+                  <a:schemeClr val="tx1"/>
+                </a:solidFill>
+                <a:ea typeface="JetBrains Mono" panose="02000009000000000000" pitchFamily="49" charset="0"/>
+                <a:cs typeface="Courier New" panose="02070309020205020404" pitchFamily="49" charset="0"/>
+              </a:rPr>
+              <a:t>Instructions :</a:t>
+            </a:r>
+          </a:p>
+          <a:p>
+            <a:pPr marL="72000"/>
+            <a:endParaRPr lang="fr-FR" sz="1600" b="1" dirty="0">
+              <a:solidFill>
+                <a:schemeClr val="tx1"/>
+              </a:solidFill>
+              <a:ea typeface="JetBrains Mono" panose="02000009000000000000" pitchFamily="49" charset="0"/>
+              <a:cs typeface="Courier New" panose="02070309020205020404" pitchFamily="49" charset="0"/>
+            </a:endParaRPr>
+          </a:p>
+          <a:p>
+            <a:pPr marL="72000"/>
+            <a:r>
+              <a:rPr lang="fr-FR" sz="1600" dirty="0">
+                <a:solidFill>
+                  <a:schemeClr val="tx1"/>
+                </a:solidFill>
+                <a:ea typeface="JetBrains Mono" panose="02000009000000000000" pitchFamily="49" charset="0"/>
+                <a:cs typeface="Courier New" panose="02070309020205020404" pitchFamily="49" charset="0"/>
+              </a:rPr>
+              <a:t>Débiter, plaquer et affleurer les portes de l’ouvrage</a:t>
+            </a:r>
+          </a:p>
+          <a:p>
+            <a:pPr marL="72000"/>
+            <a:endParaRPr lang="fr-FR" sz="1600" b="1" dirty="0">
+              <a:solidFill>
+                <a:schemeClr val="tx1"/>
+              </a:solidFill>
+              <a:ea typeface="JetBrains Mono" panose="02000009000000000000" pitchFamily="49" charset="0"/>
+              <a:cs typeface="Courier New" panose="02070309020205020404" pitchFamily="49" charset="0"/>
+            </a:endParaRPr>
+          </a:p>
+          <a:p>
+            <a:pPr marL="72000"/>
+            <a:r>
+              <a:rPr lang="fr-FR" sz="1600" b="1" dirty="0">
+                <a:solidFill>
+                  <a:schemeClr val="tx1"/>
+                </a:solidFill>
+                <a:ea typeface="JetBrains Mono" panose="02000009000000000000" pitchFamily="49" charset="0"/>
+                <a:cs typeface="Courier New" panose="02070309020205020404" pitchFamily="49" charset="0"/>
+              </a:rPr>
+              <a:t>A Vérifier :</a:t>
+            </a:r>
+          </a:p>
+          <a:p>
+            <a:pPr marL="72000"/>
+            <a:endParaRPr lang="fr-FR" sz="1600" b="1" dirty="0">
+              <a:solidFill>
+                <a:schemeClr val="tx1"/>
+              </a:solidFill>
+              <a:ea typeface="JetBrains Mono" panose="02000009000000000000" pitchFamily="49" charset="0"/>
+              <a:cs typeface="Courier New" panose="02070309020205020404" pitchFamily="49" charset="0"/>
+            </a:endParaRPr>
+          </a:p>
+          <a:p>
+            <a:pPr marL="72000"/>
+            <a:r>
+              <a:rPr lang="fr-FR" sz="1600" dirty="0">
+                <a:solidFill>
+                  <a:schemeClr val="tx1"/>
+                </a:solidFill>
+                <a:ea typeface="JetBrains Mono" panose="02000009000000000000" pitchFamily="49" charset="0"/>
+                <a:cs typeface="Courier New" panose="02070309020205020404" pitchFamily="49" charset="0"/>
+              </a:rPr>
+              <a:t>Les portes sont débités et respectent les mesures du caisson</a:t>
+            </a:r>
+          </a:p>
+          <a:p>
+            <a:pPr marL="72000"/>
+            <a:endParaRPr lang="fr-FR" sz="1600" dirty="0">
+              <a:solidFill>
+                <a:schemeClr val="tx1"/>
+              </a:solidFill>
+              <a:ea typeface="JetBrains Mono" panose="02000009000000000000" pitchFamily="49" charset="0"/>
+              <a:cs typeface="Courier New" panose="02070309020205020404" pitchFamily="49" charset="0"/>
+            </a:endParaRPr>
+          </a:p>
+          <a:p>
+            <a:pPr marL="72000"/>
+            <a:r>
+              <a:rPr lang="fr-FR" sz="1600" dirty="0">
+                <a:solidFill>
+                  <a:schemeClr val="tx1"/>
+                </a:solidFill>
+                <a:ea typeface="JetBrains Mono" panose="02000009000000000000" pitchFamily="49" charset="0"/>
+                <a:cs typeface="Courier New" panose="02070309020205020404" pitchFamily="49" charset="0"/>
+              </a:rPr>
+              <a:t>Les portes sont plaqués des deux cotés</a:t>
+            </a:r>
+          </a:p>
+          <a:p>
+            <a:pPr marL="72000"/>
+            <a:endParaRPr lang="fr-FR" sz="1600" dirty="0"/>
+          </a:p>
+          <a:p>
+            <a:pPr marL="72000"/>
+            <a:r>
+              <a:rPr lang="fr-FR" sz="1600" dirty="0"/>
+              <a:t>La placage n’est pas vif sur les arrêtes du meubles, un chanfrein ou un ponçage a été réalisé</a:t>
+            </a:r>
+          </a:p>
+          <a:p>
+            <a:pPr marL="72000"/>
+            <a:endParaRPr lang="fr-FR" sz="1600" dirty="0"/>
+          </a:p>
+          <a:p>
+            <a:pPr marL="72000"/>
+            <a:r>
+              <a:rPr lang="fr-FR" sz="1600" dirty="0"/>
+              <a:t>Le placage doit être parfaitement appliqué, sans laisser apparaître de traces de colle, de perforations ou d'écarts sur les arêtes des portes</a:t>
+            </a:r>
+          </a:p>
+          <a:p>
+            <a:pPr marL="72000"/>
+            <a:endParaRPr lang="fr-FR" sz="1600" dirty="0"/>
+          </a:p>
+          <a:p>
+            <a:pPr marL="72000"/>
+            <a:r>
+              <a:rPr lang="fr-FR" sz="1600" dirty="0"/>
+              <a:t>Les portes sont poncés et prêtent à accueillir la finition</a:t>
+            </a:r>
+          </a:p>
+          <a:p>
+            <a:pPr marL="72000"/>
+            <a:endParaRPr lang="fr-FR" sz="1600" dirty="0">
+              <a:solidFill>
+                <a:schemeClr val="tx1"/>
+              </a:solidFill>
+              <a:ea typeface="JetBrains Mono" panose="02000009000000000000" pitchFamily="49" charset="0"/>
+              <a:cs typeface="Courier New" panose="02070309020205020404" pitchFamily="49" charset="0"/>
+            </a:endParaRPr>
+          </a:p>
+          <a:p>
+            <a:pPr marL="72000"/>
+            <a:endParaRPr lang="fr-FR" sz="1600" dirty="0">
+              <a:solidFill>
+                <a:schemeClr val="tx1"/>
+              </a:solidFill>
+              <a:ea typeface="JetBrains Mono" panose="02000009000000000000" pitchFamily="49" charset="0"/>
+              <a:cs typeface="Courier New" panose="02070309020205020404" pitchFamily="49" charset="0"/>
+            </a:endParaRPr>
+          </a:p>
+          <a:p>
+            <a:pPr marL="72000"/>
+            <a:endParaRPr lang="fr-FR" sz="1600" dirty="0">
+              <a:solidFill>
+                <a:schemeClr val="tx1"/>
+              </a:solidFill>
+              <a:ea typeface="JetBrains Mono" panose="02000009000000000000" pitchFamily="49" charset="0"/>
+              <a:cs typeface="Courier New" panose="02070309020205020404" pitchFamily="49" charset="0"/>
+            </a:endParaRPr>
+          </a:p>
+          <a:p>
+            <a:pPr marL="72000"/>
+            <a:endParaRPr lang="fr-FR" sz="1600" dirty="0">
+              <a:solidFill>
+                <a:schemeClr val="tx1"/>
+              </a:solidFill>
+              <a:ea typeface="JetBrains Mono" panose="02000009000000000000" pitchFamily="49" charset="0"/>
+              <a:cs typeface="Courier New" panose="02070309020205020404" pitchFamily="49" charset="0"/>
+            </a:endParaRPr>
+          </a:p>
+        </p:txBody>
+      </p:sp>
+      <p:sp>
+        <p:nvSpPr>
+          <p:cNvPr id="19" name="Rectangle 18"/>
+          <p:cNvSpPr/>
+          <p:nvPr/>
+        </p:nvSpPr>
+        <p:spPr>
+          <a:xfrm>
+            <a:off x="11213630" y="1390649"/>
+            <a:ext cx="3726044" cy="9229231"/>
+          </a:xfrm>
+          <a:prstGeom prst="rect">
+            <a:avLst/>
+          </a:prstGeom>
+          <a:ln w="57150"/>
+        </p:spPr>
+        <p:style>
+          <a:lnRef idx="2">
+            <a:schemeClr val="dk1"/>
+          </a:lnRef>
+          <a:fillRef idx="1">
+            <a:schemeClr val="lt1"/>
+          </a:fillRef>
+          <a:effectRef idx="0">
+            <a:schemeClr val="dk1"/>
+          </a:effectRef>
+          <a:fontRef idx="minor">
+            <a:schemeClr val="dk1"/>
+          </a:fontRef>
+        </p:style>
+        <p:txBody>
+          <a:bodyPr rtlCol="0" anchor="ctr"/>
+          <a:lstStyle/>
+          <a:p>
+            <a:r>
+              <a:rPr lang="fr-FR" sz="1400" b="1" dirty="0"/>
+              <a:t>Compétences évaluées :</a:t>
+            </a:r>
+          </a:p>
+          <a:p>
+            <a:endParaRPr lang="fr-FR" sz="1400" b="1" dirty="0"/>
+          </a:p>
+          <a:p>
+            <a:r>
+              <a:rPr lang="fr-FR" sz="1400" b="1" dirty="0"/>
+              <a:t>C3.6 Conduire les opérations de montage et de finition</a:t>
+            </a:r>
+          </a:p>
+          <a:p>
+            <a:r>
+              <a:rPr lang="fr-FR" sz="1400" b="1" dirty="0"/>
+              <a:t>	Sous-compétences :</a:t>
+            </a:r>
+          </a:p>
+          <a:p>
+            <a:r>
+              <a:rPr lang="fr-FR" sz="1400" b="1" dirty="0"/>
+              <a:t>	</a:t>
+            </a:r>
+            <a:r>
+              <a:rPr lang="fr-FR" sz="1400" dirty="0"/>
+              <a:t>C3.62 Cadrer, monter et</a:t>
+            </a:r>
+          </a:p>
+          <a:p>
+            <a:r>
+              <a:rPr lang="fr-FR" sz="1400" dirty="0"/>
+              <a:t>	solidariser les sous-</a:t>
+            </a:r>
+          </a:p>
+          <a:p>
+            <a:r>
+              <a:rPr lang="fr-FR" sz="1400" dirty="0"/>
+              <a:t>	ensembles</a:t>
+            </a:r>
+          </a:p>
+          <a:p>
+            <a:r>
+              <a:rPr lang="fr-FR" sz="1400" dirty="0"/>
+              <a:t>	C3.65 Contrôler en cours, en fin</a:t>
+            </a:r>
+          </a:p>
+          <a:p>
+            <a:r>
+              <a:rPr lang="fr-FR" sz="1400" dirty="0"/>
+              <a:t>	de montage et de finition :</a:t>
+            </a:r>
+          </a:p>
+          <a:p>
+            <a:r>
+              <a:rPr lang="fr-FR" sz="1400" dirty="0"/>
+              <a:t>	les caractéristiques</a:t>
+            </a:r>
+          </a:p>
+          <a:p>
+            <a:r>
+              <a:rPr lang="fr-FR" sz="1400" dirty="0"/>
+              <a:t>	fonctionnelles,</a:t>
+            </a:r>
+          </a:p>
+          <a:p>
+            <a:r>
+              <a:rPr lang="fr-FR" sz="1400" dirty="0"/>
+              <a:t>	dimensionnelles,</a:t>
+            </a:r>
+          </a:p>
+          <a:p>
+            <a:r>
+              <a:rPr lang="fr-FR" sz="1400" dirty="0"/>
+              <a:t>	géométriques, esthétiques</a:t>
+            </a:r>
+          </a:p>
+          <a:p>
+            <a:endParaRPr lang="fr-FR" sz="1400" b="1" dirty="0"/>
+          </a:p>
+          <a:p>
+            <a:r>
+              <a:rPr lang="fr-FR" sz="1400" b="1" dirty="0"/>
+              <a:t>C3.5 Conduire les opérations de mise en forme et de placage</a:t>
+            </a:r>
+          </a:p>
+          <a:p>
+            <a:r>
+              <a:rPr lang="fr-FR" sz="1400" b="1" dirty="0"/>
+              <a:t>	</a:t>
+            </a:r>
+            <a:r>
+              <a:rPr lang="fr-FR" sz="1400" dirty="0"/>
+              <a:t>C3.52 Encoller et/ou insérer les</a:t>
+            </a:r>
+          </a:p>
+          <a:p>
+            <a:r>
+              <a:rPr lang="fr-FR" sz="1400" dirty="0"/>
+              <a:t>	pièces et les composants</a:t>
+            </a:r>
+          </a:p>
+          <a:p>
+            <a:r>
+              <a:rPr lang="fr-FR" sz="1400" dirty="0"/>
+              <a:t>	C3.54 Contrôler les</a:t>
+            </a:r>
+          </a:p>
+          <a:p>
+            <a:r>
+              <a:rPr lang="fr-FR" sz="1400" dirty="0"/>
+              <a:t>	caractéristiques</a:t>
+            </a:r>
+          </a:p>
+          <a:p>
+            <a:r>
+              <a:rPr lang="fr-FR" sz="1400" dirty="0"/>
+              <a:t>	mécaniques</a:t>
+            </a:r>
+          </a:p>
+          <a:p>
+            <a:r>
+              <a:rPr lang="fr-FR" sz="1400" dirty="0"/>
+              <a:t>	dimensionnelles,</a:t>
+            </a:r>
+          </a:p>
+          <a:p>
+            <a:r>
+              <a:rPr lang="fr-FR" sz="1400" dirty="0"/>
+              <a:t>	géométriques et esthétique</a:t>
+            </a:r>
+          </a:p>
+          <a:p>
+            <a:endParaRPr lang="fr-FR" sz="1400" b="1" dirty="0"/>
+          </a:p>
+          <a:p>
+            <a:pPr lvl="2"/>
+            <a:endParaRPr lang="fr-FR" sz="1400" dirty="0"/>
+          </a:p>
+        </p:txBody>
+      </p:sp>
+      <p:sp>
+        <p:nvSpPr>
+          <p:cNvPr id="24" name="Rectangle 23"/>
+          <p:cNvSpPr/>
+          <p:nvPr/>
+        </p:nvSpPr>
+        <p:spPr>
+          <a:xfrm>
+            <a:off x="11213629" y="179881"/>
+            <a:ext cx="3726045" cy="1067028"/>
+          </a:xfrm>
+          <a:prstGeom prst="rect">
+            <a:avLst/>
+          </a:prstGeom>
+          <a:ln w="57150"/>
+        </p:spPr>
+        <p:style>
+          <a:lnRef idx="2">
+            <a:schemeClr val="dk1"/>
+          </a:lnRef>
+          <a:fillRef idx="1">
+            <a:schemeClr val="lt1"/>
+          </a:fillRef>
+          <a:effectRef idx="0">
+            <a:schemeClr val="dk1"/>
+          </a:effectRef>
+          <a:fontRef idx="minor">
+            <a:schemeClr val="dk1"/>
+          </a:fontRef>
+        </p:style>
+        <p:txBody>
+          <a:bodyPr rtlCol="0" anchor="ctr"/>
+          <a:lstStyle/>
+          <a:p>
+            <a:pPr algn="ctr"/>
+            <a:r>
+              <a:rPr lang="fr-FR" sz="1600" spc="300" dirty="0">
+                <a:latin typeface="Comic Sans MS" panose="030F0702030302020204" pitchFamily="66" charset="0"/>
+                <a:ea typeface="JetBrains Mono" panose="02000009000000000000" pitchFamily="49" charset="0"/>
+                <a:cs typeface="JetBrains Mono" panose="02000009000000000000" pitchFamily="49" charset="0"/>
+              </a:rPr>
+              <a:t>Technicien</a:t>
+            </a:r>
+          </a:p>
+          <a:p>
+            <a:pPr algn="ctr"/>
+            <a:r>
+              <a:rPr lang="fr-FR" sz="1600" spc="300" dirty="0">
+                <a:latin typeface="Comic Sans MS" panose="030F0702030302020204" pitchFamily="66" charset="0"/>
+                <a:ea typeface="JetBrains Mono" panose="02000009000000000000" pitchFamily="49" charset="0"/>
+                <a:cs typeface="JetBrains Mono" panose="02000009000000000000" pitchFamily="49" charset="0"/>
+              </a:rPr>
+              <a:t>Menuisier Agenceur</a:t>
+            </a:r>
+          </a:p>
+        </p:txBody>
+      </p:sp>
+      <p:sp>
+        <p:nvSpPr>
+          <p:cNvPr id="25" name="Rectangle 24"/>
+          <p:cNvSpPr/>
+          <p:nvPr/>
+        </p:nvSpPr>
+        <p:spPr>
+          <a:xfrm>
+            <a:off x="142517" y="179881"/>
+            <a:ext cx="3763201" cy="1067028"/>
+          </a:xfrm>
+          <a:prstGeom prst="rect">
+            <a:avLst/>
+          </a:prstGeom>
+          <a:ln w="57150"/>
+        </p:spPr>
+        <p:style>
+          <a:lnRef idx="2">
+            <a:schemeClr val="dk1"/>
+          </a:lnRef>
+          <a:fillRef idx="1">
+            <a:schemeClr val="lt1"/>
+          </a:fillRef>
+          <a:effectRef idx="0">
+            <a:schemeClr val="dk1"/>
+          </a:effectRef>
+          <a:fontRef idx="minor">
+            <a:schemeClr val="dk1"/>
+          </a:fontRef>
+        </p:style>
+        <p:txBody>
+          <a:bodyPr rtlCol="0" anchor="ctr"/>
+          <a:lstStyle/>
+          <a:p>
+            <a:pPr algn="ctr"/>
+            <a:r>
+              <a:rPr lang="fr-FR" b="1" dirty="0">
+                <a:latin typeface="Comic Sans MS" panose="030F0702030302020204" pitchFamily="66" charset="0"/>
+                <a:ea typeface="JetBrains Mono" panose="02000009000000000000" pitchFamily="49" charset="0"/>
+                <a:cs typeface="JetBrains Mono" panose="02000009000000000000" pitchFamily="49" charset="0"/>
+              </a:rPr>
+              <a:t>Sujet : fabrication et installation des portes</a:t>
+            </a:r>
+          </a:p>
+        </p:txBody>
+      </p:sp>
+      <p:graphicFrame>
+        <p:nvGraphicFramePr>
+          <p:cNvPr id="2" name="Table 1">
+            <a:extLst>
+              <a:ext uri="{FF2B5EF4-FFF2-40B4-BE49-F238E27FC236}">
+                <a16:creationId xmlns:a16="http://schemas.microsoft.com/office/drawing/2014/main" id="{AFCB8B3A-B6F8-4548-A2DA-06057CDA9A4C}"/>
+              </a:ext>
+            </a:extLst>
+          </p:cNvPr>
+          <p:cNvGraphicFramePr>
+            <a:graphicFrameLocks noGrp="1"/>
+          </p:cNvGraphicFramePr>
+          <p:nvPr>
+            <p:extLst>
+              <p:ext uri="{D42A27DB-BD31-4B8C-83A1-F6EECF244321}">
+                <p14:modId xmlns:p14="http://schemas.microsoft.com/office/powerpoint/2010/main" val="3116090106"/>
+              </p:ext>
+            </p:extLst>
+          </p:nvPr>
+        </p:nvGraphicFramePr>
+        <p:xfrm>
+          <a:off x="4039556" y="944558"/>
+          <a:ext cx="7040233" cy="9675322"/>
+        </p:xfrm>
+        <a:graphic>
+          <a:graphicData uri="http://schemas.openxmlformats.org/drawingml/2006/table">
+            <a:tbl>
+              <a:tblPr firstRow="1" bandRow="1">
+                <a:tableStyleId>{5940675A-B579-460E-94D1-54222C63F5DA}</a:tableStyleId>
+              </a:tblPr>
+              <a:tblGrid>
+                <a:gridCol w="2253173">
+                  <a:extLst>
+                    <a:ext uri="{9D8B030D-6E8A-4147-A177-3AD203B41FA5}">
+                      <a16:colId xmlns:a16="http://schemas.microsoft.com/office/drawing/2014/main" val="2787692130"/>
+                    </a:ext>
+                  </a:extLst>
+                </a:gridCol>
+                <a:gridCol w="957412">
+                  <a:extLst>
+                    <a:ext uri="{9D8B030D-6E8A-4147-A177-3AD203B41FA5}">
+                      <a16:colId xmlns:a16="http://schemas.microsoft.com/office/drawing/2014/main" val="607649727"/>
+                    </a:ext>
+                  </a:extLst>
+                </a:gridCol>
+                <a:gridCol w="957412">
+                  <a:extLst>
+                    <a:ext uri="{9D8B030D-6E8A-4147-A177-3AD203B41FA5}">
+                      <a16:colId xmlns:a16="http://schemas.microsoft.com/office/drawing/2014/main" val="2879588787"/>
+                    </a:ext>
+                  </a:extLst>
+                </a:gridCol>
+                <a:gridCol w="957412">
+                  <a:extLst>
+                    <a:ext uri="{9D8B030D-6E8A-4147-A177-3AD203B41FA5}">
+                      <a16:colId xmlns:a16="http://schemas.microsoft.com/office/drawing/2014/main" val="963493659"/>
+                    </a:ext>
+                  </a:extLst>
+                </a:gridCol>
+                <a:gridCol w="957412">
+                  <a:extLst>
+                    <a:ext uri="{9D8B030D-6E8A-4147-A177-3AD203B41FA5}">
+                      <a16:colId xmlns:a16="http://schemas.microsoft.com/office/drawing/2014/main" val="283199609"/>
+                    </a:ext>
+                  </a:extLst>
+                </a:gridCol>
+                <a:gridCol w="957412">
+                  <a:extLst>
+                    <a:ext uri="{9D8B030D-6E8A-4147-A177-3AD203B41FA5}">
+                      <a16:colId xmlns:a16="http://schemas.microsoft.com/office/drawing/2014/main" val="3524401581"/>
+                    </a:ext>
+                  </a:extLst>
+                </a:gridCol>
+              </a:tblGrid>
+              <a:tr h="1371600">
+                <a:tc>
+                  <a:txBody>
+                    <a:bodyPr/>
+                    <a:lstStyle/>
+                    <a:p>
+                      <a:pPr algn="ctr"/>
+                      <a:r>
+                        <a:rPr lang="fr-FR" sz="1400" dirty="0">
+                          <a:solidFill>
+                            <a:schemeClr val="bg1"/>
+                          </a:solidFill>
+                        </a:rPr>
+                        <a:t>Critère évalué</a:t>
+                      </a:r>
+                    </a:p>
+                  </a:txBody>
+                  <a:tcPr anchor="ctr">
+                    <a:solidFill>
+                      <a:schemeClr val="tx1"/>
+                    </a:solidFill>
+                  </a:tcPr>
+                </a:tc>
+                <a:tc>
+                  <a:txBody>
+                    <a:bodyPr/>
+                    <a:lstStyle/>
+                    <a:p>
+                      <a:pPr algn="ctr"/>
+                      <a:r>
+                        <a:rPr lang="fr-FR" sz="900" dirty="0"/>
+                        <a:t>Absence</a:t>
+                      </a:r>
+                    </a:p>
+                  </a:txBody>
+                  <a:tcPr anchor="ctr">
+                    <a:solidFill>
+                      <a:schemeClr val="bg2">
+                        <a:lumMod val="75000"/>
+                      </a:schemeClr>
+                    </a:solidFill>
+                  </a:tcPr>
+                </a:tc>
+                <a:tc>
+                  <a:txBody>
+                    <a:bodyPr/>
+                    <a:lstStyle/>
+                    <a:p>
+                      <a:pPr algn="ctr"/>
+                      <a:r>
+                        <a:rPr lang="fr-FR" sz="900" dirty="0"/>
+                        <a:t>Non maitrisé</a:t>
+                      </a:r>
+                    </a:p>
+                  </a:txBody>
+                  <a:tcPr anchor="ctr">
+                    <a:solidFill>
+                      <a:srgbClr val="FF0000"/>
+                    </a:solidFill>
+                  </a:tcPr>
+                </a:tc>
+                <a:tc>
+                  <a:txBody>
+                    <a:bodyPr/>
+                    <a:lstStyle/>
+                    <a:p>
+                      <a:pPr algn="ctr"/>
+                      <a:r>
+                        <a:rPr lang="fr-FR" sz="900" dirty="0"/>
+                        <a:t>Moyennement acquis</a:t>
+                      </a:r>
+                    </a:p>
+                  </a:txBody>
+                  <a:tcPr anchor="ctr">
+                    <a:solidFill>
+                      <a:schemeClr val="accent4"/>
+                    </a:solidFill>
+                  </a:tcPr>
+                </a:tc>
+                <a:tc>
+                  <a:txBody>
+                    <a:bodyPr/>
+                    <a:lstStyle/>
+                    <a:p>
+                      <a:pPr algn="ctr"/>
+                      <a:r>
+                        <a:rPr lang="fr-FR" sz="900" dirty="0"/>
+                        <a:t>satisfaisant</a:t>
+                      </a:r>
+                    </a:p>
+                  </a:txBody>
+                  <a:tcPr anchor="ctr">
+                    <a:solidFill>
+                      <a:srgbClr val="FFFF00"/>
+                    </a:solidFill>
+                  </a:tcPr>
+                </a:tc>
+                <a:tc>
+                  <a:txBody>
+                    <a:bodyPr/>
+                    <a:lstStyle/>
+                    <a:p>
+                      <a:pPr algn="ctr"/>
+                      <a:r>
+                        <a:rPr lang="fr-FR" sz="900" dirty="0"/>
+                        <a:t>Très satisfaisant</a:t>
+                      </a:r>
+                    </a:p>
+                  </a:txBody>
+                  <a:tcPr anchor="ctr">
+                    <a:solidFill>
+                      <a:schemeClr val="accent6"/>
+                    </a:solidFill>
+                  </a:tcPr>
+                </a:tc>
+                <a:extLst>
+                  <a:ext uri="{0D108BD9-81ED-4DB2-BD59-A6C34878D82A}">
+                    <a16:rowId xmlns:a16="http://schemas.microsoft.com/office/drawing/2014/main" val="3340223667"/>
+                  </a:ext>
+                </a:extLst>
+              </a:tr>
+              <a:tr h="1186246">
+                <a:tc>
+                  <a:txBody>
+                    <a:bodyPr/>
+                    <a:lstStyle/>
+                    <a:p>
+                      <a:pPr marL="0" marR="0" lvl="0" indent="0" algn="l" defTabSz="1439997" rtl="0" eaLnBrk="1" fontAlgn="auto" latinLnBrk="0" hangingPunct="1">
+                        <a:lnSpc>
+                          <a:spcPct val="100000"/>
+                        </a:lnSpc>
+                        <a:spcBef>
+                          <a:spcPts val="0"/>
+                        </a:spcBef>
+                        <a:spcAft>
+                          <a:spcPts val="0"/>
+                        </a:spcAft>
+                        <a:buClrTx/>
+                        <a:buSzTx/>
+                        <a:buFontTx/>
+                        <a:buNone/>
+                        <a:tabLst/>
+                        <a:defRPr/>
+                      </a:pPr>
+                      <a:r>
+                        <a:rPr lang="fr-FR" sz="1400" dirty="0"/>
+                        <a:t>Les portes sont plaquées des deux cotés (4 pts)</a:t>
+                      </a:r>
+                    </a:p>
+                  </a:txBody>
+                  <a:tcPr anchor="ctr"/>
+                </a:tc>
+                <a:tc>
+                  <a:txBody>
+                    <a:bodyPr/>
+                    <a:lstStyle/>
+                    <a:p>
+                      <a:endParaRPr lang="fr-FR" sz="1400" dirty="0"/>
+                    </a:p>
+                  </a:txBody>
+                  <a:tcPr anchor="ctr">
+                    <a:blipFill>
+                      <a:blip r:embed="rId2"/>
+                      <a:tile tx="0" ty="0" sx="100000" sy="100000" flip="none" algn="tl"/>
+                    </a:blipFill>
+                  </a:tcPr>
+                </a:tc>
+                <a:tc>
+                  <a:txBody>
+                    <a:bodyPr/>
+                    <a:lstStyle/>
+                    <a:p>
+                      <a:pPr algn="ctr"/>
+                      <a:r>
+                        <a:rPr lang="fr-FR" sz="900" dirty="0"/>
+                        <a:t>Non effectué</a:t>
+                      </a:r>
+                    </a:p>
+                  </a:txBody>
+                  <a:tcPr anchor="ctr">
+                    <a:noFill/>
+                  </a:tcPr>
+                </a:tc>
+                <a:tc>
+                  <a:txBody>
+                    <a:bodyPr/>
+                    <a:lstStyle/>
+                    <a:p>
+                      <a:pPr algn="ctr"/>
+                      <a:endParaRPr lang="fr-FR" sz="900" dirty="0"/>
+                    </a:p>
+                  </a:txBody>
+                  <a:tcPr anchor="ctr">
+                    <a:solidFill>
+                      <a:schemeClr val="bg1">
+                        <a:lumMod val="65000"/>
+                      </a:schemeClr>
+                    </a:solidFill>
+                  </a:tcPr>
+                </a:tc>
+                <a:tc>
+                  <a:txBody>
+                    <a:bodyPr/>
+                    <a:lstStyle/>
+                    <a:p>
+                      <a:pPr algn="ctr"/>
+                      <a:endParaRPr lang="fr-FR" sz="900" dirty="0"/>
+                    </a:p>
+                  </a:txBody>
+                  <a:tcPr anchor="ctr">
+                    <a:solidFill>
+                      <a:schemeClr val="bg1">
+                        <a:lumMod val="65000"/>
+                      </a:schemeClr>
+                    </a:solidFill>
+                  </a:tcPr>
+                </a:tc>
+                <a:tc>
+                  <a:txBody>
+                    <a:bodyPr/>
+                    <a:lstStyle/>
+                    <a:p>
+                      <a:pPr algn="ctr"/>
+                      <a:r>
+                        <a:rPr lang="fr-FR" sz="900" dirty="0"/>
+                        <a:t>effectué</a:t>
+                      </a:r>
+                    </a:p>
+                  </a:txBody>
+                  <a:tcPr anchor="ctr"/>
+                </a:tc>
+                <a:extLst>
+                  <a:ext uri="{0D108BD9-81ED-4DB2-BD59-A6C34878D82A}">
+                    <a16:rowId xmlns:a16="http://schemas.microsoft.com/office/drawing/2014/main" val="3605164153"/>
+                  </a:ext>
+                </a:extLst>
+              </a:tr>
+              <a:tr h="1186246">
+                <a:tc>
+                  <a:txBody>
+                    <a:bodyPr/>
+                    <a:lstStyle/>
+                    <a:p>
+                      <a:r>
+                        <a:rPr lang="fr-FR" sz="1400" dirty="0"/>
+                        <a:t>Les portes sont débités aux cotes (4 pts)</a:t>
+                      </a:r>
+                    </a:p>
+                  </a:txBody>
+                  <a:tcPr anchor="ctr"/>
+                </a:tc>
+                <a:tc>
+                  <a:txBody>
+                    <a:bodyPr/>
+                    <a:lstStyle/>
+                    <a:p>
+                      <a:endParaRPr lang="fr-FR" sz="1400" dirty="0"/>
+                    </a:p>
+                  </a:txBody>
+                  <a:tcPr anchor="ctr">
+                    <a:blipFill>
+                      <a:blip r:embed="rId2"/>
+                      <a:tile tx="0" ty="0" sx="100000" sy="100000" flip="none" algn="tl"/>
+                    </a:blipFill>
+                  </a:tcPr>
+                </a:tc>
+                <a:tc>
+                  <a:txBody>
+                    <a:bodyPr/>
+                    <a:lstStyle/>
+                    <a:p>
+                      <a:pPr algn="ctr"/>
+                      <a:r>
+                        <a:rPr lang="fr-FR" sz="900" dirty="0"/>
+                        <a:t>Décalage de plus de 2 mm</a:t>
+                      </a:r>
+                    </a:p>
+                  </a:txBody>
+                  <a:tcPr anchor="ctr"/>
+                </a:tc>
+                <a:tc>
+                  <a:txBody>
+                    <a:bodyPr/>
+                    <a:lstStyle/>
+                    <a:p>
+                      <a:pPr algn="ctr"/>
+                      <a:r>
+                        <a:rPr lang="fr-FR" sz="900" dirty="0"/>
+                        <a:t>Décalage de </a:t>
+                      </a:r>
+                    </a:p>
+                    <a:p>
+                      <a:pPr algn="ctr"/>
+                      <a:r>
+                        <a:rPr lang="fr-FR" sz="900" dirty="0"/>
+                        <a:t>2 mm</a:t>
+                      </a:r>
+                    </a:p>
+                  </a:txBody>
+                  <a:tcPr anchor="ctr"/>
+                </a:tc>
+                <a:tc>
+                  <a:txBody>
+                    <a:bodyPr/>
+                    <a:lstStyle/>
+                    <a:p>
+                      <a:pPr algn="ctr"/>
+                      <a:r>
+                        <a:rPr lang="fr-FR" sz="900" dirty="0"/>
+                        <a:t>Décalage de </a:t>
+                      </a:r>
+                    </a:p>
+                    <a:p>
+                      <a:pPr algn="ctr"/>
+                      <a:r>
+                        <a:rPr lang="fr-FR" sz="900" dirty="0"/>
+                        <a:t>1 mm</a:t>
+                      </a:r>
+                    </a:p>
+                  </a:txBody>
+                  <a:tcPr anchor="ctr"/>
+                </a:tc>
+                <a:tc>
+                  <a:txBody>
+                    <a:bodyPr/>
+                    <a:lstStyle/>
+                    <a:p>
+                      <a:pPr algn="ctr"/>
+                      <a:r>
+                        <a:rPr lang="fr-FR" sz="900" dirty="0"/>
+                        <a:t>Aucun décalage</a:t>
+                      </a:r>
+                    </a:p>
+                  </a:txBody>
+                  <a:tcPr anchor="ctr"/>
+                </a:tc>
+                <a:extLst>
+                  <a:ext uri="{0D108BD9-81ED-4DB2-BD59-A6C34878D82A}">
+                    <a16:rowId xmlns:a16="http://schemas.microsoft.com/office/drawing/2014/main" val="2998772913"/>
+                  </a:ext>
+                </a:extLst>
+              </a:tr>
+              <a:tr h="1186246">
+                <a:tc>
+                  <a:txBody>
+                    <a:bodyPr/>
+                    <a:lstStyle/>
+                    <a:p>
+                      <a:endParaRPr lang="fr-FR" sz="1400" dirty="0">
+                        <a:highlight>
+                          <a:srgbClr val="FFFF00"/>
+                        </a:highlight>
+                      </a:endParaRPr>
+                    </a:p>
+                  </a:txBody>
+                  <a:tcPr anchor="ctr">
+                    <a:solidFill>
+                      <a:srgbClr val="A6A6A6"/>
+                    </a:solidFill>
+                  </a:tcPr>
+                </a:tc>
+                <a:tc>
+                  <a:txBody>
+                    <a:bodyPr/>
+                    <a:lstStyle/>
+                    <a:p>
+                      <a:endParaRPr lang="fr-FR" sz="1400" dirty="0"/>
+                    </a:p>
+                  </a:txBody>
+                  <a:tcPr anchor="ctr">
+                    <a:solidFill>
+                      <a:srgbClr val="A6A6A6"/>
+                    </a:solidFill>
+                  </a:tcPr>
+                </a:tc>
+                <a:tc>
+                  <a:txBody>
+                    <a:bodyPr/>
+                    <a:lstStyle/>
+                    <a:p>
+                      <a:pPr algn="ctr"/>
+                      <a:endParaRPr lang="fr-FR" sz="900" dirty="0"/>
+                    </a:p>
+                  </a:txBody>
+                  <a:tcPr anchor="ctr">
+                    <a:solidFill>
+                      <a:srgbClr val="A6A6A6"/>
+                    </a:solidFill>
+                  </a:tcPr>
+                </a:tc>
+                <a:tc>
+                  <a:txBody>
+                    <a:bodyPr/>
+                    <a:lstStyle/>
+                    <a:p>
+                      <a:pPr algn="ctr"/>
+                      <a:endParaRPr lang="fr-FR" sz="900" dirty="0"/>
+                    </a:p>
+                  </a:txBody>
+                  <a:tcPr anchor="ctr">
+                    <a:solidFill>
+                      <a:srgbClr val="A6A6A6"/>
+                    </a:solidFill>
+                  </a:tcPr>
+                </a:tc>
+                <a:tc>
+                  <a:txBody>
+                    <a:bodyPr/>
+                    <a:lstStyle/>
+                    <a:p>
+                      <a:pPr algn="ctr"/>
+                      <a:endParaRPr lang="fr-FR" sz="900" dirty="0"/>
+                    </a:p>
+                  </a:txBody>
+                  <a:tcPr anchor="ctr">
+                    <a:solidFill>
+                      <a:srgbClr val="A6A6A6"/>
+                    </a:solidFill>
+                  </a:tcPr>
+                </a:tc>
+                <a:tc>
+                  <a:txBody>
+                    <a:bodyPr/>
+                    <a:lstStyle/>
+                    <a:p>
+                      <a:pPr algn="ctr"/>
+                      <a:endParaRPr lang="fr-FR" sz="900" dirty="0"/>
+                    </a:p>
+                  </a:txBody>
+                  <a:tcPr anchor="ctr">
+                    <a:solidFill>
+                      <a:srgbClr val="A6A6A6"/>
+                    </a:solidFill>
+                  </a:tcPr>
+                </a:tc>
+                <a:extLst>
+                  <a:ext uri="{0D108BD9-81ED-4DB2-BD59-A6C34878D82A}">
+                    <a16:rowId xmlns:a16="http://schemas.microsoft.com/office/drawing/2014/main" val="263690387"/>
+                  </a:ext>
+                </a:extLst>
+              </a:tr>
+              <a:tr h="1186246">
+                <a:tc>
+                  <a:txBody>
+                    <a:bodyPr/>
+                    <a:lstStyle/>
+                    <a:p>
+                      <a:pPr marL="0" marR="0" lvl="0" indent="0" algn="l" defTabSz="1439997" rtl="0" eaLnBrk="1" fontAlgn="auto" latinLnBrk="0" hangingPunct="1">
+                        <a:lnSpc>
+                          <a:spcPct val="100000"/>
+                        </a:lnSpc>
+                        <a:spcBef>
+                          <a:spcPts val="0"/>
+                        </a:spcBef>
+                        <a:spcAft>
+                          <a:spcPts val="0"/>
+                        </a:spcAft>
+                        <a:buClrTx/>
+                        <a:buSzTx/>
+                        <a:buFontTx/>
+                        <a:buNone/>
+                        <a:tabLst/>
+                        <a:defRPr/>
+                      </a:pPr>
+                      <a:r>
+                        <a:rPr lang="fr-FR" sz="1400" dirty="0"/>
+                        <a:t>Le placage est parfaitement appliqué. </a:t>
+                      </a:r>
+                    </a:p>
+                    <a:p>
+                      <a:r>
+                        <a:rPr lang="fr-FR" sz="1400" dirty="0"/>
+                        <a:t>(4 pts)</a:t>
+                      </a:r>
+                    </a:p>
+                  </a:txBody>
+                  <a:tcPr anchor="ctr"/>
+                </a:tc>
+                <a:tc>
+                  <a:txBody>
+                    <a:bodyPr/>
+                    <a:lstStyle/>
+                    <a:p>
+                      <a:endParaRPr lang="fr-FR" sz="1400" dirty="0"/>
+                    </a:p>
+                  </a:txBody>
+                  <a:tcPr anchor="ctr">
+                    <a:blipFill>
+                      <a:blip r:embed="rId2"/>
+                      <a:tile tx="0" ty="0" sx="100000" sy="100000" flip="none" algn="tl"/>
+                    </a:blipFill>
+                  </a:tcPr>
+                </a:tc>
+                <a:tc>
+                  <a:txBody>
+                    <a:bodyPr/>
+                    <a:lstStyle/>
+                    <a:p>
+                      <a:pPr algn="ctr"/>
+                      <a:r>
+                        <a:rPr lang="fr-FR" sz="900" dirty="0"/>
+                        <a:t>Il y a plus d’une trace de colle, plus d’une arrête n’est pas fermée</a:t>
+                      </a:r>
+                    </a:p>
+                  </a:txBody>
+                  <a:tcPr anchor="ctr"/>
+                </a:tc>
+                <a:tc>
+                  <a:txBody>
+                    <a:bodyPr/>
+                    <a:lstStyle/>
+                    <a:p>
+                      <a:pPr algn="ctr"/>
+                      <a:endParaRPr lang="fr-FR" sz="900" dirty="0"/>
+                    </a:p>
+                  </a:txBody>
+                  <a:tcPr anchor="ctr">
+                    <a:solidFill>
+                      <a:srgbClr val="A6A6A6"/>
+                    </a:solidFill>
+                  </a:tcPr>
+                </a:tc>
+                <a:tc>
+                  <a:txBody>
+                    <a:bodyPr/>
+                    <a:lstStyle/>
+                    <a:p>
+                      <a:pPr algn="ctr"/>
+                      <a:r>
+                        <a:rPr lang="fr-FR" sz="900" dirty="0"/>
+                        <a:t>Il y a une traces de colles ou une arrête n’est pas fermée </a:t>
+                      </a:r>
+                    </a:p>
+                  </a:txBody>
+                  <a:tcPr anchor="ctr"/>
+                </a:tc>
+                <a:tc>
+                  <a:txBody>
+                    <a:bodyPr/>
+                    <a:lstStyle/>
+                    <a:p>
+                      <a:pPr algn="ctr"/>
+                      <a:r>
+                        <a:rPr lang="fr-FR" sz="900" dirty="0"/>
+                        <a:t>Toute les arrêtes sont parfaitement fermées, la surface est propre</a:t>
+                      </a:r>
+                    </a:p>
+                  </a:txBody>
+                  <a:tcPr anchor="ctr"/>
+                </a:tc>
+                <a:extLst>
+                  <a:ext uri="{0D108BD9-81ED-4DB2-BD59-A6C34878D82A}">
+                    <a16:rowId xmlns:a16="http://schemas.microsoft.com/office/drawing/2014/main" val="1047825679"/>
+                  </a:ext>
+                </a:extLst>
+              </a:tr>
+              <a:tr h="1186246">
+                <a:tc>
+                  <a:txBody>
+                    <a:bodyPr/>
+                    <a:lstStyle/>
+                    <a:p>
+                      <a:pPr marL="0" marR="0" lvl="0" indent="0" algn="l" defTabSz="1439997" rtl="0" eaLnBrk="1" fontAlgn="auto" latinLnBrk="0" hangingPunct="1">
+                        <a:lnSpc>
+                          <a:spcPct val="100000"/>
+                        </a:lnSpc>
+                        <a:spcBef>
+                          <a:spcPts val="0"/>
+                        </a:spcBef>
+                        <a:spcAft>
+                          <a:spcPts val="0"/>
+                        </a:spcAft>
+                        <a:buClrTx/>
+                        <a:buSzTx/>
+                        <a:buFontTx/>
+                        <a:buNone/>
+                        <a:tabLst/>
+                        <a:defRPr/>
+                      </a:pPr>
+                      <a:r>
+                        <a:rPr lang="fr-FR" sz="1400" dirty="0"/>
+                        <a:t>La placage n’est pas vif sur les arrêtes du meubles, un chanfrein ou un ponçage a été réalisé</a:t>
+                      </a:r>
+                    </a:p>
+                    <a:p>
+                      <a:r>
+                        <a:rPr lang="fr-FR" sz="1400" dirty="0"/>
+                        <a:t>(4 pts)</a:t>
+                      </a:r>
+                    </a:p>
+                  </a:txBody>
+                  <a:tcPr anchor="ctr"/>
+                </a:tc>
+                <a:tc>
+                  <a:txBody>
+                    <a:bodyPr/>
+                    <a:lstStyle/>
+                    <a:p>
+                      <a:endParaRPr lang="fr-FR" sz="1400" dirty="0"/>
+                    </a:p>
+                  </a:txBody>
+                  <a:tcPr anchor="ctr">
+                    <a:blipFill>
+                      <a:blip r:embed="rId2"/>
+                      <a:tile tx="0" ty="0" sx="100000" sy="100000" flip="none" algn="tl"/>
+                    </a:blipFill>
+                  </a:tcPr>
+                </a:tc>
+                <a:tc>
+                  <a:txBody>
+                    <a:bodyPr/>
+                    <a:lstStyle/>
+                    <a:p>
+                      <a:pPr marL="0" marR="0" lvl="0" indent="0" algn="ctr" defTabSz="1439997" rtl="0" eaLnBrk="1" fontAlgn="auto" latinLnBrk="0" hangingPunct="1">
+                        <a:lnSpc>
+                          <a:spcPct val="100000"/>
+                        </a:lnSpc>
+                        <a:spcBef>
+                          <a:spcPts val="0"/>
+                        </a:spcBef>
+                        <a:spcAft>
+                          <a:spcPts val="0"/>
+                        </a:spcAft>
+                        <a:buClrTx/>
+                        <a:buSzTx/>
+                        <a:buFontTx/>
+                        <a:buNone/>
+                        <a:tabLst/>
+                        <a:defRPr/>
+                      </a:pPr>
+                      <a:r>
+                        <a:rPr lang="fr-FR" sz="900" dirty="0"/>
+                        <a:t>Plus de deux arrêtes vives</a:t>
+                      </a:r>
+                    </a:p>
+                    <a:p>
+                      <a:pPr algn="ctr"/>
+                      <a:endParaRPr lang="fr-FR" sz="900" dirty="0"/>
+                    </a:p>
+                  </a:txBody>
+                  <a:tcPr anchor="ctr"/>
+                </a:tc>
+                <a:tc>
+                  <a:txBody>
+                    <a:bodyPr/>
+                    <a:lstStyle/>
+                    <a:p>
+                      <a:pPr marL="0" marR="0" lvl="0" indent="0" algn="ctr" defTabSz="1439997" rtl="0" eaLnBrk="1" fontAlgn="auto" latinLnBrk="0" hangingPunct="1">
+                        <a:lnSpc>
+                          <a:spcPct val="100000"/>
+                        </a:lnSpc>
+                        <a:spcBef>
+                          <a:spcPts val="0"/>
+                        </a:spcBef>
+                        <a:spcAft>
+                          <a:spcPts val="0"/>
+                        </a:spcAft>
+                        <a:buClrTx/>
+                        <a:buSzTx/>
+                        <a:buFontTx/>
+                        <a:buNone/>
+                        <a:tabLst/>
+                        <a:defRPr/>
+                      </a:pPr>
+                      <a:r>
+                        <a:rPr lang="fr-FR" sz="900" dirty="0"/>
+                        <a:t>Deux arrêtes vives</a:t>
+                      </a:r>
+                    </a:p>
+                    <a:p>
+                      <a:pPr algn="ctr"/>
+                      <a:endParaRPr lang="fr-FR" sz="900" dirty="0"/>
+                    </a:p>
+                  </a:txBody>
+                  <a:tcPr anchor="ctr"/>
+                </a:tc>
+                <a:tc>
+                  <a:txBody>
+                    <a:bodyPr/>
+                    <a:lstStyle/>
+                    <a:p>
+                      <a:pPr algn="ctr"/>
+                      <a:r>
+                        <a:rPr lang="fr-FR" sz="900" dirty="0"/>
+                        <a:t>Une arrête vive</a:t>
+                      </a:r>
+                    </a:p>
+                  </a:txBody>
+                  <a:tcPr anchor="ctr"/>
+                </a:tc>
+                <a:tc>
+                  <a:txBody>
+                    <a:bodyPr/>
+                    <a:lstStyle/>
+                    <a:p>
+                      <a:pPr algn="ctr"/>
+                      <a:r>
+                        <a:rPr lang="fr-FR" sz="900" dirty="0"/>
+                        <a:t>Aucune arête vives</a:t>
+                      </a:r>
+                    </a:p>
+                  </a:txBody>
+                  <a:tcPr anchor="ctr"/>
+                </a:tc>
+                <a:extLst>
+                  <a:ext uri="{0D108BD9-81ED-4DB2-BD59-A6C34878D82A}">
+                    <a16:rowId xmlns:a16="http://schemas.microsoft.com/office/drawing/2014/main" val="1911863720"/>
+                  </a:ext>
+                </a:extLst>
+              </a:tr>
+              <a:tr h="1186246">
+                <a:tc>
+                  <a:txBody>
+                    <a:bodyPr/>
+                    <a:lstStyle/>
+                    <a:p>
+                      <a:pPr marL="0" marR="0" lvl="0" indent="0" algn="l" defTabSz="1439997" rtl="0" eaLnBrk="1" fontAlgn="auto" latinLnBrk="0" hangingPunct="1">
+                        <a:lnSpc>
+                          <a:spcPct val="100000"/>
+                        </a:lnSpc>
+                        <a:spcBef>
+                          <a:spcPts val="0"/>
+                        </a:spcBef>
+                        <a:spcAft>
+                          <a:spcPts val="0"/>
+                        </a:spcAft>
+                        <a:buClrTx/>
+                        <a:buSzTx/>
+                        <a:buFontTx/>
+                        <a:buNone/>
+                        <a:tabLst/>
+                        <a:defRPr/>
+                      </a:pPr>
+                      <a:r>
+                        <a:rPr lang="fr-FR" sz="1400" dirty="0"/>
+                        <a:t>Les portes sont poncés et prêtent à accueillir la finition </a:t>
+                      </a:r>
+                    </a:p>
+                    <a:p>
+                      <a:r>
+                        <a:rPr lang="fr-FR" sz="1400" dirty="0"/>
+                        <a:t>(4 pts)</a:t>
+                      </a:r>
+                    </a:p>
+                  </a:txBody>
+                  <a:tcPr anchor="ctr"/>
+                </a:tc>
+                <a:tc>
+                  <a:txBody>
+                    <a:bodyPr/>
+                    <a:lstStyle/>
+                    <a:p>
+                      <a:endParaRPr lang="fr-FR" sz="1400" dirty="0"/>
+                    </a:p>
+                  </a:txBody>
+                  <a:tcPr anchor="ctr">
+                    <a:blipFill>
+                      <a:blip r:embed="rId2"/>
+                      <a:tile tx="0" ty="0" sx="100000" sy="100000" flip="none" algn="tl"/>
+                    </a:blipFill>
+                  </a:tcPr>
+                </a:tc>
+                <a:tc>
+                  <a:txBody>
+                    <a:bodyPr/>
+                    <a:lstStyle/>
+                    <a:p>
+                      <a:pPr algn="ctr"/>
+                      <a:r>
+                        <a:rPr lang="fr-FR" sz="900" dirty="0"/>
+                        <a:t>Non effectué</a:t>
+                      </a:r>
+                    </a:p>
+                  </a:txBody>
+                  <a:tcPr anchor="ctr"/>
+                </a:tc>
+                <a:tc>
+                  <a:txBody>
+                    <a:bodyPr/>
+                    <a:lstStyle/>
+                    <a:p>
+                      <a:pPr algn="ctr"/>
+                      <a:endParaRPr lang="fr-FR" sz="900" dirty="0"/>
+                    </a:p>
+                  </a:txBody>
+                  <a:tcPr anchor="ctr">
+                    <a:solidFill>
+                      <a:srgbClr val="A6A6A6"/>
+                    </a:solidFill>
+                  </a:tcPr>
+                </a:tc>
+                <a:tc>
+                  <a:txBody>
+                    <a:bodyPr/>
+                    <a:lstStyle/>
+                    <a:p>
+                      <a:pPr algn="ctr"/>
+                      <a:endParaRPr lang="fr-FR" sz="900" dirty="0"/>
+                    </a:p>
+                  </a:txBody>
+                  <a:tcPr anchor="ctr">
+                    <a:solidFill>
+                      <a:srgbClr val="A6A6A6"/>
+                    </a:solidFill>
+                  </a:tcPr>
+                </a:tc>
+                <a:tc>
+                  <a:txBody>
+                    <a:bodyPr/>
+                    <a:lstStyle/>
+                    <a:p>
+                      <a:pPr algn="ctr"/>
+                      <a:r>
+                        <a:rPr lang="fr-FR" sz="900" dirty="0"/>
+                        <a:t>effectué</a:t>
+                      </a:r>
+                    </a:p>
+                  </a:txBody>
+                  <a:tcPr anchor="ctr"/>
+                </a:tc>
+                <a:extLst>
+                  <a:ext uri="{0D108BD9-81ED-4DB2-BD59-A6C34878D82A}">
+                    <a16:rowId xmlns:a16="http://schemas.microsoft.com/office/drawing/2014/main" val="3673042529"/>
+                  </a:ext>
+                </a:extLst>
+              </a:tr>
+              <a:tr h="1186246">
+                <a:tc>
+                  <a:txBody>
+                    <a:bodyPr/>
+                    <a:lstStyle/>
+                    <a:p>
+                      <a:pPr algn="ctr"/>
+                      <a:r>
+                        <a:rPr lang="fr-FR" dirty="0"/>
+                        <a:t>Note finale: </a:t>
+                      </a:r>
+                    </a:p>
+                  </a:txBody>
+                  <a:tcPr anchor="ctr"/>
+                </a:tc>
+                <a:tc gridSpan="5">
+                  <a:txBody>
+                    <a:bodyPr/>
+                    <a:lstStyle/>
+                    <a:p>
+                      <a:endParaRPr lang="fr-FR" sz="1400" dirty="0"/>
+                    </a:p>
+                  </a:txBody>
+                  <a:tcPr anchor="ctr"/>
+                </a:tc>
+                <a:tc hMerge="1">
+                  <a:txBody>
+                    <a:bodyPr/>
+                    <a:lstStyle/>
+                    <a:p>
+                      <a:endParaRPr lang="fr-FR" sz="1400" dirty="0"/>
+                    </a:p>
+                  </a:txBody>
+                  <a:tcPr anchor="ctr"/>
+                </a:tc>
+                <a:tc hMerge="1">
+                  <a:txBody>
+                    <a:bodyPr/>
+                    <a:lstStyle/>
+                    <a:p>
+                      <a:endParaRPr lang="fr-FR" sz="1400" dirty="0"/>
+                    </a:p>
+                  </a:txBody>
+                  <a:tcPr anchor="ctr"/>
+                </a:tc>
+                <a:tc hMerge="1">
+                  <a:txBody>
+                    <a:bodyPr/>
+                    <a:lstStyle/>
+                    <a:p>
+                      <a:endParaRPr lang="fr-FR" sz="1400" dirty="0"/>
+                    </a:p>
+                  </a:txBody>
+                  <a:tcPr anchor="ctr"/>
+                </a:tc>
+                <a:tc hMerge="1">
+                  <a:txBody>
+                    <a:bodyPr/>
+                    <a:lstStyle/>
+                    <a:p>
+                      <a:endParaRPr lang="fr-FR" sz="1400" dirty="0"/>
+                    </a:p>
+                  </a:txBody>
+                  <a:tcPr anchor="ctr"/>
+                </a:tc>
+                <a:extLst>
+                  <a:ext uri="{0D108BD9-81ED-4DB2-BD59-A6C34878D82A}">
+                    <a16:rowId xmlns:a16="http://schemas.microsoft.com/office/drawing/2014/main" val="3834295413"/>
+                  </a:ext>
+                </a:extLst>
+              </a:tr>
+            </a:tbl>
+          </a:graphicData>
+        </a:graphic>
+      </p:graphicFrame>
+    </p:spTree>
+    <p:extLst>
+      <p:ext uri="{BB962C8B-B14F-4D97-AF65-F5344CB8AC3E}">
+        <p14:creationId xmlns:p14="http://schemas.microsoft.com/office/powerpoint/2010/main" val="609554537"/>
+      </p:ext>
+    </p:extLst>
+  </p:cSld>
+  <p:clrMapOvr>
+    <a:masterClrMapping/>
+  </p:clrMapOvr>
+</p:sld>
+</file>
+
+<file path=ppt/slides/slide3.xml><?xml version="1.0" encoding="utf-8"?>
+<p:sld xmlns:a="http://schemas.openxmlformats.org/drawingml/2006/main" xmlns:r="http://schemas.openxmlformats.org/officeDocument/2006/relationships" xmlns:p="http://schemas.openxmlformats.org/presentationml/2006/main">
+  <p:cSld>
+    <p:spTree>
+      <p:nvGrpSpPr>
+        <p:cNvPr id="1" name=""/>
+        <p:cNvGrpSpPr/>
+        <p:nvPr/>
+      </p:nvGrpSpPr>
+      <p:grpSpPr>
+        <a:xfrm>
+          <a:off x="0" y="0"/>
+          <a:ext cx="0" cy="0"/>
+          <a:chOff x="0" y="0"/>
+          <a:chExt cx="0" cy="0"/>
+        </a:xfrm>
+      </p:grpSpPr>
+      <p:sp>
+        <p:nvSpPr>
+          <p:cNvPr id="17" name="Rectangle 16"/>
+          <p:cNvSpPr/>
+          <p:nvPr/>
+        </p:nvSpPr>
+        <p:spPr>
+          <a:xfrm>
+            <a:off x="4039557" y="179881"/>
+            <a:ext cx="7040235" cy="10440000"/>
+          </a:xfrm>
+          <a:prstGeom prst="rect">
+            <a:avLst/>
+          </a:prstGeom>
+          <a:ln w="57150"/>
+        </p:spPr>
+        <p:style>
+          <a:lnRef idx="2">
+            <a:schemeClr val="dk1"/>
+          </a:lnRef>
+          <a:fillRef idx="1">
+            <a:schemeClr val="lt1"/>
+          </a:fillRef>
+          <a:effectRef idx="0">
+            <a:schemeClr val="dk1"/>
+          </a:effectRef>
+          <a:fontRef idx="minor">
+            <a:schemeClr val="dk1"/>
+          </a:fontRef>
+        </p:style>
+        <p:txBody>
+          <a:bodyPr rtlCol="0" anchor="t"/>
+          <a:lstStyle/>
+          <a:p>
+            <a:pPr marL="72000"/>
+            <a:endParaRPr lang="fr-FR" b="1" dirty="0">
+              <a:solidFill>
+                <a:schemeClr val="tx1"/>
+              </a:solidFill>
+              <a:latin typeface="Comic Sans MS" panose="030F0702030302020204" pitchFamily="66" charset="0"/>
+              <a:ea typeface="JetBrains Mono" panose="02000009000000000000" pitchFamily="49" charset="0"/>
+              <a:cs typeface="Arial" panose="020B0604020202020204" pitchFamily="34" charset="0"/>
+            </a:endParaRPr>
+          </a:p>
+          <a:p>
+            <a:pPr marL="72000"/>
+            <a:r>
+              <a:rPr lang="fr-FR" b="1" dirty="0">
+                <a:solidFill>
+                  <a:schemeClr val="tx1"/>
+                </a:solidFill>
+                <a:latin typeface="Comic Sans MS" panose="030F0702030302020204" pitchFamily="66" charset="0"/>
+                <a:ea typeface="JetBrains Mono" panose="02000009000000000000" pitchFamily="49" charset="0"/>
+                <a:cs typeface="Arial" panose="020B0604020202020204" pitchFamily="34" charset="0"/>
+              </a:rPr>
+              <a:t>Critères de notation :</a:t>
+            </a:r>
+          </a:p>
+        </p:txBody>
+      </p:sp>
+      <p:sp>
+        <p:nvSpPr>
+          <p:cNvPr id="18" name="Rectangle 17"/>
+          <p:cNvSpPr/>
+          <p:nvPr/>
+        </p:nvSpPr>
+        <p:spPr>
+          <a:xfrm>
+            <a:off x="142517" y="1390649"/>
+            <a:ext cx="3763202" cy="9229231"/>
+          </a:xfrm>
+          <a:prstGeom prst="rect">
+            <a:avLst/>
+          </a:prstGeom>
+          <a:ln w="57150"/>
+        </p:spPr>
+        <p:style>
+          <a:lnRef idx="2">
+            <a:schemeClr val="dk1"/>
+          </a:lnRef>
+          <a:fillRef idx="1">
+            <a:schemeClr val="lt1"/>
+          </a:fillRef>
+          <a:effectRef idx="0">
+            <a:schemeClr val="dk1"/>
+          </a:effectRef>
+          <a:fontRef idx="minor">
+            <a:schemeClr val="dk1"/>
+          </a:fontRef>
+        </p:style>
+        <p:txBody>
+          <a:bodyPr rtlCol="0" anchor="ctr"/>
+          <a:lstStyle/>
+          <a:p>
+            <a:pPr marL="72000"/>
+            <a:endParaRPr lang="fr-FR" sz="1600" b="1" dirty="0">
+              <a:solidFill>
+                <a:schemeClr val="tx1"/>
+              </a:solidFill>
+              <a:latin typeface="Comic Sans MS" panose="030F0702030302020204" pitchFamily="66" charset="0"/>
+              <a:ea typeface="JetBrains Mono" panose="02000009000000000000" pitchFamily="49" charset="0"/>
+              <a:cs typeface="Courier New" panose="02070309020205020404" pitchFamily="49" charset="0"/>
+            </a:endParaRPr>
+          </a:p>
+          <a:p>
+            <a:pPr marL="72000"/>
+            <a:endParaRPr lang="fr-FR" sz="1600" b="1" dirty="0">
+              <a:solidFill>
+                <a:schemeClr val="tx1"/>
+              </a:solidFill>
+              <a:latin typeface="Comic Sans MS" panose="030F0702030302020204" pitchFamily="66" charset="0"/>
+              <a:ea typeface="JetBrains Mono" panose="02000009000000000000" pitchFamily="49" charset="0"/>
+              <a:cs typeface="Courier New" panose="02070309020205020404" pitchFamily="49" charset="0"/>
+            </a:endParaRPr>
+          </a:p>
+          <a:p>
+            <a:pPr marL="72000"/>
+            <a:endParaRPr lang="fr-FR" sz="1600" b="1" dirty="0">
+              <a:solidFill>
+                <a:schemeClr val="tx1"/>
+              </a:solidFill>
+              <a:latin typeface="Comic Sans MS" panose="030F0702030302020204" pitchFamily="66" charset="0"/>
+              <a:ea typeface="JetBrains Mono" panose="02000009000000000000" pitchFamily="49" charset="0"/>
+              <a:cs typeface="Courier New" panose="02070309020205020404" pitchFamily="49" charset="0"/>
+            </a:endParaRPr>
+          </a:p>
+          <a:p>
+            <a:pPr marL="72000"/>
+            <a:r>
+              <a:rPr lang="fr-FR" sz="1600" b="1" dirty="0">
+                <a:solidFill>
+                  <a:schemeClr val="tx1"/>
+                </a:solidFill>
+                <a:latin typeface="Comic Sans MS" panose="030F0702030302020204" pitchFamily="66" charset="0"/>
+                <a:ea typeface="JetBrains Mono" panose="02000009000000000000" pitchFamily="49" charset="0"/>
+                <a:cs typeface="Courier New" panose="02070309020205020404" pitchFamily="49" charset="0"/>
+              </a:rPr>
+              <a:t>Noms et prénoms de l’élève :</a:t>
+            </a:r>
+          </a:p>
+          <a:p>
+            <a:pPr marL="72000"/>
+            <a:endParaRPr lang="fr-FR" sz="1600" b="1" dirty="0">
+              <a:solidFill>
+                <a:schemeClr val="tx1"/>
+              </a:solidFill>
+              <a:latin typeface="Comic Sans MS" panose="030F0702030302020204" pitchFamily="66" charset="0"/>
+              <a:ea typeface="JetBrains Mono" panose="02000009000000000000" pitchFamily="49" charset="0"/>
+              <a:cs typeface="Courier New" panose="02070309020205020404" pitchFamily="49" charset="0"/>
+            </a:endParaRPr>
+          </a:p>
+          <a:p>
+            <a:pPr marL="72000"/>
+            <a:r>
+              <a:rPr lang="fr-FR" sz="1600" b="1" dirty="0">
+                <a:solidFill>
+                  <a:schemeClr val="tx1"/>
+                </a:solidFill>
+                <a:latin typeface="Comic Sans MS" panose="030F0702030302020204" pitchFamily="66" charset="0"/>
+                <a:ea typeface="JetBrains Mono" panose="02000009000000000000" pitchFamily="49" charset="0"/>
+                <a:cs typeface="Courier New" panose="02070309020205020404" pitchFamily="49" charset="0"/>
+              </a:rPr>
+              <a:t>………………………………………………… (TTMA)</a:t>
+            </a:r>
+          </a:p>
+          <a:p>
+            <a:pPr marL="72000"/>
+            <a:endParaRPr lang="fr-FR" sz="1600" b="1" dirty="0">
+              <a:solidFill>
+                <a:schemeClr val="tx1"/>
+              </a:solidFill>
+              <a:latin typeface="Comic Sans MS" panose="030F0702030302020204" pitchFamily="66" charset="0"/>
+              <a:ea typeface="JetBrains Mono" panose="02000009000000000000" pitchFamily="49" charset="0"/>
+              <a:cs typeface="Courier New" panose="02070309020205020404" pitchFamily="49" charset="0"/>
+            </a:endParaRPr>
+          </a:p>
+          <a:p>
+            <a:pPr marL="72000"/>
+            <a:r>
+              <a:rPr lang="fr-FR" sz="1600" b="1" dirty="0">
+                <a:solidFill>
+                  <a:schemeClr val="tx1"/>
+                </a:solidFill>
+                <a:latin typeface="Comic Sans MS" panose="030F0702030302020204" pitchFamily="66" charset="0"/>
+                <a:ea typeface="JetBrains Mono" panose="02000009000000000000" pitchFamily="49" charset="0"/>
+                <a:cs typeface="Courier New" panose="02070309020205020404" pitchFamily="49" charset="0"/>
+              </a:rPr>
+              <a:t>Instructions :</a:t>
+            </a:r>
+          </a:p>
+          <a:p>
+            <a:pPr marL="72000"/>
+            <a:endParaRPr lang="fr-FR" sz="1600" b="1" dirty="0">
+              <a:solidFill>
+                <a:schemeClr val="tx1"/>
+              </a:solidFill>
+              <a:latin typeface="Comic Sans MS" panose="030F0702030302020204" pitchFamily="66" charset="0"/>
+              <a:ea typeface="JetBrains Mono" panose="02000009000000000000" pitchFamily="49" charset="0"/>
+              <a:cs typeface="Courier New" panose="02070309020205020404" pitchFamily="49" charset="0"/>
+            </a:endParaRPr>
+          </a:p>
+          <a:p>
+            <a:pPr marL="72000"/>
+            <a:r>
+              <a:rPr lang="fr-FR" sz="1600" dirty="0">
+                <a:solidFill>
+                  <a:schemeClr val="tx1"/>
+                </a:solidFill>
+                <a:latin typeface="Comic Sans MS" panose="030F0702030302020204" pitchFamily="66" charset="0"/>
+                <a:ea typeface="JetBrains Mono" panose="02000009000000000000" pitchFamily="49" charset="0"/>
+                <a:cs typeface="Courier New" panose="02070309020205020404" pitchFamily="49" charset="0"/>
+              </a:rPr>
+              <a:t>Assembler le meuble en respectant les normes esthétiques et techniques d’un ouvrage de menuiserie</a:t>
+            </a:r>
+          </a:p>
+          <a:p>
+            <a:pPr marL="72000"/>
+            <a:endParaRPr lang="fr-FR" sz="1600" b="1" dirty="0">
+              <a:solidFill>
+                <a:schemeClr val="tx1"/>
+              </a:solidFill>
+              <a:latin typeface="Comic Sans MS" panose="030F0702030302020204" pitchFamily="66" charset="0"/>
+              <a:ea typeface="JetBrains Mono" panose="02000009000000000000" pitchFamily="49" charset="0"/>
+              <a:cs typeface="Courier New" panose="02070309020205020404" pitchFamily="49" charset="0"/>
+            </a:endParaRPr>
+          </a:p>
+          <a:p>
+            <a:pPr marL="72000"/>
+            <a:r>
+              <a:rPr lang="fr-FR" sz="1600" b="1" dirty="0">
+                <a:solidFill>
+                  <a:schemeClr val="tx1"/>
+                </a:solidFill>
+                <a:latin typeface="Comic Sans MS" panose="030F0702030302020204" pitchFamily="66" charset="0"/>
+                <a:ea typeface="JetBrains Mono" panose="02000009000000000000" pitchFamily="49" charset="0"/>
+                <a:cs typeface="Courier New" panose="02070309020205020404" pitchFamily="49" charset="0"/>
+              </a:rPr>
+              <a:t>A Vérifier :</a:t>
+            </a:r>
+          </a:p>
+          <a:p>
+            <a:pPr marL="72000"/>
+            <a:endParaRPr lang="fr-FR" sz="1600" b="1" dirty="0">
+              <a:solidFill>
+                <a:schemeClr val="tx1"/>
+              </a:solidFill>
+              <a:latin typeface="Comic Sans MS" panose="030F0702030302020204" pitchFamily="66" charset="0"/>
+              <a:ea typeface="JetBrains Mono" panose="02000009000000000000" pitchFamily="49" charset="0"/>
+              <a:cs typeface="Courier New" panose="02070309020205020404" pitchFamily="49" charset="0"/>
+            </a:endParaRPr>
+          </a:p>
+          <a:p>
+            <a:pPr marL="72000"/>
+            <a:r>
+              <a:rPr lang="fr-FR" sz="1600" dirty="0">
+                <a:solidFill>
+                  <a:schemeClr val="tx1"/>
+                </a:solidFill>
+                <a:latin typeface="Comic Sans MS" panose="030F0702030302020204" pitchFamily="66" charset="0"/>
+                <a:ea typeface="JetBrains Mono" panose="02000009000000000000" pitchFamily="49" charset="0"/>
+                <a:cs typeface="Courier New" panose="02070309020205020404" pitchFamily="49" charset="0"/>
+              </a:rPr>
+              <a:t>L’ouvrage est d’équerre </a:t>
+            </a:r>
+          </a:p>
+          <a:p>
+            <a:pPr marL="72000"/>
+            <a:endParaRPr lang="fr-FR" sz="1600" dirty="0">
+              <a:solidFill>
+                <a:schemeClr val="tx1"/>
+              </a:solidFill>
+              <a:latin typeface="Comic Sans MS" panose="030F0702030302020204" pitchFamily="66" charset="0"/>
+              <a:ea typeface="JetBrains Mono" panose="02000009000000000000" pitchFamily="49" charset="0"/>
+              <a:cs typeface="Courier New" panose="02070309020205020404" pitchFamily="49" charset="0"/>
+            </a:endParaRPr>
+          </a:p>
+          <a:p>
+            <a:pPr marL="72000"/>
+            <a:r>
+              <a:rPr lang="fr-FR" sz="1600" dirty="0">
+                <a:solidFill>
+                  <a:schemeClr val="tx1"/>
+                </a:solidFill>
+                <a:latin typeface="Comic Sans MS" panose="030F0702030302020204" pitchFamily="66" charset="0"/>
+                <a:ea typeface="JetBrains Mono" panose="02000009000000000000" pitchFamily="49" charset="0"/>
+                <a:cs typeface="Courier New" panose="02070309020205020404" pitchFamily="49" charset="0"/>
+              </a:rPr>
+              <a:t>Les diagonales intérieur du meuble sont égales </a:t>
+            </a:r>
+          </a:p>
+          <a:p>
+            <a:pPr marL="72000"/>
+            <a:endParaRPr lang="fr-FR" sz="1600" dirty="0">
+              <a:solidFill>
+                <a:schemeClr val="tx1"/>
+              </a:solidFill>
+              <a:latin typeface="Comic Sans MS" panose="030F0702030302020204" pitchFamily="66" charset="0"/>
+              <a:ea typeface="JetBrains Mono" panose="02000009000000000000" pitchFamily="49" charset="0"/>
+              <a:cs typeface="Courier New" panose="02070309020205020404" pitchFamily="49" charset="0"/>
+            </a:endParaRPr>
+          </a:p>
+          <a:p>
+            <a:pPr marL="72000"/>
+            <a:r>
+              <a:rPr lang="fr-FR" sz="1600" dirty="0">
+                <a:solidFill>
+                  <a:schemeClr val="tx1"/>
+                </a:solidFill>
+                <a:latin typeface="Comic Sans MS" panose="030F0702030302020204" pitchFamily="66" charset="0"/>
+                <a:ea typeface="JetBrains Mono" panose="02000009000000000000" pitchFamily="49" charset="0"/>
+                <a:cs typeface="Courier New" panose="02070309020205020404" pitchFamily="49" charset="0"/>
+              </a:rPr>
+              <a:t>Il n’y a pas de trace de serrage sur l’extérieur du meuble (</a:t>
+            </a:r>
+            <a:r>
+              <a:rPr lang="fr-FR" sz="1600" dirty="0"/>
+              <a:t>marque de serrage ou une empreinte de serre-joint)</a:t>
+            </a:r>
+            <a:endParaRPr lang="fr-FR" sz="1600" dirty="0">
+              <a:solidFill>
+                <a:schemeClr val="tx1"/>
+              </a:solidFill>
+              <a:latin typeface="Comic Sans MS" panose="030F0702030302020204" pitchFamily="66" charset="0"/>
+              <a:ea typeface="JetBrains Mono" panose="02000009000000000000" pitchFamily="49" charset="0"/>
+              <a:cs typeface="Courier New" panose="02070309020205020404" pitchFamily="49" charset="0"/>
+            </a:endParaRPr>
+          </a:p>
+          <a:p>
+            <a:pPr marL="72000"/>
+            <a:endParaRPr lang="fr-FR" sz="1600" dirty="0">
+              <a:solidFill>
+                <a:schemeClr val="tx1"/>
+              </a:solidFill>
+              <a:latin typeface="Comic Sans MS" panose="030F0702030302020204" pitchFamily="66" charset="0"/>
+              <a:ea typeface="JetBrains Mono" panose="02000009000000000000" pitchFamily="49" charset="0"/>
+              <a:cs typeface="Courier New" panose="02070309020205020404" pitchFamily="49" charset="0"/>
+            </a:endParaRPr>
+          </a:p>
+          <a:p>
+            <a:pPr marL="72000"/>
+            <a:r>
+              <a:rPr lang="fr-FR" sz="1600" dirty="0">
+                <a:solidFill>
+                  <a:schemeClr val="tx1"/>
+                </a:solidFill>
+                <a:latin typeface="Comic Sans MS" panose="030F0702030302020204" pitchFamily="66" charset="0"/>
+                <a:ea typeface="JetBrains Mono" panose="02000009000000000000" pitchFamily="49" charset="0"/>
+                <a:cs typeface="Courier New" panose="02070309020205020404" pitchFamily="49" charset="0"/>
+              </a:rPr>
+              <a:t>Il n’y a pas d’écart entre les éléments du meuble après collage</a:t>
+            </a:r>
+          </a:p>
+          <a:p>
+            <a:pPr marL="72000"/>
+            <a:endParaRPr lang="fr-FR" sz="1600" dirty="0">
+              <a:solidFill>
+                <a:schemeClr val="tx1"/>
+              </a:solidFill>
+              <a:latin typeface="Comic Sans MS" panose="030F0702030302020204" pitchFamily="66" charset="0"/>
+              <a:ea typeface="JetBrains Mono" panose="02000009000000000000" pitchFamily="49" charset="0"/>
+              <a:cs typeface="Courier New" panose="02070309020205020404" pitchFamily="49" charset="0"/>
+            </a:endParaRPr>
+          </a:p>
+          <a:p>
+            <a:pPr marL="72000"/>
+            <a:r>
+              <a:rPr lang="fr-FR" sz="1600" dirty="0">
+                <a:solidFill>
+                  <a:schemeClr val="tx1"/>
+                </a:solidFill>
+                <a:latin typeface="Comic Sans MS" panose="030F0702030302020204" pitchFamily="66" charset="0"/>
+                <a:ea typeface="JetBrains Mono" panose="02000009000000000000" pitchFamily="49" charset="0"/>
+                <a:cs typeface="Courier New" panose="02070309020205020404" pitchFamily="49" charset="0"/>
+              </a:rPr>
+              <a:t>Les montants sont à fleur de face des traverses ou les traverses sont légèrement en retrait par rapport au montants (l’aggloméré n’est pas voyant) </a:t>
+            </a:r>
+          </a:p>
+          <a:p>
+            <a:pPr marL="72000"/>
+            <a:endParaRPr lang="fr-FR" sz="1600" dirty="0">
+              <a:solidFill>
+                <a:schemeClr val="tx1"/>
+              </a:solidFill>
+              <a:latin typeface="Comic Sans MS" panose="030F0702030302020204" pitchFamily="66" charset="0"/>
+              <a:ea typeface="JetBrains Mono" panose="02000009000000000000" pitchFamily="49" charset="0"/>
+              <a:cs typeface="Courier New" panose="02070309020205020404" pitchFamily="49" charset="0"/>
+            </a:endParaRPr>
+          </a:p>
+          <a:p>
+            <a:pPr marL="72000"/>
+            <a:r>
+              <a:rPr lang="fr-FR" sz="1600" dirty="0">
+                <a:solidFill>
+                  <a:schemeClr val="tx1"/>
+                </a:solidFill>
+                <a:latin typeface="Comic Sans MS" panose="030F0702030302020204" pitchFamily="66" charset="0"/>
+                <a:ea typeface="JetBrains Mono" panose="02000009000000000000" pitchFamily="49" charset="0"/>
+                <a:cs typeface="Courier New" panose="02070309020205020404" pitchFamily="49" charset="0"/>
+              </a:rPr>
+              <a:t>Les montants sont à fleur des traverses à l’extérieur de l’ouvrage</a:t>
+            </a:r>
+          </a:p>
+          <a:p>
+            <a:pPr marL="72000"/>
+            <a:endParaRPr lang="fr-FR" sz="1600" dirty="0">
+              <a:solidFill>
+                <a:schemeClr val="tx1"/>
+              </a:solidFill>
+              <a:latin typeface="Comic Sans MS" panose="030F0702030302020204" pitchFamily="66" charset="0"/>
+              <a:ea typeface="JetBrains Mono" panose="02000009000000000000" pitchFamily="49" charset="0"/>
+              <a:cs typeface="Courier New" panose="02070309020205020404" pitchFamily="49" charset="0"/>
+            </a:endParaRPr>
+          </a:p>
+          <a:p>
+            <a:pPr marL="72000"/>
+            <a:endParaRPr lang="fr-FR" sz="1600" dirty="0">
+              <a:solidFill>
+                <a:schemeClr val="tx1"/>
+              </a:solidFill>
+              <a:latin typeface="Comic Sans MS" panose="030F0702030302020204" pitchFamily="66" charset="0"/>
+              <a:ea typeface="JetBrains Mono" panose="02000009000000000000" pitchFamily="49" charset="0"/>
+              <a:cs typeface="Courier New" panose="02070309020205020404" pitchFamily="49" charset="0"/>
+            </a:endParaRPr>
+          </a:p>
+          <a:p>
+            <a:pPr marL="72000"/>
+            <a:endParaRPr lang="fr-FR" sz="1600" dirty="0">
+              <a:solidFill>
+                <a:schemeClr val="tx1"/>
+              </a:solidFill>
+              <a:latin typeface="Comic Sans MS" panose="030F0702030302020204" pitchFamily="66" charset="0"/>
+              <a:ea typeface="JetBrains Mono" panose="02000009000000000000" pitchFamily="49" charset="0"/>
+              <a:cs typeface="Courier New" panose="02070309020205020404" pitchFamily="49" charset="0"/>
+            </a:endParaRPr>
+          </a:p>
+        </p:txBody>
+      </p:sp>
+      <p:sp>
+        <p:nvSpPr>
+          <p:cNvPr id="19" name="Rectangle 18"/>
+          <p:cNvSpPr/>
+          <p:nvPr/>
+        </p:nvSpPr>
+        <p:spPr>
+          <a:xfrm>
+            <a:off x="11213630" y="1390649"/>
+            <a:ext cx="3726044" cy="9229231"/>
+          </a:xfrm>
+          <a:prstGeom prst="rect">
+            <a:avLst/>
+          </a:prstGeom>
+          <a:ln w="57150"/>
+        </p:spPr>
+        <p:style>
+          <a:lnRef idx="2">
+            <a:schemeClr val="dk1"/>
+          </a:lnRef>
+          <a:fillRef idx="1">
+            <a:schemeClr val="lt1"/>
+          </a:fillRef>
+          <a:effectRef idx="0">
+            <a:schemeClr val="dk1"/>
+          </a:effectRef>
+          <a:fontRef idx="minor">
+            <a:schemeClr val="dk1"/>
+          </a:fontRef>
+        </p:style>
+        <p:txBody>
+          <a:bodyPr rtlCol="0" anchor="ctr"/>
+          <a:lstStyle/>
+          <a:p>
+            <a:r>
+              <a:rPr lang="fr-FR" sz="1400" b="1" dirty="0"/>
+              <a:t>Compétences évaluées :</a:t>
+            </a:r>
+          </a:p>
+          <a:p>
+            <a:endParaRPr lang="fr-FR" sz="1400" b="1" dirty="0"/>
+          </a:p>
+          <a:p>
+            <a:r>
+              <a:rPr lang="fr-FR" sz="1400" b="1" dirty="0"/>
+              <a:t>C3.6 Conduire les opérations de montage et de finition</a:t>
+            </a:r>
+          </a:p>
+          <a:p>
+            <a:r>
+              <a:rPr lang="fr-FR" sz="1400" b="1" dirty="0"/>
+              <a:t>	Sous-compétences :</a:t>
+            </a:r>
+          </a:p>
+          <a:p>
+            <a:r>
+              <a:rPr lang="fr-FR" sz="1400" b="1" dirty="0"/>
+              <a:t>	</a:t>
+            </a:r>
+            <a:r>
+              <a:rPr lang="fr-FR" sz="1400" dirty="0"/>
+              <a:t>C3.62 Cadrer, monter et</a:t>
+            </a:r>
+          </a:p>
+          <a:p>
+            <a:r>
+              <a:rPr lang="fr-FR" sz="1400" dirty="0"/>
+              <a:t>	solidariser les sous-</a:t>
+            </a:r>
+          </a:p>
+          <a:p>
+            <a:r>
+              <a:rPr lang="fr-FR" sz="1400" dirty="0"/>
+              <a:t>	ensembles</a:t>
+            </a:r>
+          </a:p>
+          <a:p>
+            <a:r>
+              <a:rPr lang="fr-FR" sz="1400" dirty="0"/>
+              <a:t>	C3.65 Contrôler en cours, en fin</a:t>
+            </a:r>
+          </a:p>
+          <a:p>
+            <a:r>
+              <a:rPr lang="fr-FR" sz="1400" dirty="0"/>
+              <a:t>	de montage et de finition :</a:t>
+            </a:r>
+          </a:p>
+          <a:p>
+            <a:r>
+              <a:rPr lang="fr-FR" sz="1400" dirty="0"/>
+              <a:t>	les caractéristiques</a:t>
+            </a:r>
+          </a:p>
+          <a:p>
+            <a:r>
+              <a:rPr lang="fr-FR" sz="1400" dirty="0"/>
+              <a:t>	fonctionnelles,</a:t>
+            </a:r>
+          </a:p>
+          <a:p>
+            <a:r>
+              <a:rPr lang="fr-FR" sz="1400" dirty="0"/>
+              <a:t>	dimensionnelles,</a:t>
+            </a:r>
+          </a:p>
+          <a:p>
+            <a:r>
+              <a:rPr lang="fr-FR" sz="1400" dirty="0"/>
+              <a:t>	géométriques, esthétiques</a:t>
+            </a:r>
+          </a:p>
+          <a:p>
+            <a:r>
+              <a:rPr lang="fr-FR" sz="1400" b="1" dirty="0"/>
+              <a:t>	</a:t>
+            </a:r>
+          </a:p>
+          <a:p>
+            <a:endParaRPr lang="fr-FR" sz="1400" b="1" dirty="0"/>
+          </a:p>
+          <a:p>
+            <a:endParaRPr lang="fr-FR" sz="1400" b="1" dirty="0"/>
+          </a:p>
+          <a:p>
+            <a:endParaRPr lang="fr-FR" sz="1400" b="1" dirty="0"/>
+          </a:p>
+        </p:txBody>
+      </p:sp>
+      <p:sp>
+        <p:nvSpPr>
+          <p:cNvPr id="24" name="Rectangle 23"/>
+          <p:cNvSpPr/>
+          <p:nvPr/>
+        </p:nvSpPr>
+        <p:spPr>
+          <a:xfrm>
+            <a:off x="11213630" y="179881"/>
+            <a:ext cx="3726045" cy="1067028"/>
+          </a:xfrm>
+          <a:prstGeom prst="rect">
+            <a:avLst/>
+          </a:prstGeom>
+          <a:ln w="57150"/>
+        </p:spPr>
+        <p:style>
+          <a:lnRef idx="2">
+            <a:schemeClr val="dk1"/>
+          </a:lnRef>
+          <a:fillRef idx="1">
+            <a:schemeClr val="lt1"/>
+          </a:fillRef>
+          <a:effectRef idx="0">
+            <a:schemeClr val="dk1"/>
+          </a:effectRef>
+          <a:fontRef idx="minor">
+            <a:schemeClr val="dk1"/>
+          </a:fontRef>
+        </p:style>
+        <p:txBody>
+          <a:bodyPr rtlCol="0" anchor="ctr"/>
+          <a:lstStyle/>
+          <a:p>
+            <a:pPr algn="ctr"/>
+            <a:r>
+              <a:rPr lang="fr-FR" sz="1600" spc="300" dirty="0">
+                <a:latin typeface="Comic Sans MS" panose="030F0702030302020204" pitchFamily="66" charset="0"/>
+                <a:ea typeface="JetBrains Mono" panose="02000009000000000000" pitchFamily="49" charset="0"/>
+                <a:cs typeface="JetBrains Mono" panose="02000009000000000000" pitchFamily="49" charset="0"/>
+              </a:rPr>
+              <a:t>Technicien</a:t>
+            </a:r>
+          </a:p>
+          <a:p>
+            <a:pPr algn="ctr"/>
+            <a:r>
+              <a:rPr lang="fr-FR" sz="1600" spc="300" dirty="0">
+                <a:latin typeface="Comic Sans MS" panose="030F0702030302020204" pitchFamily="66" charset="0"/>
+                <a:ea typeface="JetBrains Mono" panose="02000009000000000000" pitchFamily="49" charset="0"/>
+                <a:cs typeface="JetBrains Mono" panose="02000009000000000000" pitchFamily="49" charset="0"/>
+              </a:rPr>
+              <a:t>Menuisier Agenceur</a:t>
+            </a:r>
+          </a:p>
+        </p:txBody>
+      </p:sp>
+      <p:sp>
+        <p:nvSpPr>
+          <p:cNvPr id="25" name="Rectangle 24"/>
+          <p:cNvSpPr/>
+          <p:nvPr/>
+        </p:nvSpPr>
+        <p:spPr>
+          <a:xfrm>
+            <a:off x="142517" y="179881"/>
+            <a:ext cx="3763201" cy="1067028"/>
+          </a:xfrm>
+          <a:prstGeom prst="rect">
+            <a:avLst/>
+          </a:prstGeom>
+          <a:ln w="57150"/>
+        </p:spPr>
+        <p:style>
+          <a:lnRef idx="2">
+            <a:schemeClr val="dk1"/>
+          </a:lnRef>
+          <a:fillRef idx="1">
+            <a:schemeClr val="lt1"/>
+          </a:fillRef>
+          <a:effectRef idx="0">
+            <a:schemeClr val="dk1"/>
+          </a:effectRef>
+          <a:fontRef idx="minor">
+            <a:schemeClr val="dk1"/>
+          </a:fontRef>
+        </p:style>
+        <p:txBody>
+          <a:bodyPr rtlCol="0" anchor="ctr"/>
+          <a:lstStyle/>
+          <a:p>
+            <a:pPr algn="ctr"/>
+            <a:r>
+              <a:rPr lang="fr-FR" b="1" dirty="0">
+                <a:latin typeface="Comic Sans MS" panose="030F0702030302020204" pitchFamily="66" charset="0"/>
+                <a:ea typeface="JetBrains Mono" panose="02000009000000000000" pitchFamily="49" charset="0"/>
+                <a:cs typeface="JetBrains Mono" panose="02000009000000000000" pitchFamily="49" charset="0"/>
+              </a:rPr>
+              <a:t>Sujet : Assemblage de l’ouvrage</a:t>
+            </a:r>
+          </a:p>
+        </p:txBody>
+      </p:sp>
+      <p:graphicFrame>
+        <p:nvGraphicFramePr>
+          <p:cNvPr id="2" name="Table 1">
+            <a:extLst>
+              <a:ext uri="{FF2B5EF4-FFF2-40B4-BE49-F238E27FC236}">
+                <a16:creationId xmlns:a16="http://schemas.microsoft.com/office/drawing/2014/main" id="{AFCB8B3A-B6F8-4548-A2DA-06057CDA9A4C}"/>
+              </a:ext>
+            </a:extLst>
+          </p:cNvPr>
+          <p:cNvGraphicFramePr>
+            <a:graphicFrameLocks noGrp="1"/>
+          </p:cNvGraphicFramePr>
+          <p:nvPr>
+            <p:extLst>
+              <p:ext uri="{D42A27DB-BD31-4B8C-83A1-F6EECF244321}">
+                <p14:modId xmlns:p14="http://schemas.microsoft.com/office/powerpoint/2010/main" val="4127314545"/>
+              </p:ext>
+            </p:extLst>
+          </p:nvPr>
+        </p:nvGraphicFramePr>
+        <p:xfrm>
+          <a:off x="4039556" y="944558"/>
+          <a:ext cx="7040233" cy="9675322"/>
+        </p:xfrm>
+        <a:graphic>
+          <a:graphicData uri="http://schemas.openxmlformats.org/drawingml/2006/table">
+            <a:tbl>
+              <a:tblPr firstRow="1" bandRow="1">
+                <a:tableStyleId>{5940675A-B579-460E-94D1-54222C63F5DA}</a:tableStyleId>
+              </a:tblPr>
+              <a:tblGrid>
+                <a:gridCol w="2253173">
+                  <a:extLst>
+                    <a:ext uri="{9D8B030D-6E8A-4147-A177-3AD203B41FA5}">
+                      <a16:colId xmlns:a16="http://schemas.microsoft.com/office/drawing/2014/main" val="2787692130"/>
+                    </a:ext>
+                  </a:extLst>
+                </a:gridCol>
+                <a:gridCol w="957412">
+                  <a:extLst>
+                    <a:ext uri="{9D8B030D-6E8A-4147-A177-3AD203B41FA5}">
+                      <a16:colId xmlns:a16="http://schemas.microsoft.com/office/drawing/2014/main" val="607649727"/>
+                    </a:ext>
+                  </a:extLst>
+                </a:gridCol>
+                <a:gridCol w="957412">
+                  <a:extLst>
+                    <a:ext uri="{9D8B030D-6E8A-4147-A177-3AD203B41FA5}">
+                      <a16:colId xmlns:a16="http://schemas.microsoft.com/office/drawing/2014/main" val="2879588787"/>
+                    </a:ext>
+                  </a:extLst>
+                </a:gridCol>
+                <a:gridCol w="957412">
+                  <a:extLst>
+                    <a:ext uri="{9D8B030D-6E8A-4147-A177-3AD203B41FA5}">
+                      <a16:colId xmlns:a16="http://schemas.microsoft.com/office/drawing/2014/main" val="963493659"/>
+                    </a:ext>
+                  </a:extLst>
+                </a:gridCol>
+                <a:gridCol w="957412">
+                  <a:extLst>
+                    <a:ext uri="{9D8B030D-6E8A-4147-A177-3AD203B41FA5}">
+                      <a16:colId xmlns:a16="http://schemas.microsoft.com/office/drawing/2014/main" val="283199609"/>
+                    </a:ext>
+                  </a:extLst>
+                </a:gridCol>
+                <a:gridCol w="957412">
+                  <a:extLst>
+                    <a:ext uri="{9D8B030D-6E8A-4147-A177-3AD203B41FA5}">
+                      <a16:colId xmlns:a16="http://schemas.microsoft.com/office/drawing/2014/main" val="3524401581"/>
+                    </a:ext>
+                  </a:extLst>
+                </a:gridCol>
+              </a:tblGrid>
+              <a:tr h="1371600">
+                <a:tc>
+                  <a:txBody>
+                    <a:bodyPr/>
+                    <a:lstStyle/>
+                    <a:p>
+                      <a:pPr algn="ctr"/>
+                      <a:r>
+                        <a:rPr lang="fr-FR" sz="1400" dirty="0">
+                          <a:solidFill>
+                            <a:schemeClr val="bg1"/>
+                          </a:solidFill>
+                        </a:rPr>
+                        <a:t>Critère évalué</a:t>
+                      </a:r>
+                    </a:p>
+                  </a:txBody>
+                  <a:tcPr anchor="ctr">
+                    <a:solidFill>
+                      <a:schemeClr val="tx1"/>
+                    </a:solidFill>
+                  </a:tcPr>
+                </a:tc>
+                <a:tc>
+                  <a:txBody>
+                    <a:bodyPr/>
+                    <a:lstStyle/>
+                    <a:p>
+                      <a:pPr algn="ctr"/>
+                      <a:r>
+                        <a:rPr lang="fr-FR" sz="900" dirty="0"/>
+                        <a:t>Absence</a:t>
+                      </a:r>
+                    </a:p>
+                  </a:txBody>
+                  <a:tcPr anchor="ctr">
+                    <a:solidFill>
+                      <a:schemeClr val="bg2">
+                        <a:lumMod val="75000"/>
+                      </a:schemeClr>
+                    </a:solidFill>
+                  </a:tcPr>
+                </a:tc>
+                <a:tc>
+                  <a:txBody>
+                    <a:bodyPr/>
+                    <a:lstStyle/>
+                    <a:p>
+                      <a:pPr algn="ctr"/>
+                      <a:r>
+                        <a:rPr lang="fr-FR" sz="900" dirty="0"/>
+                        <a:t>Non maitrisé</a:t>
+                      </a:r>
+                    </a:p>
+                  </a:txBody>
+                  <a:tcPr anchor="ctr">
+                    <a:solidFill>
+                      <a:srgbClr val="FF0000"/>
+                    </a:solidFill>
+                  </a:tcPr>
+                </a:tc>
+                <a:tc>
+                  <a:txBody>
+                    <a:bodyPr/>
+                    <a:lstStyle/>
+                    <a:p>
+                      <a:pPr algn="ctr"/>
+                      <a:r>
+                        <a:rPr lang="fr-FR" sz="900" dirty="0"/>
+                        <a:t>Moyennement acquis</a:t>
+                      </a:r>
+                    </a:p>
+                  </a:txBody>
+                  <a:tcPr anchor="ctr">
+                    <a:solidFill>
+                      <a:schemeClr val="accent4"/>
+                    </a:solidFill>
+                  </a:tcPr>
+                </a:tc>
+                <a:tc>
+                  <a:txBody>
+                    <a:bodyPr/>
+                    <a:lstStyle/>
+                    <a:p>
+                      <a:pPr algn="ctr"/>
+                      <a:r>
+                        <a:rPr lang="fr-FR" sz="900" dirty="0"/>
+                        <a:t>satisfaisant</a:t>
+                      </a:r>
+                    </a:p>
+                  </a:txBody>
+                  <a:tcPr anchor="ctr">
+                    <a:solidFill>
+                      <a:srgbClr val="FFFF00"/>
+                    </a:solidFill>
+                  </a:tcPr>
+                </a:tc>
+                <a:tc>
+                  <a:txBody>
+                    <a:bodyPr/>
+                    <a:lstStyle/>
+                    <a:p>
+                      <a:pPr algn="ctr"/>
+                      <a:r>
+                        <a:rPr lang="fr-FR" sz="900" dirty="0"/>
+                        <a:t>Très satisfaisant</a:t>
+                      </a:r>
+                    </a:p>
+                  </a:txBody>
+                  <a:tcPr anchor="ctr">
+                    <a:solidFill>
+                      <a:schemeClr val="accent6"/>
+                    </a:solidFill>
+                  </a:tcPr>
+                </a:tc>
+                <a:extLst>
+                  <a:ext uri="{0D108BD9-81ED-4DB2-BD59-A6C34878D82A}">
+                    <a16:rowId xmlns:a16="http://schemas.microsoft.com/office/drawing/2014/main" val="3340223667"/>
+                  </a:ext>
+                </a:extLst>
+              </a:tr>
+              <a:tr h="1186246">
+                <a:tc>
+                  <a:txBody>
+                    <a:bodyPr/>
+                    <a:lstStyle/>
+                    <a:p>
+                      <a:pPr marL="0" marR="0" lvl="0" indent="0" algn="l" defTabSz="1439997" rtl="0" eaLnBrk="1" fontAlgn="auto" latinLnBrk="0" hangingPunct="1">
+                        <a:lnSpc>
+                          <a:spcPct val="100000"/>
+                        </a:lnSpc>
+                        <a:spcBef>
+                          <a:spcPts val="0"/>
+                        </a:spcBef>
+                        <a:spcAft>
+                          <a:spcPts val="0"/>
+                        </a:spcAft>
+                        <a:buClrTx/>
+                        <a:buSzTx/>
+                        <a:buFontTx/>
+                        <a:buNone/>
+                        <a:tabLst/>
+                        <a:defRPr/>
+                      </a:pPr>
+                      <a:r>
+                        <a:rPr lang="fr-FR" sz="1400" dirty="0"/>
+                        <a:t>L’ouvrage est d’équerre (4 pts)</a:t>
+                      </a:r>
+                    </a:p>
+                  </a:txBody>
+                  <a:tcPr anchor="ctr"/>
+                </a:tc>
+                <a:tc>
+                  <a:txBody>
+                    <a:bodyPr/>
+                    <a:lstStyle/>
+                    <a:p>
+                      <a:endParaRPr lang="fr-FR" sz="1400" dirty="0"/>
+                    </a:p>
+                  </a:txBody>
+                  <a:tcPr anchor="ctr">
+                    <a:blipFill>
+                      <a:blip r:embed="rId2"/>
+                      <a:tile tx="0" ty="0" sx="100000" sy="100000" flip="none" algn="tl"/>
+                    </a:blipFill>
+                  </a:tcPr>
+                </a:tc>
+                <a:tc>
+                  <a:txBody>
+                    <a:bodyPr/>
+                    <a:lstStyle/>
+                    <a:p>
+                      <a:pPr algn="ctr"/>
+                      <a:r>
+                        <a:rPr lang="fr-FR" sz="900" dirty="0"/>
+                        <a:t>Non</a:t>
+                      </a:r>
+                    </a:p>
+                  </a:txBody>
+                  <a:tcPr anchor="ctr">
+                    <a:noFill/>
+                  </a:tcPr>
+                </a:tc>
+                <a:tc>
+                  <a:txBody>
+                    <a:bodyPr/>
+                    <a:lstStyle/>
+                    <a:p>
+                      <a:pPr algn="ctr"/>
+                      <a:endParaRPr lang="fr-FR" sz="900" dirty="0"/>
+                    </a:p>
+                  </a:txBody>
+                  <a:tcPr anchor="ctr">
+                    <a:solidFill>
+                      <a:schemeClr val="bg1">
+                        <a:lumMod val="65000"/>
+                      </a:schemeClr>
+                    </a:solidFill>
+                  </a:tcPr>
+                </a:tc>
+                <a:tc>
+                  <a:txBody>
+                    <a:bodyPr/>
+                    <a:lstStyle/>
+                    <a:p>
+                      <a:pPr algn="ctr"/>
+                      <a:endParaRPr lang="fr-FR" sz="900" dirty="0"/>
+                    </a:p>
+                  </a:txBody>
+                  <a:tcPr anchor="ctr">
+                    <a:solidFill>
+                      <a:schemeClr val="bg1">
+                        <a:lumMod val="65000"/>
+                      </a:schemeClr>
+                    </a:solidFill>
+                  </a:tcPr>
+                </a:tc>
+                <a:tc>
+                  <a:txBody>
+                    <a:bodyPr/>
+                    <a:lstStyle/>
+                    <a:p>
+                      <a:pPr algn="ctr"/>
+                      <a:r>
+                        <a:rPr lang="fr-FR" sz="900" dirty="0"/>
+                        <a:t>Oui</a:t>
+                      </a:r>
+                    </a:p>
+                  </a:txBody>
+                  <a:tcPr anchor="ctr"/>
+                </a:tc>
+                <a:extLst>
+                  <a:ext uri="{0D108BD9-81ED-4DB2-BD59-A6C34878D82A}">
+                    <a16:rowId xmlns:a16="http://schemas.microsoft.com/office/drawing/2014/main" val="3605164153"/>
+                  </a:ext>
+                </a:extLst>
+              </a:tr>
+              <a:tr h="1186246">
+                <a:tc>
+                  <a:txBody>
+                    <a:bodyPr/>
+                    <a:lstStyle/>
+                    <a:p>
+                      <a:pPr marL="0" marR="0" lvl="0" indent="0" algn="l" defTabSz="1439997" rtl="0" eaLnBrk="1" fontAlgn="auto" latinLnBrk="0" hangingPunct="1">
+                        <a:lnSpc>
+                          <a:spcPct val="100000"/>
+                        </a:lnSpc>
+                        <a:spcBef>
+                          <a:spcPts val="0"/>
+                        </a:spcBef>
+                        <a:spcAft>
+                          <a:spcPts val="0"/>
+                        </a:spcAft>
+                        <a:buClrTx/>
+                        <a:buSzTx/>
+                        <a:buFontTx/>
+                        <a:buNone/>
+                        <a:tabLst/>
+                        <a:defRPr/>
+                      </a:pPr>
+                      <a:r>
+                        <a:rPr lang="fr-FR" sz="1400" dirty="0">
+                          <a:solidFill>
+                            <a:schemeClr val="tx1"/>
+                          </a:solidFill>
+                          <a:latin typeface="Comic Sans MS" panose="030F0702030302020204" pitchFamily="66" charset="0"/>
+                          <a:ea typeface="JetBrains Mono" panose="02000009000000000000" pitchFamily="49" charset="0"/>
+                          <a:cs typeface="Courier New" panose="02070309020205020404" pitchFamily="49" charset="0"/>
+                        </a:rPr>
+                        <a:t>Les montants sont à fleur des traverses à l’extérieur de l’ouvrage</a:t>
+                      </a:r>
+                    </a:p>
+                    <a:p>
+                      <a:r>
+                        <a:rPr lang="fr-FR" sz="1400" dirty="0"/>
+                        <a:t>(2 pts)</a:t>
+                      </a:r>
+                    </a:p>
+                  </a:txBody>
+                  <a:tcPr anchor="ctr"/>
+                </a:tc>
+                <a:tc>
+                  <a:txBody>
+                    <a:bodyPr/>
+                    <a:lstStyle/>
+                    <a:p>
+                      <a:endParaRPr lang="fr-FR" sz="1400" dirty="0"/>
+                    </a:p>
+                  </a:txBody>
+                  <a:tcPr anchor="ctr">
+                    <a:blipFill>
+                      <a:blip r:embed="rId2"/>
+                      <a:tile tx="0" ty="0" sx="100000" sy="100000" flip="none" algn="tl"/>
+                    </a:blipFill>
+                  </a:tcPr>
+                </a:tc>
+                <a:tc>
+                  <a:txBody>
+                    <a:bodyPr/>
+                    <a:lstStyle/>
+                    <a:p>
+                      <a:pPr algn="ctr"/>
+                      <a:r>
+                        <a:rPr lang="fr-FR" sz="900" dirty="0" err="1"/>
+                        <a:t>Désaffleur</a:t>
+                      </a:r>
+                      <a:r>
+                        <a:rPr lang="fr-FR" sz="900" dirty="0"/>
+                        <a:t>  qui laisse apparaitre l’aggloméré</a:t>
+                      </a:r>
+                    </a:p>
+                  </a:txBody>
+                  <a:tcPr anchor="ctr"/>
+                </a:tc>
+                <a:tc>
+                  <a:txBody>
+                    <a:bodyPr/>
+                    <a:lstStyle/>
+                    <a:p>
+                      <a:pPr algn="ctr"/>
+                      <a:endParaRPr lang="fr-FR" sz="900" dirty="0"/>
+                    </a:p>
+                  </a:txBody>
+                  <a:tcPr anchor="ctr">
+                    <a:solidFill>
+                      <a:srgbClr val="A6A6A6"/>
+                    </a:solidFill>
+                  </a:tcPr>
+                </a:tc>
+                <a:tc>
+                  <a:txBody>
+                    <a:bodyPr/>
+                    <a:lstStyle/>
+                    <a:p>
+                      <a:pPr algn="ctr"/>
+                      <a:r>
+                        <a:rPr lang="fr-FR" sz="900" dirty="0"/>
+                        <a:t>Léger </a:t>
+                      </a:r>
+                      <a:r>
+                        <a:rPr lang="fr-FR" sz="900" dirty="0" err="1"/>
+                        <a:t>désaffleur</a:t>
+                      </a:r>
+                      <a:r>
+                        <a:rPr lang="fr-FR" sz="900" dirty="0"/>
+                        <a:t>  qui ne laisse pas voir l’aggloméré</a:t>
+                      </a:r>
+                    </a:p>
+                  </a:txBody>
+                  <a:tcPr anchor="ctr"/>
+                </a:tc>
+                <a:tc>
+                  <a:txBody>
+                    <a:bodyPr/>
+                    <a:lstStyle/>
+                    <a:p>
+                      <a:pPr algn="ctr"/>
+                      <a:r>
+                        <a:rPr lang="fr-FR" sz="900" dirty="0"/>
+                        <a:t>A fleur</a:t>
+                      </a:r>
+                    </a:p>
+                  </a:txBody>
+                  <a:tcPr anchor="ctr"/>
+                </a:tc>
+                <a:extLst>
+                  <a:ext uri="{0D108BD9-81ED-4DB2-BD59-A6C34878D82A}">
+                    <a16:rowId xmlns:a16="http://schemas.microsoft.com/office/drawing/2014/main" val="2998772913"/>
+                  </a:ext>
+                </a:extLst>
+              </a:tr>
+              <a:tr h="1186246">
+                <a:tc>
+                  <a:txBody>
+                    <a:bodyPr/>
+                    <a:lstStyle/>
+                    <a:p>
+                      <a:pPr marL="72000"/>
+                      <a:r>
+                        <a:rPr lang="fr-FR" sz="1400" dirty="0">
+                          <a:solidFill>
+                            <a:schemeClr val="tx1"/>
+                          </a:solidFill>
+                          <a:latin typeface="Comic Sans MS" panose="030F0702030302020204" pitchFamily="66" charset="0"/>
+                          <a:ea typeface="JetBrains Mono" panose="02000009000000000000" pitchFamily="49" charset="0"/>
+                          <a:cs typeface="Courier New" panose="02070309020205020404" pitchFamily="49" charset="0"/>
+                        </a:rPr>
+                        <a:t>Les diagonales intérieur du meuble sont égales  </a:t>
+                      </a:r>
+                      <a:r>
+                        <a:rPr lang="fr-FR" sz="1400" dirty="0"/>
+                        <a:t>(4 pts)</a:t>
+                      </a:r>
+                      <a:endParaRPr lang="fr-FR" sz="1400" dirty="0">
+                        <a:solidFill>
+                          <a:schemeClr val="tx1"/>
+                        </a:solidFill>
+                        <a:latin typeface="Comic Sans MS" panose="030F0702030302020204" pitchFamily="66" charset="0"/>
+                        <a:ea typeface="JetBrains Mono" panose="02000009000000000000" pitchFamily="49" charset="0"/>
+                        <a:cs typeface="Courier New" panose="02070309020205020404" pitchFamily="49" charset="0"/>
+                      </a:endParaRPr>
+                    </a:p>
+                  </a:txBody>
+                  <a:tcPr anchor="ctr"/>
+                </a:tc>
+                <a:tc>
+                  <a:txBody>
+                    <a:bodyPr/>
+                    <a:lstStyle/>
+                    <a:p>
+                      <a:endParaRPr lang="fr-FR" sz="1400" dirty="0"/>
+                    </a:p>
+                  </a:txBody>
+                  <a:tcPr anchor="ctr">
+                    <a:blipFill>
+                      <a:blip r:embed="rId2"/>
+                      <a:tile tx="0" ty="0" sx="100000" sy="100000" flip="none" algn="tl"/>
+                    </a:blipFill>
+                  </a:tcPr>
+                </a:tc>
+                <a:tc>
+                  <a:txBody>
+                    <a:bodyPr/>
+                    <a:lstStyle/>
+                    <a:p>
+                      <a:pPr algn="ctr"/>
+                      <a:r>
+                        <a:rPr lang="fr-FR" sz="900" dirty="0"/>
+                        <a:t>Il y a une différence de plus de deux millimètres</a:t>
+                      </a:r>
+                    </a:p>
+                  </a:txBody>
+                  <a:tcPr anchor="ctr"/>
+                </a:tc>
+                <a:tc>
+                  <a:txBody>
+                    <a:bodyPr/>
+                    <a:lstStyle/>
+                    <a:p>
+                      <a:pPr algn="ctr"/>
+                      <a:r>
+                        <a:rPr lang="fr-FR" sz="900" dirty="0"/>
+                        <a:t>Il y a une différence de deux millimètres</a:t>
+                      </a:r>
+                    </a:p>
+                  </a:txBody>
+                  <a:tcPr anchor="ctr"/>
+                </a:tc>
+                <a:tc>
+                  <a:txBody>
+                    <a:bodyPr/>
+                    <a:lstStyle/>
+                    <a:p>
+                      <a:pPr algn="ctr"/>
+                      <a:r>
+                        <a:rPr lang="fr-FR" sz="900" dirty="0"/>
+                        <a:t>Il y a une différence d’un millimètres</a:t>
+                      </a:r>
+                    </a:p>
+                  </a:txBody>
+                  <a:tcPr anchor="ctr"/>
+                </a:tc>
+                <a:tc>
+                  <a:txBody>
+                    <a:bodyPr/>
+                    <a:lstStyle/>
+                    <a:p>
+                      <a:pPr algn="ctr"/>
+                      <a:r>
+                        <a:rPr lang="fr-FR" sz="900" dirty="0"/>
+                        <a:t>Les hauteurs sont identiques</a:t>
+                      </a:r>
+                    </a:p>
+                  </a:txBody>
+                  <a:tcPr anchor="ctr"/>
+                </a:tc>
+                <a:extLst>
+                  <a:ext uri="{0D108BD9-81ED-4DB2-BD59-A6C34878D82A}">
+                    <a16:rowId xmlns:a16="http://schemas.microsoft.com/office/drawing/2014/main" val="263690387"/>
+                  </a:ext>
+                </a:extLst>
+              </a:tr>
+              <a:tr h="1186246">
+                <a:tc>
+                  <a:txBody>
+                    <a:bodyPr/>
+                    <a:lstStyle/>
+                    <a:p>
+                      <a:r>
+                        <a:rPr lang="fr-FR" sz="1400" dirty="0"/>
+                        <a:t>Il n’y a pas de trace de serrage à l’extérieur du meuble (2 pts)</a:t>
+                      </a:r>
+                    </a:p>
+                  </a:txBody>
+                  <a:tcPr anchor="ctr"/>
+                </a:tc>
+                <a:tc>
+                  <a:txBody>
+                    <a:bodyPr/>
+                    <a:lstStyle/>
+                    <a:p>
+                      <a:endParaRPr lang="fr-FR" sz="1400" dirty="0"/>
+                    </a:p>
+                  </a:txBody>
+                  <a:tcPr anchor="ctr">
+                    <a:blipFill>
+                      <a:blip r:embed="rId2"/>
+                      <a:tile tx="0" ty="0" sx="100000" sy="100000" flip="none" algn="tl"/>
+                    </a:blipFill>
+                  </a:tcPr>
+                </a:tc>
+                <a:tc>
+                  <a:txBody>
+                    <a:bodyPr/>
+                    <a:lstStyle/>
+                    <a:p>
+                      <a:pPr algn="ctr"/>
+                      <a:r>
+                        <a:rPr lang="fr-FR" sz="900" dirty="0"/>
+                        <a:t>Il y a plus de deux traces</a:t>
+                      </a:r>
+                    </a:p>
+                  </a:txBody>
+                  <a:tcPr anchor="ctr"/>
+                </a:tc>
+                <a:tc>
+                  <a:txBody>
+                    <a:bodyPr/>
+                    <a:lstStyle/>
+                    <a:p>
+                      <a:pPr algn="ctr"/>
+                      <a:r>
+                        <a:rPr lang="fr-FR" sz="900" dirty="0"/>
+                        <a:t>Il y a deux traces</a:t>
+                      </a:r>
+                    </a:p>
+                  </a:txBody>
+                  <a:tcPr anchor="ctr"/>
+                </a:tc>
+                <a:tc>
+                  <a:txBody>
+                    <a:bodyPr/>
+                    <a:lstStyle/>
+                    <a:p>
+                      <a:pPr algn="ctr"/>
+                      <a:r>
+                        <a:rPr lang="fr-FR" sz="900" dirty="0"/>
+                        <a:t>Il y a une trace</a:t>
+                      </a:r>
+                    </a:p>
+                    <a:p>
+                      <a:pPr algn="ctr"/>
+                      <a:endParaRPr lang="fr-FR" sz="900" dirty="0"/>
+                    </a:p>
+                    <a:p>
+                      <a:pPr algn="ctr"/>
+                      <a:r>
+                        <a:rPr lang="fr-FR" sz="900" dirty="0"/>
+                        <a:t>(rayure, pression)</a:t>
+                      </a:r>
+                    </a:p>
+                  </a:txBody>
+                  <a:tcPr anchor="ctr"/>
+                </a:tc>
+                <a:tc>
+                  <a:txBody>
+                    <a:bodyPr/>
+                    <a:lstStyle/>
+                    <a:p>
+                      <a:pPr algn="ctr"/>
+                      <a:r>
+                        <a:rPr lang="fr-FR" sz="900" dirty="0"/>
+                        <a:t>Il n’y a aucune trace</a:t>
+                      </a:r>
+                    </a:p>
+                  </a:txBody>
+                  <a:tcPr anchor="ctr"/>
+                </a:tc>
+                <a:extLst>
+                  <a:ext uri="{0D108BD9-81ED-4DB2-BD59-A6C34878D82A}">
+                    <a16:rowId xmlns:a16="http://schemas.microsoft.com/office/drawing/2014/main" val="1047825679"/>
+                  </a:ext>
+                </a:extLst>
+              </a:tr>
+              <a:tr h="1186246">
+                <a:tc>
+                  <a:txBody>
+                    <a:bodyPr/>
+                    <a:lstStyle/>
+                    <a:p>
+                      <a:pPr marL="72000"/>
+                      <a:r>
+                        <a:rPr lang="fr-FR" sz="1400" dirty="0">
+                          <a:solidFill>
+                            <a:schemeClr val="tx1"/>
+                          </a:solidFill>
+                          <a:latin typeface="Comic Sans MS" panose="030F0702030302020204" pitchFamily="66" charset="0"/>
+                          <a:ea typeface="JetBrains Mono" panose="02000009000000000000" pitchFamily="49" charset="0"/>
+                          <a:cs typeface="Courier New" panose="02070309020205020404" pitchFamily="49" charset="0"/>
+                        </a:rPr>
+                        <a:t>Il n’y a pas d’écart entre les éléments du meuble après collage </a:t>
+                      </a:r>
+                      <a:r>
+                        <a:rPr lang="fr-FR" sz="1400" dirty="0"/>
+                        <a:t>(4 pts)</a:t>
+                      </a:r>
+                      <a:endParaRPr lang="fr-FR" sz="1400" dirty="0">
+                        <a:solidFill>
+                          <a:schemeClr val="tx1"/>
+                        </a:solidFill>
+                        <a:latin typeface="Comic Sans MS" panose="030F0702030302020204" pitchFamily="66" charset="0"/>
+                        <a:ea typeface="JetBrains Mono" panose="02000009000000000000" pitchFamily="49" charset="0"/>
+                        <a:cs typeface="Courier New" panose="02070309020205020404" pitchFamily="49" charset="0"/>
+                      </a:endParaRPr>
+                    </a:p>
+                  </a:txBody>
+                  <a:tcPr anchor="ctr"/>
+                </a:tc>
+                <a:tc>
+                  <a:txBody>
+                    <a:bodyPr/>
+                    <a:lstStyle/>
+                    <a:p>
+                      <a:endParaRPr lang="fr-FR" sz="1400" dirty="0"/>
+                    </a:p>
+                  </a:txBody>
+                  <a:tcPr anchor="ctr">
+                    <a:blipFill>
+                      <a:blip r:embed="rId2"/>
+                      <a:tile tx="0" ty="0" sx="100000" sy="100000" flip="none" algn="tl"/>
+                    </a:blipFill>
+                  </a:tcPr>
+                </a:tc>
+                <a:tc>
+                  <a:txBody>
+                    <a:bodyPr/>
+                    <a:lstStyle/>
+                    <a:p>
+                      <a:pPr algn="ctr"/>
+                      <a:r>
+                        <a:rPr lang="fr-FR" sz="900" dirty="0"/>
+                        <a:t>Il y a un écart de plus d’un millimètre</a:t>
+                      </a:r>
+                    </a:p>
+                  </a:txBody>
+                  <a:tcPr anchor="ctr"/>
+                </a:tc>
+                <a:tc>
+                  <a:txBody>
+                    <a:bodyPr/>
+                    <a:lstStyle/>
+                    <a:p>
+                      <a:pPr algn="ctr"/>
+                      <a:r>
+                        <a:rPr lang="fr-FR" sz="900" dirty="0"/>
+                        <a:t>Il y a un écart d’un millimètre</a:t>
+                      </a:r>
+                    </a:p>
+                  </a:txBody>
+                  <a:tcPr anchor="ctr"/>
+                </a:tc>
+                <a:tc>
+                  <a:txBody>
+                    <a:bodyPr/>
+                    <a:lstStyle/>
+                    <a:p>
+                      <a:pPr algn="ctr"/>
+                      <a:endParaRPr lang="fr-FR" sz="900" dirty="0"/>
+                    </a:p>
+                  </a:txBody>
+                  <a:tcPr anchor="ctr">
+                    <a:solidFill>
+                      <a:srgbClr val="A6A6A6"/>
+                    </a:solidFill>
+                  </a:tcPr>
+                </a:tc>
+                <a:tc>
+                  <a:txBody>
+                    <a:bodyPr/>
+                    <a:lstStyle/>
+                    <a:p>
+                      <a:pPr algn="ctr"/>
+                      <a:r>
+                        <a:rPr lang="fr-FR" sz="900" dirty="0"/>
+                        <a:t>Il n’y a pas d’écart</a:t>
+                      </a:r>
+                    </a:p>
+                  </a:txBody>
+                  <a:tcPr anchor="ctr"/>
+                </a:tc>
+                <a:extLst>
+                  <a:ext uri="{0D108BD9-81ED-4DB2-BD59-A6C34878D82A}">
+                    <a16:rowId xmlns:a16="http://schemas.microsoft.com/office/drawing/2014/main" val="1911863720"/>
+                  </a:ext>
+                </a:extLst>
+              </a:tr>
+              <a:tr h="1186246">
+                <a:tc>
+                  <a:txBody>
+                    <a:bodyPr/>
+                    <a:lstStyle/>
+                    <a:p>
+                      <a:pPr marL="72000"/>
+                      <a:r>
+                        <a:rPr lang="fr-FR" sz="1400" dirty="0">
+                          <a:solidFill>
+                            <a:schemeClr val="tx1"/>
+                          </a:solidFill>
+                          <a:latin typeface="Comic Sans MS" panose="030F0702030302020204" pitchFamily="66" charset="0"/>
+                          <a:ea typeface="JetBrains Mono" panose="02000009000000000000" pitchFamily="49" charset="0"/>
+                          <a:cs typeface="Courier New" panose="02070309020205020404" pitchFamily="49" charset="0"/>
+                        </a:rPr>
+                        <a:t>Les montants (face) à fleur des traverses ou les traverses légèrement en retrait au montants </a:t>
+                      </a:r>
+                      <a:r>
+                        <a:rPr lang="fr-FR" sz="1400" dirty="0"/>
+                        <a:t>(4 pts)</a:t>
+                      </a:r>
+                      <a:endParaRPr lang="fr-FR" sz="1400" dirty="0">
+                        <a:solidFill>
+                          <a:schemeClr val="tx1"/>
+                        </a:solidFill>
+                        <a:latin typeface="Comic Sans MS" panose="030F0702030302020204" pitchFamily="66" charset="0"/>
+                        <a:ea typeface="JetBrains Mono" panose="02000009000000000000" pitchFamily="49" charset="0"/>
+                        <a:cs typeface="Courier New" panose="02070309020205020404" pitchFamily="49" charset="0"/>
+                      </a:endParaRPr>
+                    </a:p>
+                  </a:txBody>
+                  <a:tcPr anchor="ctr"/>
+                </a:tc>
+                <a:tc>
+                  <a:txBody>
+                    <a:bodyPr/>
+                    <a:lstStyle/>
+                    <a:p>
+                      <a:endParaRPr lang="fr-FR" sz="1400" dirty="0"/>
+                    </a:p>
+                  </a:txBody>
+                  <a:tcPr anchor="ctr">
+                    <a:blipFill>
+                      <a:blip r:embed="rId2"/>
+                      <a:tile tx="0" ty="0" sx="100000" sy="100000" flip="none" algn="tl"/>
+                    </a:blipFill>
+                  </a:tcPr>
+                </a:tc>
+                <a:tc>
+                  <a:txBody>
+                    <a:bodyPr/>
+                    <a:lstStyle/>
+                    <a:p>
+                      <a:pPr algn="ctr"/>
+                      <a:r>
+                        <a:rPr lang="fr-FR" sz="900" dirty="0">
+                          <a:solidFill>
+                            <a:schemeClr val="tx1"/>
+                          </a:solidFill>
+                          <a:latin typeface="Comic Sans MS" panose="030F0702030302020204" pitchFamily="66" charset="0"/>
+                          <a:ea typeface="JetBrains Mono" panose="02000009000000000000" pitchFamily="49" charset="0"/>
+                          <a:cs typeface="Courier New" panose="02070309020205020404" pitchFamily="49" charset="0"/>
+                        </a:rPr>
+                        <a:t>l’aggloméré n’est pas voyant à la jointure entre les montants et traverses</a:t>
+                      </a:r>
+                      <a:endParaRPr lang="fr-FR" sz="900" dirty="0"/>
+                    </a:p>
+                  </a:txBody>
+                  <a:tcPr anchor="ctr"/>
+                </a:tc>
+                <a:tc>
+                  <a:txBody>
+                    <a:bodyPr/>
+                    <a:lstStyle/>
+                    <a:p>
+                      <a:pPr algn="ctr"/>
+                      <a:endParaRPr lang="fr-FR" sz="900" dirty="0"/>
+                    </a:p>
+                  </a:txBody>
+                  <a:tcPr anchor="ctr">
+                    <a:solidFill>
+                      <a:srgbClr val="A6A6A6"/>
+                    </a:solidFill>
+                  </a:tcPr>
+                </a:tc>
+                <a:tc>
+                  <a:txBody>
+                    <a:bodyPr/>
+                    <a:lstStyle/>
+                    <a:p>
+                      <a:pPr algn="ctr"/>
+                      <a:r>
+                        <a:rPr lang="fr-FR" sz="900" dirty="0"/>
+                        <a:t>Les traverses sont légèrement en avant par rapport au montant</a:t>
+                      </a:r>
+                    </a:p>
+                  </a:txBody>
+                  <a:tcPr anchor="ctr"/>
+                </a:tc>
+                <a:tc>
+                  <a:txBody>
+                    <a:bodyPr/>
+                    <a:lstStyle/>
+                    <a:p>
+                      <a:pPr marL="72000"/>
+                      <a:r>
+                        <a:rPr lang="fr-FR" sz="900" dirty="0">
+                          <a:solidFill>
+                            <a:schemeClr val="tx1"/>
+                          </a:solidFill>
+                          <a:latin typeface="Comic Sans MS" panose="030F0702030302020204" pitchFamily="66" charset="0"/>
+                          <a:ea typeface="JetBrains Mono" panose="02000009000000000000" pitchFamily="49" charset="0"/>
+                          <a:cs typeface="Courier New" panose="02070309020205020404" pitchFamily="49" charset="0"/>
+                        </a:rPr>
+                        <a:t>Les montants sont à fleur ou les traverses légèrement en retrait.</a:t>
+                      </a:r>
+                    </a:p>
+                  </a:txBody>
+                  <a:tcPr anchor="ctr"/>
+                </a:tc>
+                <a:extLst>
+                  <a:ext uri="{0D108BD9-81ED-4DB2-BD59-A6C34878D82A}">
+                    <a16:rowId xmlns:a16="http://schemas.microsoft.com/office/drawing/2014/main" val="3673042529"/>
+                  </a:ext>
+                </a:extLst>
+              </a:tr>
+              <a:tr h="1186246">
+                <a:tc>
+                  <a:txBody>
+                    <a:bodyPr/>
+                    <a:lstStyle/>
+                    <a:p>
+                      <a:pPr algn="ctr"/>
+                      <a:r>
+                        <a:rPr lang="fr-FR" dirty="0"/>
+                        <a:t>Note finale: </a:t>
+                      </a:r>
+                    </a:p>
+                  </a:txBody>
+                  <a:tcPr anchor="ctr"/>
+                </a:tc>
+                <a:tc gridSpan="5">
+                  <a:txBody>
+                    <a:bodyPr/>
+                    <a:lstStyle/>
+                    <a:p>
+                      <a:endParaRPr lang="fr-FR" sz="1400" dirty="0"/>
+                    </a:p>
+                  </a:txBody>
+                  <a:tcPr anchor="ctr"/>
+                </a:tc>
+                <a:tc hMerge="1">
+                  <a:txBody>
+                    <a:bodyPr/>
+                    <a:lstStyle/>
+                    <a:p>
+                      <a:endParaRPr lang="fr-FR" sz="1400" dirty="0"/>
+                    </a:p>
+                  </a:txBody>
+                  <a:tcPr anchor="ctr"/>
+                </a:tc>
+                <a:tc hMerge="1">
+                  <a:txBody>
+                    <a:bodyPr/>
+                    <a:lstStyle/>
+                    <a:p>
+                      <a:endParaRPr lang="fr-FR" sz="1400" dirty="0"/>
+                    </a:p>
+                  </a:txBody>
+                  <a:tcPr anchor="ctr"/>
+                </a:tc>
+                <a:tc hMerge="1">
+                  <a:txBody>
+                    <a:bodyPr/>
+                    <a:lstStyle/>
+                    <a:p>
+                      <a:endParaRPr lang="fr-FR" sz="1400" dirty="0"/>
+                    </a:p>
+                  </a:txBody>
+                  <a:tcPr anchor="ctr"/>
+                </a:tc>
+                <a:tc hMerge="1">
+                  <a:txBody>
+                    <a:bodyPr/>
+                    <a:lstStyle/>
+                    <a:p>
+                      <a:endParaRPr lang="fr-FR" sz="1400" dirty="0"/>
+                    </a:p>
+                  </a:txBody>
+                  <a:tcPr anchor="ctr"/>
+                </a:tc>
+                <a:extLst>
+                  <a:ext uri="{0D108BD9-81ED-4DB2-BD59-A6C34878D82A}">
+                    <a16:rowId xmlns:a16="http://schemas.microsoft.com/office/drawing/2014/main" val="3834295413"/>
+                  </a:ext>
+                </a:extLst>
+              </a:tr>
+            </a:tbl>
+          </a:graphicData>
+        </a:graphic>
+      </p:graphicFrame>
+    </p:spTree>
+    <p:extLst>
+      <p:ext uri="{BB962C8B-B14F-4D97-AF65-F5344CB8AC3E}">
+        <p14:creationId xmlns:p14="http://schemas.microsoft.com/office/powerpoint/2010/main" val="3540825862"/>
+      </p:ext>
+    </p:extLst>
+  </p:cSld>
+  <p:clrMapOvr>
+    <a:masterClrMapping/>
+  </p:clrMapOvr>
+</p:sld>
+</file>
+
+<file path=ppt/slides/slide4.xml><?xml version="1.0" encoding="utf-8"?>
+<p:sld xmlns:a="http://schemas.openxmlformats.org/drawingml/2006/main" xmlns:r="http://schemas.openxmlformats.org/officeDocument/2006/relationships" xmlns:p="http://schemas.openxmlformats.org/presentationml/2006/main">
+  <p:cSld>
+    <p:spTree>
+      <p:nvGrpSpPr>
+        <p:cNvPr id="1" name=""/>
+        <p:cNvGrpSpPr/>
+        <p:nvPr/>
+      </p:nvGrpSpPr>
+      <p:grpSpPr>
+        <a:xfrm>
+          <a:off x="0" y="0"/>
+          <a:ext cx="0" cy="0"/>
+          <a:chOff x="0" y="0"/>
+          <a:chExt cx="0" cy="0"/>
+        </a:xfrm>
+      </p:grpSpPr>
+      <p:sp>
+        <p:nvSpPr>
+          <p:cNvPr id="17" name="Rectangle 16"/>
+          <p:cNvSpPr/>
+          <p:nvPr/>
+        </p:nvSpPr>
+        <p:spPr>
+          <a:xfrm>
+            <a:off x="4039557" y="179881"/>
+            <a:ext cx="7040235" cy="10440000"/>
+          </a:xfrm>
+          <a:prstGeom prst="rect">
+            <a:avLst/>
+          </a:prstGeom>
+          <a:ln w="57150"/>
+        </p:spPr>
+        <p:style>
+          <a:lnRef idx="2">
+            <a:schemeClr val="dk1"/>
+          </a:lnRef>
+          <a:fillRef idx="1">
+            <a:schemeClr val="lt1"/>
+          </a:fillRef>
+          <a:effectRef idx="0">
+            <a:schemeClr val="dk1"/>
+          </a:effectRef>
+          <a:fontRef idx="minor">
+            <a:schemeClr val="dk1"/>
+          </a:fontRef>
+        </p:style>
+        <p:txBody>
+          <a:bodyPr rtlCol="0" anchor="t"/>
+          <a:lstStyle/>
+          <a:p>
+            <a:pPr marL="72000"/>
+            <a:endParaRPr lang="fr-FR" b="1" dirty="0">
+              <a:solidFill>
+                <a:schemeClr val="tx1"/>
+              </a:solidFill>
+              <a:latin typeface="Comic Sans MS" panose="030F0702030302020204" pitchFamily="66" charset="0"/>
+              <a:ea typeface="JetBrains Mono" panose="02000009000000000000" pitchFamily="49" charset="0"/>
+              <a:cs typeface="Arial" panose="020B0604020202020204" pitchFamily="34" charset="0"/>
+            </a:endParaRPr>
+          </a:p>
+          <a:p>
+            <a:pPr marL="72000"/>
+            <a:r>
+              <a:rPr lang="fr-FR" b="1" dirty="0">
+                <a:solidFill>
+                  <a:schemeClr val="tx1"/>
+                </a:solidFill>
+                <a:latin typeface="Comic Sans MS" panose="030F0702030302020204" pitchFamily="66" charset="0"/>
+                <a:ea typeface="JetBrains Mono" panose="02000009000000000000" pitchFamily="49" charset="0"/>
+                <a:cs typeface="Arial" panose="020B0604020202020204" pitchFamily="34" charset="0"/>
+              </a:rPr>
+              <a:t>Critères de notation :</a:t>
+            </a:r>
+          </a:p>
+        </p:txBody>
+      </p:sp>
+      <p:sp>
+        <p:nvSpPr>
+          <p:cNvPr id="18" name="Rectangle 17"/>
+          <p:cNvSpPr/>
+          <p:nvPr/>
+        </p:nvSpPr>
+        <p:spPr>
+          <a:xfrm>
+            <a:off x="142517" y="1390649"/>
+            <a:ext cx="3763202" cy="9229231"/>
+          </a:xfrm>
+          <a:prstGeom prst="rect">
+            <a:avLst/>
+          </a:prstGeom>
+          <a:ln w="57150"/>
+        </p:spPr>
+        <p:style>
+          <a:lnRef idx="2">
+            <a:schemeClr val="dk1"/>
+          </a:lnRef>
+          <a:fillRef idx="1">
+            <a:schemeClr val="lt1"/>
+          </a:fillRef>
+          <a:effectRef idx="0">
+            <a:schemeClr val="dk1"/>
+          </a:effectRef>
+          <a:fontRef idx="minor">
+            <a:schemeClr val="dk1"/>
+          </a:fontRef>
+        </p:style>
+        <p:txBody>
+          <a:bodyPr rtlCol="0" anchor="ctr"/>
+          <a:lstStyle/>
+          <a:p>
+            <a:pPr marL="72000"/>
+            <a:endParaRPr lang="fr-FR" sz="1600" b="1" dirty="0">
+              <a:solidFill>
+                <a:schemeClr val="tx1"/>
+              </a:solidFill>
+              <a:latin typeface="Comic Sans MS" panose="030F0702030302020204" pitchFamily="66" charset="0"/>
+              <a:ea typeface="JetBrains Mono" panose="02000009000000000000" pitchFamily="49" charset="0"/>
+              <a:cs typeface="Courier New" panose="02070309020205020404" pitchFamily="49" charset="0"/>
+            </a:endParaRPr>
+          </a:p>
+          <a:p>
+            <a:pPr marL="72000"/>
+            <a:endParaRPr lang="fr-FR" sz="1600" b="1" dirty="0">
+              <a:solidFill>
+                <a:schemeClr val="tx1"/>
+              </a:solidFill>
+              <a:latin typeface="Comic Sans MS" panose="030F0702030302020204" pitchFamily="66" charset="0"/>
+              <a:ea typeface="JetBrains Mono" panose="02000009000000000000" pitchFamily="49" charset="0"/>
+              <a:cs typeface="Courier New" panose="02070309020205020404" pitchFamily="49" charset="0"/>
+            </a:endParaRPr>
+          </a:p>
+          <a:p>
+            <a:pPr marL="72000"/>
+            <a:endParaRPr lang="fr-FR" sz="1600" b="1" dirty="0">
+              <a:solidFill>
+                <a:schemeClr val="tx1"/>
+              </a:solidFill>
+              <a:latin typeface="Comic Sans MS" panose="030F0702030302020204" pitchFamily="66" charset="0"/>
+              <a:ea typeface="JetBrains Mono" panose="02000009000000000000" pitchFamily="49" charset="0"/>
+              <a:cs typeface="Courier New" panose="02070309020205020404" pitchFamily="49" charset="0"/>
+            </a:endParaRPr>
+          </a:p>
+          <a:p>
+            <a:pPr marL="72000"/>
+            <a:r>
+              <a:rPr lang="fr-FR" sz="1600" b="1" dirty="0">
+                <a:solidFill>
+                  <a:schemeClr val="tx1"/>
+                </a:solidFill>
+                <a:latin typeface="Comic Sans MS" panose="030F0702030302020204" pitchFamily="66" charset="0"/>
+                <a:ea typeface="JetBrains Mono" panose="02000009000000000000" pitchFamily="49" charset="0"/>
+                <a:cs typeface="Courier New" panose="02070309020205020404" pitchFamily="49" charset="0"/>
+              </a:rPr>
+              <a:t>Noms et prénoms de l’élève :</a:t>
+            </a:r>
+          </a:p>
+          <a:p>
+            <a:pPr marL="72000"/>
+            <a:endParaRPr lang="fr-FR" sz="1600" b="1" dirty="0">
+              <a:solidFill>
+                <a:schemeClr val="tx1"/>
+              </a:solidFill>
+              <a:latin typeface="Comic Sans MS" panose="030F0702030302020204" pitchFamily="66" charset="0"/>
+              <a:ea typeface="JetBrains Mono" panose="02000009000000000000" pitchFamily="49" charset="0"/>
+              <a:cs typeface="Courier New" panose="02070309020205020404" pitchFamily="49" charset="0"/>
+            </a:endParaRPr>
+          </a:p>
+          <a:p>
+            <a:pPr marL="72000"/>
+            <a:r>
+              <a:rPr lang="fr-FR" sz="1600" b="1" dirty="0">
+                <a:solidFill>
+                  <a:schemeClr val="tx1"/>
+                </a:solidFill>
+                <a:latin typeface="Comic Sans MS" panose="030F0702030302020204" pitchFamily="66" charset="0"/>
+                <a:ea typeface="JetBrains Mono" panose="02000009000000000000" pitchFamily="49" charset="0"/>
+                <a:cs typeface="Courier New" panose="02070309020205020404" pitchFamily="49" charset="0"/>
+              </a:rPr>
+              <a:t>………………………………………………… (TTMA)</a:t>
+            </a:r>
+          </a:p>
+          <a:p>
+            <a:pPr marL="72000"/>
+            <a:endParaRPr lang="fr-FR" sz="1600" b="1" dirty="0">
+              <a:solidFill>
+                <a:schemeClr val="tx1"/>
+              </a:solidFill>
+              <a:latin typeface="Comic Sans MS" panose="030F0702030302020204" pitchFamily="66" charset="0"/>
+              <a:ea typeface="JetBrains Mono" panose="02000009000000000000" pitchFamily="49" charset="0"/>
+              <a:cs typeface="Courier New" panose="02070309020205020404" pitchFamily="49" charset="0"/>
+            </a:endParaRPr>
+          </a:p>
+          <a:p>
+            <a:pPr marL="72000"/>
+            <a:r>
+              <a:rPr lang="fr-FR" sz="1600" b="1" dirty="0">
+                <a:solidFill>
+                  <a:schemeClr val="tx1"/>
+                </a:solidFill>
+                <a:latin typeface="Comic Sans MS" panose="030F0702030302020204" pitchFamily="66" charset="0"/>
+                <a:ea typeface="JetBrains Mono" panose="02000009000000000000" pitchFamily="49" charset="0"/>
+                <a:cs typeface="Courier New" panose="02070309020205020404" pitchFamily="49" charset="0"/>
+              </a:rPr>
+              <a:t>Instructions :</a:t>
+            </a:r>
+          </a:p>
+          <a:p>
+            <a:pPr marL="72000"/>
+            <a:endParaRPr lang="fr-FR" sz="1600" b="1" dirty="0">
+              <a:solidFill>
+                <a:schemeClr val="tx1"/>
+              </a:solidFill>
+              <a:latin typeface="Comic Sans MS" panose="030F0702030302020204" pitchFamily="66" charset="0"/>
+              <a:ea typeface="JetBrains Mono" panose="02000009000000000000" pitchFamily="49" charset="0"/>
+              <a:cs typeface="Courier New" panose="02070309020205020404" pitchFamily="49" charset="0"/>
+            </a:endParaRPr>
+          </a:p>
+          <a:p>
+            <a:pPr marL="72000"/>
+            <a:r>
+              <a:rPr lang="fr-FR" sz="1600" dirty="0">
+                <a:solidFill>
+                  <a:schemeClr val="tx1"/>
+                </a:solidFill>
+                <a:latin typeface="Comic Sans MS" panose="030F0702030302020204" pitchFamily="66" charset="0"/>
+                <a:ea typeface="JetBrains Mono" panose="02000009000000000000" pitchFamily="49" charset="0"/>
+                <a:cs typeface="Courier New" panose="02070309020205020404" pitchFamily="49" charset="0"/>
+              </a:rPr>
+              <a:t>Rédiger un rapport de stage et effectuer un oral de dix minutes en présentant une réalisation et un chantier</a:t>
+            </a:r>
+          </a:p>
+          <a:p>
+            <a:pPr marL="72000"/>
+            <a:endParaRPr lang="fr-FR" sz="1600" b="1" dirty="0">
+              <a:solidFill>
+                <a:schemeClr val="tx1"/>
+              </a:solidFill>
+              <a:latin typeface="Comic Sans MS" panose="030F0702030302020204" pitchFamily="66" charset="0"/>
+              <a:ea typeface="JetBrains Mono" panose="02000009000000000000" pitchFamily="49" charset="0"/>
+              <a:cs typeface="Courier New" panose="02070309020205020404" pitchFamily="49" charset="0"/>
+            </a:endParaRPr>
+          </a:p>
+          <a:p>
+            <a:pPr marL="72000"/>
+            <a:r>
+              <a:rPr lang="fr-FR" sz="1600" b="1" dirty="0">
+                <a:solidFill>
+                  <a:schemeClr val="tx1"/>
+                </a:solidFill>
+                <a:latin typeface="Comic Sans MS" panose="030F0702030302020204" pitchFamily="66" charset="0"/>
+                <a:ea typeface="JetBrains Mono" panose="02000009000000000000" pitchFamily="49" charset="0"/>
+                <a:cs typeface="Courier New" panose="02070309020205020404" pitchFamily="49" charset="0"/>
+              </a:rPr>
+              <a:t>A Vérifier :</a:t>
+            </a:r>
+          </a:p>
+          <a:p>
+            <a:pPr marL="72000"/>
+            <a:endParaRPr lang="fr-FR" sz="1600" b="1" dirty="0">
+              <a:solidFill>
+                <a:schemeClr val="tx1"/>
+              </a:solidFill>
+              <a:latin typeface="Comic Sans MS" panose="030F0702030302020204" pitchFamily="66" charset="0"/>
+              <a:ea typeface="JetBrains Mono" panose="02000009000000000000" pitchFamily="49" charset="0"/>
+              <a:cs typeface="Courier New" panose="02070309020205020404" pitchFamily="49" charset="0"/>
+            </a:endParaRPr>
+          </a:p>
+          <a:p>
+            <a:pPr marL="72000"/>
+            <a:r>
+              <a:rPr lang="fr-FR" sz="1600" dirty="0">
+                <a:solidFill>
+                  <a:schemeClr val="tx1"/>
+                </a:solidFill>
+                <a:latin typeface="Comic Sans MS" panose="030F0702030302020204" pitchFamily="66" charset="0"/>
+                <a:ea typeface="JetBrains Mono" panose="02000009000000000000" pitchFamily="49" charset="0"/>
+                <a:cs typeface="Courier New" panose="02070309020205020404" pitchFamily="49" charset="0"/>
+              </a:rPr>
+              <a:t>Le temps de parole est respecté</a:t>
+            </a:r>
+          </a:p>
+          <a:p>
+            <a:pPr marL="72000"/>
+            <a:endParaRPr lang="fr-FR" sz="1600" dirty="0">
+              <a:solidFill>
+                <a:schemeClr val="tx1"/>
+              </a:solidFill>
+              <a:latin typeface="Comic Sans MS" panose="030F0702030302020204" pitchFamily="66" charset="0"/>
+              <a:ea typeface="JetBrains Mono" panose="02000009000000000000" pitchFamily="49" charset="0"/>
+              <a:cs typeface="Courier New" panose="02070309020205020404" pitchFamily="49" charset="0"/>
+            </a:endParaRPr>
+          </a:p>
+          <a:p>
+            <a:pPr marL="72000"/>
+            <a:r>
+              <a:rPr lang="fr-FR" sz="1600" dirty="0">
+                <a:solidFill>
+                  <a:schemeClr val="tx1"/>
+                </a:solidFill>
+                <a:latin typeface="Comic Sans MS" panose="030F0702030302020204" pitchFamily="66" charset="0"/>
+                <a:ea typeface="JetBrains Mono" panose="02000009000000000000" pitchFamily="49" charset="0"/>
+                <a:cs typeface="Courier New" panose="02070309020205020404" pitchFamily="49" charset="0"/>
+              </a:rPr>
+              <a:t>L’élève traite de la sécurité sur les machine et pour l’opérateur</a:t>
+            </a:r>
+          </a:p>
+          <a:p>
+            <a:pPr marL="72000"/>
+            <a:endParaRPr lang="fr-FR" sz="1600" dirty="0">
+              <a:solidFill>
+                <a:schemeClr val="tx1"/>
+              </a:solidFill>
+              <a:latin typeface="Comic Sans MS" panose="030F0702030302020204" pitchFamily="66" charset="0"/>
+              <a:ea typeface="JetBrains Mono" panose="02000009000000000000" pitchFamily="49" charset="0"/>
+              <a:cs typeface="Courier New" panose="02070309020205020404" pitchFamily="49" charset="0"/>
+            </a:endParaRPr>
+          </a:p>
+          <a:p>
+            <a:pPr marL="72000"/>
+            <a:r>
+              <a:rPr lang="fr-FR" sz="1600" dirty="0">
+                <a:solidFill>
+                  <a:schemeClr val="tx1"/>
+                </a:solidFill>
+                <a:latin typeface="Comic Sans MS" panose="030F0702030302020204" pitchFamily="66" charset="0"/>
+                <a:ea typeface="JetBrains Mono" panose="02000009000000000000" pitchFamily="49" charset="0"/>
+                <a:cs typeface="Courier New" panose="02070309020205020404" pitchFamily="49" charset="0"/>
+              </a:rPr>
+              <a:t>L’élève utilise des termes techniques et approprié à l’activité qu’il présente</a:t>
+            </a:r>
+          </a:p>
+          <a:p>
+            <a:pPr marL="72000"/>
+            <a:endParaRPr lang="fr-FR" sz="1600" dirty="0">
+              <a:solidFill>
+                <a:schemeClr val="tx1"/>
+              </a:solidFill>
+              <a:latin typeface="Comic Sans MS" panose="030F0702030302020204" pitchFamily="66" charset="0"/>
+              <a:ea typeface="JetBrains Mono" panose="02000009000000000000" pitchFamily="49" charset="0"/>
+              <a:cs typeface="Courier New" panose="02070309020205020404" pitchFamily="49" charset="0"/>
+            </a:endParaRPr>
+          </a:p>
+          <a:p>
+            <a:pPr marL="72000"/>
+            <a:r>
+              <a:rPr lang="fr-FR" sz="1600" dirty="0">
+                <a:solidFill>
+                  <a:schemeClr val="tx1"/>
+                </a:solidFill>
+                <a:latin typeface="Comic Sans MS" panose="030F0702030302020204" pitchFamily="66" charset="0"/>
+                <a:ea typeface="JetBrains Mono" panose="02000009000000000000" pitchFamily="49" charset="0"/>
+                <a:cs typeface="Courier New" panose="02070309020205020404" pitchFamily="49" charset="0"/>
+              </a:rPr>
+              <a:t>L’élève explique la manière d’utiliser une machine ou un outils qu’il présente dans son rapport</a:t>
+            </a:r>
+          </a:p>
+          <a:p>
+            <a:pPr marL="72000"/>
+            <a:endParaRPr lang="fr-FR" sz="1600" dirty="0">
+              <a:solidFill>
+                <a:schemeClr val="tx1"/>
+              </a:solidFill>
+              <a:latin typeface="Comic Sans MS" panose="030F0702030302020204" pitchFamily="66" charset="0"/>
+              <a:ea typeface="JetBrains Mono" panose="02000009000000000000" pitchFamily="49" charset="0"/>
+              <a:cs typeface="Courier New" panose="02070309020205020404" pitchFamily="49" charset="0"/>
+            </a:endParaRPr>
+          </a:p>
+          <a:p>
+            <a:pPr marL="72000"/>
+            <a:r>
+              <a:rPr lang="fr-FR" sz="1600" dirty="0">
+                <a:solidFill>
+                  <a:schemeClr val="tx1"/>
+                </a:solidFill>
+                <a:latin typeface="Comic Sans MS" panose="030F0702030302020204" pitchFamily="66" charset="0"/>
+                <a:ea typeface="JetBrains Mono" panose="02000009000000000000" pitchFamily="49" charset="0"/>
+                <a:cs typeface="Courier New" panose="02070309020205020404" pitchFamily="49" charset="0"/>
+              </a:rPr>
+              <a:t>L’élève explique des termes techniques en utilisés dans son exposé </a:t>
+            </a:r>
+          </a:p>
+          <a:p>
+            <a:pPr marL="72000"/>
+            <a:endParaRPr lang="fr-FR" sz="1600" dirty="0">
+              <a:solidFill>
+                <a:schemeClr val="tx1"/>
+              </a:solidFill>
+              <a:latin typeface="Comic Sans MS" panose="030F0702030302020204" pitchFamily="66" charset="0"/>
+              <a:ea typeface="JetBrains Mono" panose="02000009000000000000" pitchFamily="49" charset="0"/>
+              <a:cs typeface="Courier New" panose="02070309020205020404" pitchFamily="49" charset="0"/>
+            </a:endParaRPr>
+          </a:p>
+          <a:p>
+            <a:pPr marL="72000"/>
+            <a:r>
+              <a:rPr lang="fr-FR" sz="1600" dirty="0">
+                <a:solidFill>
+                  <a:schemeClr val="tx1"/>
+                </a:solidFill>
+                <a:latin typeface="Comic Sans MS" panose="030F0702030302020204" pitchFamily="66" charset="0"/>
+                <a:ea typeface="JetBrains Mono" panose="02000009000000000000" pitchFamily="49" charset="0"/>
+                <a:cs typeface="Courier New" panose="02070309020205020404" pitchFamily="49" charset="0"/>
+              </a:rPr>
+              <a:t>L’élève propose une modification justifiés de son activité</a:t>
+            </a:r>
+          </a:p>
+          <a:p>
+            <a:pPr marL="72000"/>
+            <a:endParaRPr lang="fr-FR" sz="1600" dirty="0">
+              <a:solidFill>
+                <a:schemeClr val="tx1"/>
+              </a:solidFill>
+              <a:latin typeface="Comic Sans MS" panose="030F0702030302020204" pitchFamily="66" charset="0"/>
+              <a:ea typeface="JetBrains Mono" panose="02000009000000000000" pitchFamily="49" charset="0"/>
+              <a:cs typeface="Courier New" panose="02070309020205020404" pitchFamily="49" charset="0"/>
+            </a:endParaRPr>
+          </a:p>
+          <a:p>
+            <a:pPr marL="72000"/>
+            <a:endParaRPr lang="fr-FR" sz="1600" dirty="0">
+              <a:solidFill>
+                <a:schemeClr val="tx1"/>
+              </a:solidFill>
+              <a:latin typeface="Comic Sans MS" panose="030F0702030302020204" pitchFamily="66" charset="0"/>
+              <a:ea typeface="JetBrains Mono" panose="02000009000000000000" pitchFamily="49" charset="0"/>
+              <a:cs typeface="Courier New" panose="02070309020205020404" pitchFamily="49" charset="0"/>
+            </a:endParaRPr>
+          </a:p>
+          <a:p>
+            <a:pPr marL="72000"/>
+            <a:endParaRPr lang="fr-FR" sz="1600" dirty="0">
+              <a:solidFill>
+                <a:schemeClr val="tx1"/>
+              </a:solidFill>
+              <a:latin typeface="Comic Sans MS" panose="030F0702030302020204" pitchFamily="66" charset="0"/>
+              <a:ea typeface="JetBrains Mono" panose="02000009000000000000" pitchFamily="49" charset="0"/>
+              <a:cs typeface="Courier New" panose="02070309020205020404" pitchFamily="49" charset="0"/>
+            </a:endParaRPr>
+          </a:p>
+        </p:txBody>
+      </p:sp>
+      <p:sp>
+        <p:nvSpPr>
+          <p:cNvPr id="19" name="Rectangle 18"/>
+          <p:cNvSpPr/>
+          <p:nvPr/>
+        </p:nvSpPr>
+        <p:spPr>
+          <a:xfrm>
+            <a:off x="11213630" y="1390649"/>
+            <a:ext cx="3726044" cy="9229231"/>
+          </a:xfrm>
+          <a:prstGeom prst="rect">
+            <a:avLst/>
+          </a:prstGeom>
+          <a:ln w="57150"/>
+        </p:spPr>
+        <p:style>
+          <a:lnRef idx="2">
+            <a:schemeClr val="dk1"/>
+          </a:lnRef>
+          <a:fillRef idx="1">
+            <a:schemeClr val="lt1"/>
+          </a:fillRef>
+          <a:effectRef idx="0">
+            <a:schemeClr val="dk1"/>
+          </a:effectRef>
+          <a:fontRef idx="minor">
+            <a:schemeClr val="dk1"/>
+          </a:fontRef>
+        </p:style>
+        <p:txBody>
+          <a:bodyPr rtlCol="0" anchor="ctr"/>
+          <a:lstStyle/>
+          <a:p>
+            <a:r>
+              <a:rPr lang="fr-FR" sz="1400" b="1" dirty="0"/>
+              <a:t>Compétences évaluées :</a:t>
+            </a:r>
+          </a:p>
+          <a:p>
+            <a:endParaRPr lang="fr-FR" sz="1400" b="1" dirty="0"/>
+          </a:p>
+          <a:p>
+            <a:r>
+              <a:rPr lang="fr-FR" sz="1400" b="1" dirty="0"/>
+              <a:t>C6.12</a:t>
+            </a:r>
+          </a:p>
+          <a:p>
+            <a:r>
+              <a:rPr lang="fr-FR" sz="1400" dirty="0"/>
+              <a:t>Exposer et argumenter des solutions de modifications	</a:t>
+            </a:r>
+          </a:p>
+          <a:p>
+            <a:endParaRPr lang="fr-FR" sz="1400" b="1" dirty="0"/>
+          </a:p>
+          <a:p>
+            <a:r>
+              <a:rPr lang="fr-FR" sz="1400" b="1" dirty="0"/>
+              <a:t>C6.23</a:t>
+            </a:r>
+          </a:p>
+          <a:p>
+            <a:r>
+              <a:rPr lang="fr-FR" sz="1400" dirty="0"/>
+              <a:t>Informer sur la sécurité pour l’utilisation des machines et des matériels à l’atelier et sur chantier</a:t>
+            </a:r>
+          </a:p>
+          <a:p>
+            <a:endParaRPr lang="fr-FR" sz="1400" b="1" dirty="0"/>
+          </a:p>
+          <a:p>
+            <a:r>
+              <a:rPr lang="fr-FR" sz="1400" b="1" dirty="0"/>
+              <a:t>C6.31</a:t>
+            </a:r>
+          </a:p>
+          <a:p>
+            <a:r>
+              <a:rPr lang="fr-FR" sz="1400" dirty="0"/>
+              <a:t>Exposer et expliciter la mise en service et le fonctionnement d’appareils et de matériels</a:t>
+            </a:r>
+          </a:p>
+          <a:p>
+            <a:endParaRPr lang="fr-FR" sz="1400" b="1" dirty="0"/>
+          </a:p>
+          <a:p>
+            <a:r>
+              <a:rPr lang="fr-FR" sz="1400" b="1" dirty="0"/>
+              <a:t>C6.32</a:t>
+            </a:r>
+          </a:p>
+          <a:p>
+            <a:r>
+              <a:rPr lang="fr-FR" sz="1400" dirty="0"/>
+              <a:t>Exposer et expliciter l’ensemble des</a:t>
+            </a:r>
+          </a:p>
+          <a:p>
+            <a:r>
+              <a:rPr lang="fr-FR" sz="1400" dirty="0"/>
+              <a:t>informations et des décisions relatives à la gestion du suivi de l’ajustement, de la</a:t>
+            </a:r>
+          </a:p>
+          <a:p>
+            <a:r>
+              <a:rPr lang="fr-FR" sz="1400" dirty="0"/>
+              <a:t>fabrication et de la pose</a:t>
+            </a:r>
+          </a:p>
+          <a:p>
+            <a:endParaRPr lang="fr-FR" sz="1400" b="1" dirty="0"/>
+          </a:p>
+          <a:p>
+            <a:endParaRPr lang="fr-FR" sz="1400" b="1" dirty="0"/>
+          </a:p>
+        </p:txBody>
+      </p:sp>
+      <p:sp>
+        <p:nvSpPr>
+          <p:cNvPr id="24" name="Rectangle 23"/>
+          <p:cNvSpPr/>
+          <p:nvPr/>
+        </p:nvSpPr>
+        <p:spPr>
+          <a:xfrm>
+            <a:off x="11213630" y="179881"/>
+            <a:ext cx="3726045" cy="1067028"/>
+          </a:xfrm>
+          <a:prstGeom prst="rect">
+            <a:avLst/>
+          </a:prstGeom>
+          <a:ln w="57150"/>
+        </p:spPr>
+        <p:style>
+          <a:lnRef idx="2">
+            <a:schemeClr val="dk1"/>
+          </a:lnRef>
+          <a:fillRef idx="1">
+            <a:schemeClr val="lt1"/>
+          </a:fillRef>
+          <a:effectRef idx="0">
+            <a:schemeClr val="dk1"/>
+          </a:effectRef>
+          <a:fontRef idx="minor">
+            <a:schemeClr val="dk1"/>
+          </a:fontRef>
+        </p:style>
+        <p:txBody>
+          <a:bodyPr rtlCol="0" anchor="ctr"/>
+          <a:lstStyle/>
+          <a:p>
+            <a:pPr algn="ctr"/>
+            <a:r>
+              <a:rPr lang="fr-FR" sz="1600" spc="300" dirty="0">
+                <a:latin typeface="Comic Sans MS" panose="030F0702030302020204" pitchFamily="66" charset="0"/>
+                <a:ea typeface="JetBrains Mono" panose="02000009000000000000" pitchFamily="49" charset="0"/>
+                <a:cs typeface="JetBrains Mono" panose="02000009000000000000" pitchFamily="49" charset="0"/>
+              </a:rPr>
+              <a:t>Technicien</a:t>
+            </a:r>
+          </a:p>
+          <a:p>
+            <a:pPr algn="ctr"/>
+            <a:r>
+              <a:rPr lang="fr-FR" sz="1600" spc="300" dirty="0">
+                <a:latin typeface="Comic Sans MS" panose="030F0702030302020204" pitchFamily="66" charset="0"/>
+                <a:ea typeface="JetBrains Mono" panose="02000009000000000000" pitchFamily="49" charset="0"/>
+                <a:cs typeface="JetBrains Mono" panose="02000009000000000000" pitchFamily="49" charset="0"/>
+              </a:rPr>
+              <a:t>Menuisier Agenceur</a:t>
+            </a:r>
+          </a:p>
+        </p:txBody>
+      </p:sp>
+      <p:sp>
+        <p:nvSpPr>
+          <p:cNvPr id="25" name="Rectangle 24"/>
+          <p:cNvSpPr/>
+          <p:nvPr/>
+        </p:nvSpPr>
+        <p:spPr>
+          <a:xfrm>
+            <a:off x="142517" y="179881"/>
+            <a:ext cx="3763201" cy="1067028"/>
+          </a:xfrm>
+          <a:prstGeom prst="rect">
+            <a:avLst/>
+          </a:prstGeom>
+          <a:ln w="57150"/>
+        </p:spPr>
+        <p:style>
+          <a:lnRef idx="2">
+            <a:schemeClr val="dk1"/>
+          </a:lnRef>
+          <a:fillRef idx="1">
+            <a:schemeClr val="lt1"/>
+          </a:fillRef>
+          <a:effectRef idx="0">
+            <a:schemeClr val="dk1"/>
+          </a:effectRef>
+          <a:fontRef idx="minor">
+            <a:schemeClr val="dk1"/>
+          </a:fontRef>
+        </p:style>
+        <p:txBody>
+          <a:bodyPr rtlCol="0" anchor="ctr"/>
+          <a:lstStyle/>
+          <a:p>
+            <a:pPr algn="ctr"/>
+            <a:r>
+              <a:rPr lang="fr-FR" b="1" dirty="0">
+                <a:latin typeface="Comic Sans MS" panose="030F0702030302020204" pitchFamily="66" charset="0"/>
+                <a:ea typeface="JetBrains Mono" panose="02000009000000000000" pitchFamily="49" charset="0"/>
+                <a:cs typeface="JetBrains Mono" panose="02000009000000000000" pitchFamily="49" charset="0"/>
+              </a:rPr>
+              <a:t>Sujet : Oral et rapport d’activité</a:t>
+            </a:r>
+          </a:p>
+        </p:txBody>
+      </p:sp>
+      <p:graphicFrame>
+        <p:nvGraphicFramePr>
+          <p:cNvPr id="2" name="Table 1">
+            <a:extLst>
+              <a:ext uri="{FF2B5EF4-FFF2-40B4-BE49-F238E27FC236}">
+                <a16:creationId xmlns:a16="http://schemas.microsoft.com/office/drawing/2014/main" id="{AFCB8B3A-B6F8-4548-A2DA-06057CDA9A4C}"/>
+              </a:ext>
+            </a:extLst>
+          </p:cNvPr>
+          <p:cNvGraphicFramePr>
+            <a:graphicFrameLocks noGrp="1"/>
+          </p:cNvGraphicFramePr>
+          <p:nvPr>
+            <p:extLst>
+              <p:ext uri="{D42A27DB-BD31-4B8C-83A1-F6EECF244321}">
+                <p14:modId xmlns:p14="http://schemas.microsoft.com/office/powerpoint/2010/main" val="1505441251"/>
+              </p:ext>
+            </p:extLst>
+          </p:nvPr>
+        </p:nvGraphicFramePr>
+        <p:xfrm>
+          <a:off x="4039556" y="944558"/>
+          <a:ext cx="6980869" cy="9675322"/>
+        </p:xfrm>
+        <a:graphic>
+          <a:graphicData uri="http://schemas.openxmlformats.org/drawingml/2006/table">
+            <a:tbl>
+              <a:tblPr firstRow="1" bandRow="1">
+                <a:tableStyleId>{5940675A-B579-460E-94D1-54222C63F5DA}</a:tableStyleId>
+              </a:tblPr>
+              <a:tblGrid>
+                <a:gridCol w="2253173">
+                  <a:extLst>
+                    <a:ext uri="{9D8B030D-6E8A-4147-A177-3AD203B41FA5}">
+                      <a16:colId xmlns:a16="http://schemas.microsoft.com/office/drawing/2014/main" val="2787692130"/>
+                    </a:ext>
+                  </a:extLst>
+                </a:gridCol>
+                <a:gridCol w="957412">
+                  <a:extLst>
+                    <a:ext uri="{9D8B030D-6E8A-4147-A177-3AD203B41FA5}">
+                      <a16:colId xmlns:a16="http://schemas.microsoft.com/office/drawing/2014/main" val="607649727"/>
+                    </a:ext>
+                  </a:extLst>
+                </a:gridCol>
+                <a:gridCol w="957412">
+                  <a:extLst>
+                    <a:ext uri="{9D8B030D-6E8A-4147-A177-3AD203B41FA5}">
+                      <a16:colId xmlns:a16="http://schemas.microsoft.com/office/drawing/2014/main" val="2879588787"/>
+                    </a:ext>
+                  </a:extLst>
+                </a:gridCol>
+                <a:gridCol w="957412">
+                  <a:extLst>
+                    <a:ext uri="{9D8B030D-6E8A-4147-A177-3AD203B41FA5}">
+                      <a16:colId xmlns:a16="http://schemas.microsoft.com/office/drawing/2014/main" val="963493659"/>
+                    </a:ext>
+                  </a:extLst>
+                </a:gridCol>
+                <a:gridCol w="957412">
+                  <a:extLst>
+                    <a:ext uri="{9D8B030D-6E8A-4147-A177-3AD203B41FA5}">
+                      <a16:colId xmlns:a16="http://schemas.microsoft.com/office/drawing/2014/main" val="283199609"/>
+                    </a:ext>
+                  </a:extLst>
+                </a:gridCol>
+                <a:gridCol w="898048">
+                  <a:extLst>
+                    <a:ext uri="{9D8B030D-6E8A-4147-A177-3AD203B41FA5}">
+                      <a16:colId xmlns:a16="http://schemas.microsoft.com/office/drawing/2014/main" val="3524401581"/>
+                    </a:ext>
+                  </a:extLst>
+                </a:gridCol>
+              </a:tblGrid>
+              <a:tr h="1371600">
+                <a:tc>
+                  <a:txBody>
+                    <a:bodyPr/>
+                    <a:lstStyle/>
+                    <a:p>
+                      <a:pPr algn="ctr"/>
+                      <a:r>
+                        <a:rPr lang="fr-FR" sz="1400" dirty="0">
+                          <a:solidFill>
+                            <a:schemeClr val="bg1"/>
+                          </a:solidFill>
+                        </a:rPr>
+                        <a:t>Critère évalué</a:t>
+                      </a:r>
+                    </a:p>
+                  </a:txBody>
+                  <a:tcPr anchor="ctr">
+                    <a:solidFill>
+                      <a:schemeClr val="tx1"/>
+                    </a:solidFill>
+                  </a:tcPr>
+                </a:tc>
+                <a:tc>
+                  <a:txBody>
+                    <a:bodyPr/>
+                    <a:lstStyle/>
+                    <a:p>
+                      <a:pPr algn="ctr"/>
+                      <a:r>
+                        <a:rPr lang="fr-FR" sz="900" dirty="0"/>
+                        <a:t>Pas de rapport d’activité</a:t>
+                      </a:r>
+                    </a:p>
+                    <a:p>
+                      <a:pPr algn="ctr"/>
+                      <a:endParaRPr lang="fr-FR" sz="900" dirty="0"/>
+                    </a:p>
+                    <a:p>
+                      <a:pPr algn="ctr"/>
+                      <a:r>
+                        <a:rPr lang="fr-FR" sz="900" dirty="0"/>
+                        <a:t>= </a:t>
+                      </a:r>
+                    </a:p>
+                    <a:p>
+                      <a:pPr algn="ctr"/>
+                      <a:endParaRPr lang="fr-FR" sz="900" dirty="0"/>
+                    </a:p>
+                    <a:p>
+                      <a:pPr algn="ctr"/>
+                      <a:r>
+                        <a:rPr lang="fr-FR" sz="900" dirty="0"/>
+                        <a:t>0</a:t>
+                      </a:r>
+                    </a:p>
+                  </a:txBody>
+                  <a:tcPr anchor="ctr">
+                    <a:solidFill>
+                      <a:schemeClr val="bg2">
+                        <a:lumMod val="75000"/>
+                      </a:schemeClr>
+                    </a:solidFill>
+                  </a:tcPr>
+                </a:tc>
+                <a:tc>
+                  <a:txBody>
+                    <a:bodyPr/>
+                    <a:lstStyle/>
+                    <a:p>
+                      <a:pPr algn="ctr"/>
+                      <a:r>
+                        <a:rPr lang="fr-FR" sz="900" dirty="0"/>
+                        <a:t>Non maitrisé</a:t>
+                      </a:r>
+                    </a:p>
+                  </a:txBody>
+                  <a:tcPr anchor="ctr">
+                    <a:solidFill>
+                      <a:srgbClr val="FF0000"/>
+                    </a:solidFill>
+                  </a:tcPr>
+                </a:tc>
+                <a:tc>
+                  <a:txBody>
+                    <a:bodyPr/>
+                    <a:lstStyle/>
+                    <a:p>
+                      <a:pPr algn="ctr"/>
+                      <a:r>
+                        <a:rPr lang="fr-FR" sz="900" dirty="0"/>
+                        <a:t>Moyennement acquis</a:t>
+                      </a:r>
+                    </a:p>
+                  </a:txBody>
+                  <a:tcPr anchor="ctr">
+                    <a:solidFill>
+                      <a:schemeClr val="accent4"/>
+                    </a:solidFill>
+                  </a:tcPr>
+                </a:tc>
+                <a:tc>
+                  <a:txBody>
+                    <a:bodyPr/>
+                    <a:lstStyle/>
+                    <a:p>
+                      <a:pPr algn="ctr"/>
+                      <a:r>
+                        <a:rPr lang="fr-FR" sz="900" dirty="0"/>
+                        <a:t>satisfaisant</a:t>
+                      </a:r>
+                    </a:p>
+                  </a:txBody>
+                  <a:tcPr anchor="ctr">
+                    <a:solidFill>
+                      <a:srgbClr val="FFFF00"/>
+                    </a:solidFill>
+                  </a:tcPr>
+                </a:tc>
+                <a:tc>
+                  <a:txBody>
+                    <a:bodyPr/>
+                    <a:lstStyle/>
+                    <a:p>
+                      <a:pPr algn="ctr"/>
+                      <a:r>
+                        <a:rPr lang="fr-FR" sz="900" dirty="0"/>
+                        <a:t>Très satisfaisant</a:t>
+                      </a:r>
+                    </a:p>
+                  </a:txBody>
+                  <a:tcPr anchor="ctr">
+                    <a:solidFill>
+                      <a:schemeClr val="accent6"/>
+                    </a:solidFill>
+                  </a:tcPr>
+                </a:tc>
+                <a:extLst>
+                  <a:ext uri="{0D108BD9-81ED-4DB2-BD59-A6C34878D82A}">
+                    <a16:rowId xmlns:a16="http://schemas.microsoft.com/office/drawing/2014/main" val="3340223667"/>
+                  </a:ext>
+                </a:extLst>
+              </a:tr>
+              <a:tr h="1186246">
+                <a:tc>
+                  <a:txBody>
+                    <a:bodyPr/>
+                    <a:lstStyle/>
+                    <a:p>
+                      <a:pPr marL="72000" marR="0" lvl="0" indent="0" algn="l" defTabSz="1439997" rtl="0" eaLnBrk="1" fontAlgn="auto" latinLnBrk="0" hangingPunct="1">
+                        <a:lnSpc>
+                          <a:spcPct val="100000"/>
+                        </a:lnSpc>
+                        <a:spcBef>
+                          <a:spcPts val="0"/>
+                        </a:spcBef>
+                        <a:spcAft>
+                          <a:spcPts val="0"/>
+                        </a:spcAft>
+                        <a:buClrTx/>
+                        <a:buSzTx/>
+                        <a:buFontTx/>
+                        <a:buNone/>
+                        <a:tabLst/>
+                        <a:defRPr/>
+                      </a:pPr>
+                      <a:r>
+                        <a:rPr lang="fr-FR" sz="1400" dirty="0"/>
+                        <a:t>L’oral respecte les 10 minutes (2 pts)</a:t>
+                      </a:r>
+                    </a:p>
+                  </a:txBody>
+                  <a:tcPr anchor="ctr"/>
+                </a:tc>
+                <a:tc>
+                  <a:txBody>
+                    <a:bodyPr/>
+                    <a:lstStyle/>
+                    <a:p>
+                      <a:endParaRPr lang="fr-FR" sz="1400" dirty="0"/>
+                    </a:p>
+                  </a:txBody>
+                  <a:tcPr anchor="ctr">
+                    <a:blipFill>
+                      <a:blip r:embed="rId2"/>
+                      <a:tile tx="0" ty="0" sx="100000" sy="100000" flip="none" algn="tl"/>
+                    </a:blipFill>
+                  </a:tcPr>
+                </a:tc>
+                <a:tc>
+                  <a:txBody>
+                    <a:bodyPr/>
+                    <a:lstStyle/>
+                    <a:p>
+                      <a:pPr algn="ctr"/>
+                      <a:r>
+                        <a:rPr lang="fr-FR" sz="900" dirty="0"/>
+                        <a:t>Moins de 5 minutes</a:t>
+                      </a:r>
+                    </a:p>
+                  </a:txBody>
+                  <a:tcPr anchor="ctr">
+                    <a:solidFill>
+                      <a:schemeClr val="bg1"/>
+                    </a:solidFill>
+                  </a:tcPr>
+                </a:tc>
+                <a:tc>
+                  <a:txBody>
+                    <a:bodyPr/>
+                    <a:lstStyle/>
+                    <a:p>
+                      <a:pPr algn="ctr"/>
+                      <a:r>
+                        <a:rPr lang="fr-FR" sz="900" dirty="0"/>
+                        <a:t>5 à 6 minutes</a:t>
+                      </a:r>
+                    </a:p>
+                  </a:txBody>
+                  <a:tcPr anchor="ctr">
+                    <a:solidFill>
+                      <a:schemeClr val="bg1"/>
+                    </a:solidFill>
+                  </a:tcPr>
+                </a:tc>
+                <a:tc>
+                  <a:txBody>
+                    <a:bodyPr/>
+                    <a:lstStyle/>
+                    <a:p>
+                      <a:pPr algn="ctr"/>
+                      <a:r>
+                        <a:rPr lang="fr-FR" sz="900" dirty="0"/>
+                        <a:t>7 à 8 minutes</a:t>
+                      </a:r>
+                    </a:p>
+                  </a:txBody>
+                  <a:tcPr anchor="ctr">
+                    <a:solidFill>
+                      <a:schemeClr val="bg1"/>
+                    </a:solidFill>
+                  </a:tcPr>
+                </a:tc>
+                <a:tc>
+                  <a:txBody>
+                    <a:bodyPr/>
+                    <a:lstStyle/>
+                    <a:p>
+                      <a:pPr algn="ctr"/>
+                      <a:r>
+                        <a:rPr lang="fr-FR" sz="900" dirty="0"/>
+                        <a:t>9 à 10 minutes</a:t>
+                      </a:r>
+                    </a:p>
+                  </a:txBody>
+                  <a:tcPr anchor="ctr">
+                    <a:solidFill>
+                      <a:schemeClr val="bg1"/>
+                    </a:solidFill>
+                  </a:tcPr>
+                </a:tc>
+                <a:extLst>
+                  <a:ext uri="{0D108BD9-81ED-4DB2-BD59-A6C34878D82A}">
+                    <a16:rowId xmlns:a16="http://schemas.microsoft.com/office/drawing/2014/main" val="3605164153"/>
+                  </a:ext>
+                </a:extLst>
+              </a:tr>
+              <a:tr h="1186246">
+                <a:tc>
+                  <a:txBody>
+                    <a:bodyPr/>
+                    <a:lstStyle/>
+                    <a:p>
+                      <a:pPr marL="72000" marR="0" lvl="0" indent="0" algn="l" defTabSz="1439997" rtl="0" eaLnBrk="1" fontAlgn="auto" latinLnBrk="0" hangingPunct="1">
+                        <a:lnSpc>
+                          <a:spcPct val="100000"/>
+                        </a:lnSpc>
+                        <a:spcBef>
+                          <a:spcPts val="0"/>
+                        </a:spcBef>
+                        <a:spcAft>
+                          <a:spcPts val="0"/>
+                        </a:spcAft>
+                        <a:buClrTx/>
+                        <a:buSzTx/>
+                        <a:buFontTx/>
+                        <a:buNone/>
+                        <a:tabLst/>
+                        <a:defRPr/>
+                      </a:pPr>
+                      <a:r>
+                        <a:rPr lang="fr-FR" sz="1400" dirty="0">
+                          <a:solidFill>
+                            <a:schemeClr val="tx1"/>
+                          </a:solidFill>
+                          <a:latin typeface="Comic Sans MS" panose="030F0702030302020204" pitchFamily="66" charset="0"/>
+                          <a:ea typeface="JetBrains Mono" panose="02000009000000000000" pitchFamily="49" charset="0"/>
+                          <a:cs typeface="Courier New" panose="02070309020205020404" pitchFamily="49" charset="0"/>
+                        </a:rPr>
+                        <a:t>L’exposé traite de la sécurité sur les machines et pour l’opérateur </a:t>
+                      </a:r>
+                      <a:r>
+                        <a:rPr lang="fr-FR" sz="1400" dirty="0"/>
+                        <a:t>(2 pts)</a:t>
+                      </a:r>
+                    </a:p>
+                  </a:txBody>
+                  <a:tcPr anchor="ctr"/>
+                </a:tc>
+                <a:tc>
+                  <a:txBody>
+                    <a:bodyPr/>
+                    <a:lstStyle/>
+                    <a:p>
+                      <a:endParaRPr lang="fr-FR" sz="1400" dirty="0"/>
+                    </a:p>
+                  </a:txBody>
+                  <a:tcPr anchor="ctr">
+                    <a:blipFill>
+                      <a:blip r:embed="rId2"/>
+                      <a:tile tx="0" ty="0" sx="100000" sy="100000" flip="none" algn="tl"/>
+                    </a:blipFill>
+                  </a:tcPr>
+                </a:tc>
+                <a:tc>
+                  <a:txBody>
+                    <a:bodyPr/>
+                    <a:lstStyle/>
+                    <a:p>
+                      <a:pPr algn="ctr"/>
+                      <a:r>
+                        <a:rPr lang="fr-FR" sz="900" dirty="0"/>
+                        <a:t>La sécurité n’est pas mentionné</a:t>
+                      </a:r>
+                    </a:p>
+                  </a:txBody>
+                  <a:tcPr anchor="ctr">
+                    <a:noFill/>
+                  </a:tcPr>
+                </a:tc>
+                <a:tc>
+                  <a:txBody>
+                    <a:bodyPr/>
+                    <a:lstStyle/>
+                    <a:p>
+                      <a:pPr algn="ctr"/>
+                      <a:r>
+                        <a:rPr lang="fr-FR" sz="900" dirty="0"/>
+                        <a:t>Il n’y pas une des deux informations</a:t>
+                      </a:r>
+                    </a:p>
+                  </a:txBody>
+                  <a:tcPr anchor="ctr">
+                    <a:noFill/>
+                  </a:tcPr>
+                </a:tc>
+                <a:tc>
+                  <a:txBody>
+                    <a:bodyPr/>
+                    <a:lstStyle/>
+                    <a:p>
+                      <a:pPr algn="ctr"/>
+                      <a:endParaRPr lang="fr-FR" sz="900" dirty="0"/>
+                    </a:p>
+                  </a:txBody>
+                  <a:tcPr anchor="ctr">
+                    <a:solidFill>
+                      <a:srgbClr val="A6A6A6"/>
+                    </a:solidFill>
+                  </a:tcPr>
+                </a:tc>
+                <a:tc>
+                  <a:txBody>
+                    <a:bodyPr/>
+                    <a:lstStyle/>
+                    <a:p>
+                      <a:pPr algn="ctr"/>
+                      <a:r>
+                        <a:rPr lang="fr-FR" sz="900" dirty="0"/>
+                        <a:t>Les deux informations sont traitées et claires</a:t>
+                      </a:r>
+                    </a:p>
+                  </a:txBody>
+                  <a:tcPr anchor="ctr">
+                    <a:noFill/>
+                  </a:tcPr>
+                </a:tc>
+                <a:extLst>
+                  <a:ext uri="{0D108BD9-81ED-4DB2-BD59-A6C34878D82A}">
+                    <a16:rowId xmlns:a16="http://schemas.microsoft.com/office/drawing/2014/main" val="2998772913"/>
+                  </a:ext>
+                </a:extLst>
+              </a:tr>
+              <a:tr h="1186246">
+                <a:tc>
+                  <a:txBody>
+                    <a:bodyPr/>
+                    <a:lstStyle/>
+                    <a:p>
+                      <a:pPr marL="72000"/>
+                      <a:r>
+                        <a:rPr lang="fr-FR" sz="1400" dirty="0">
+                          <a:solidFill>
+                            <a:schemeClr val="tx1"/>
+                          </a:solidFill>
+                          <a:latin typeface="Comic Sans MS" panose="030F0702030302020204" pitchFamily="66" charset="0"/>
+                          <a:ea typeface="JetBrains Mono" panose="02000009000000000000" pitchFamily="49" charset="0"/>
+                          <a:cs typeface="Courier New" panose="02070309020205020404" pitchFamily="49" charset="0"/>
+                        </a:rPr>
+                        <a:t>Plusieurs termes techniques propres à l’activité présentée sont utilisés </a:t>
+                      </a:r>
+                      <a:r>
+                        <a:rPr lang="fr-FR" sz="1400" dirty="0"/>
+                        <a:t>(4 pts)</a:t>
+                      </a:r>
+                      <a:endParaRPr lang="fr-FR" sz="1400" dirty="0">
+                        <a:solidFill>
+                          <a:schemeClr val="tx1"/>
+                        </a:solidFill>
+                        <a:latin typeface="Comic Sans MS" panose="030F0702030302020204" pitchFamily="66" charset="0"/>
+                        <a:ea typeface="JetBrains Mono" panose="02000009000000000000" pitchFamily="49" charset="0"/>
+                        <a:cs typeface="Courier New" panose="02070309020205020404" pitchFamily="49" charset="0"/>
+                      </a:endParaRPr>
+                    </a:p>
+                  </a:txBody>
+                  <a:tcPr anchor="ctr"/>
+                </a:tc>
+                <a:tc>
+                  <a:txBody>
+                    <a:bodyPr/>
+                    <a:lstStyle/>
+                    <a:p>
+                      <a:endParaRPr lang="fr-FR" sz="1400" dirty="0"/>
+                    </a:p>
+                  </a:txBody>
+                  <a:tcPr anchor="ctr">
+                    <a:blipFill>
+                      <a:blip r:embed="rId2"/>
+                      <a:tile tx="0" ty="0" sx="100000" sy="100000" flip="none" algn="tl"/>
+                    </a:blipFill>
+                  </a:tcPr>
+                </a:tc>
+                <a:tc>
+                  <a:txBody>
+                    <a:bodyPr/>
+                    <a:lstStyle/>
+                    <a:p>
+                      <a:pPr algn="ctr"/>
+                      <a:r>
+                        <a:rPr lang="fr-FR" sz="900" dirty="0"/>
+                        <a:t>L’oral est pauvre en termes techniques</a:t>
+                      </a:r>
+                    </a:p>
+                  </a:txBody>
+                  <a:tcPr anchor="ctr">
+                    <a:solidFill>
+                      <a:schemeClr val="bg1"/>
+                    </a:solidFill>
+                  </a:tcPr>
+                </a:tc>
+                <a:tc>
+                  <a:txBody>
+                    <a:bodyPr/>
+                    <a:lstStyle/>
+                    <a:p>
+                      <a:pPr algn="ctr"/>
+                      <a:r>
+                        <a:rPr lang="fr-FR" sz="900" dirty="0"/>
+                        <a:t>Les termes techniques sont inappropriés</a:t>
+                      </a:r>
+                    </a:p>
+                  </a:txBody>
+                  <a:tcPr anchor="ctr">
+                    <a:solidFill>
+                      <a:schemeClr val="bg1"/>
+                    </a:solidFill>
+                  </a:tcPr>
+                </a:tc>
+                <a:tc>
+                  <a:txBody>
+                    <a:bodyPr/>
+                    <a:lstStyle/>
+                    <a:p>
+                      <a:pPr algn="ctr"/>
+                      <a:endParaRPr lang="fr-FR" sz="900" dirty="0"/>
+                    </a:p>
+                  </a:txBody>
+                  <a:tcPr anchor="ctr">
+                    <a:solidFill>
+                      <a:srgbClr val="A6A6A6"/>
+                    </a:solidFill>
+                  </a:tcPr>
+                </a:tc>
+                <a:tc>
+                  <a:txBody>
+                    <a:bodyPr/>
+                    <a:lstStyle/>
+                    <a:p>
+                      <a:r>
+                        <a:rPr lang="fr-FR" sz="900" dirty="0"/>
+                        <a:t>Les termes techniques sont employés de manière appropriée.</a:t>
+                      </a:r>
+                    </a:p>
+                  </a:txBody>
+                  <a:tcPr anchor="ctr">
+                    <a:solidFill>
+                      <a:schemeClr val="bg1"/>
+                    </a:solidFill>
+                  </a:tcPr>
+                </a:tc>
+                <a:extLst>
+                  <a:ext uri="{0D108BD9-81ED-4DB2-BD59-A6C34878D82A}">
+                    <a16:rowId xmlns:a16="http://schemas.microsoft.com/office/drawing/2014/main" val="263690387"/>
+                  </a:ext>
+                </a:extLst>
+              </a:tr>
+              <a:tr h="1186246">
+                <a:tc>
+                  <a:txBody>
+                    <a:bodyPr/>
+                    <a:lstStyle/>
+                    <a:p>
+                      <a:pPr marL="72000"/>
+                      <a:r>
+                        <a:rPr lang="fr-FR" sz="1400" dirty="0"/>
+                        <a:t>L’utilisation d’une machine ou d’un outil est détaillé et conforme à l’utilisation en menuiserie (4 pts)</a:t>
+                      </a:r>
+                    </a:p>
+                  </a:txBody>
+                  <a:tcPr anchor="ctr"/>
+                </a:tc>
+                <a:tc>
+                  <a:txBody>
+                    <a:bodyPr/>
+                    <a:lstStyle/>
+                    <a:p>
+                      <a:endParaRPr lang="fr-FR" sz="1400" dirty="0"/>
+                    </a:p>
+                  </a:txBody>
+                  <a:tcPr anchor="ctr">
+                    <a:blipFill>
+                      <a:blip r:embed="rId2"/>
+                      <a:tile tx="0" ty="0" sx="100000" sy="100000" flip="none" algn="tl"/>
+                    </a:blipFill>
+                  </a:tcPr>
+                </a:tc>
+                <a:tc>
+                  <a:txBody>
+                    <a:bodyPr/>
+                    <a:lstStyle/>
+                    <a:p>
+                      <a:pPr algn="ctr"/>
+                      <a:r>
+                        <a:rPr lang="fr-FR" sz="900" dirty="0"/>
+                        <a:t>Les machines ou les outils ne sont pas cités.</a:t>
+                      </a:r>
+                    </a:p>
+                  </a:txBody>
+                  <a:tcPr anchor="ctr"/>
+                </a:tc>
+                <a:tc>
+                  <a:txBody>
+                    <a:bodyPr/>
+                    <a:lstStyle/>
+                    <a:p>
+                      <a:pPr algn="ctr"/>
+                      <a:r>
+                        <a:rPr lang="fr-FR" sz="900" dirty="0"/>
+                        <a:t>L’utilisation est peu compréhensible</a:t>
+                      </a:r>
+                    </a:p>
+                  </a:txBody>
+                  <a:tcPr anchor="ctr"/>
+                </a:tc>
+                <a:tc>
+                  <a:txBody>
+                    <a:bodyPr/>
+                    <a:lstStyle/>
+                    <a:p>
+                      <a:pPr algn="ctr"/>
+                      <a:endParaRPr lang="fr-FR" sz="900" dirty="0"/>
+                    </a:p>
+                  </a:txBody>
+                  <a:tcPr anchor="ctr">
+                    <a:solidFill>
+                      <a:srgbClr val="A6A6A6"/>
+                    </a:solidFill>
+                  </a:tcPr>
+                </a:tc>
+                <a:tc>
+                  <a:txBody>
+                    <a:bodyPr/>
+                    <a:lstStyle/>
+                    <a:p>
+                      <a:pPr algn="ctr"/>
+                      <a:r>
+                        <a:rPr lang="fr-FR" sz="900" dirty="0"/>
+                        <a:t>Détails et utilisation de machines ou d’outils de menuiserie</a:t>
+                      </a:r>
+                    </a:p>
+                  </a:txBody>
+                  <a:tcPr anchor="ctr"/>
+                </a:tc>
+                <a:extLst>
+                  <a:ext uri="{0D108BD9-81ED-4DB2-BD59-A6C34878D82A}">
+                    <a16:rowId xmlns:a16="http://schemas.microsoft.com/office/drawing/2014/main" val="1047825679"/>
+                  </a:ext>
+                </a:extLst>
+              </a:tr>
+              <a:tr h="1186246">
+                <a:tc>
+                  <a:txBody>
+                    <a:bodyPr/>
+                    <a:lstStyle/>
+                    <a:p>
+                      <a:pPr marL="72000"/>
+                      <a:r>
+                        <a:rPr lang="fr-FR" sz="1400" dirty="0">
+                          <a:solidFill>
+                            <a:schemeClr val="tx1"/>
+                          </a:solidFill>
+                          <a:latin typeface="Comic Sans MS" panose="030F0702030302020204" pitchFamily="66" charset="0"/>
+                          <a:ea typeface="JetBrains Mono" panose="02000009000000000000" pitchFamily="49" charset="0"/>
+                          <a:cs typeface="Courier New" panose="02070309020205020404" pitchFamily="49" charset="0"/>
+                        </a:rPr>
+                        <a:t>Deux termes techniques sont expliqués (4 pts)</a:t>
+                      </a:r>
+                    </a:p>
+                  </a:txBody>
+                  <a:tcPr anchor="ctr"/>
+                </a:tc>
+                <a:tc>
+                  <a:txBody>
+                    <a:bodyPr/>
+                    <a:lstStyle/>
+                    <a:p>
+                      <a:endParaRPr lang="fr-FR" sz="1400" dirty="0"/>
+                    </a:p>
+                  </a:txBody>
+                  <a:tcPr anchor="ctr">
+                    <a:blipFill>
+                      <a:blip r:embed="rId2"/>
+                      <a:tile tx="0" ty="0" sx="100000" sy="100000" flip="none" algn="tl"/>
+                    </a:blipFill>
+                  </a:tcPr>
+                </a:tc>
+                <a:tc>
+                  <a:txBody>
+                    <a:bodyPr/>
+                    <a:lstStyle/>
+                    <a:p>
+                      <a:pPr algn="ctr"/>
+                      <a:r>
+                        <a:rPr lang="fr-FR" sz="900" dirty="0"/>
+                        <a:t>L’élève ne sait pas expliquer les termes techniques</a:t>
+                      </a:r>
+                    </a:p>
+                  </a:txBody>
+                  <a:tcPr anchor="ctr"/>
+                </a:tc>
+                <a:tc>
+                  <a:txBody>
+                    <a:bodyPr/>
+                    <a:lstStyle/>
+                    <a:p>
+                      <a:pPr algn="ctr"/>
+                      <a:r>
+                        <a:rPr lang="fr-FR" sz="900" dirty="0"/>
+                        <a:t>L’explication est hésitante ou partielle</a:t>
+                      </a:r>
+                    </a:p>
+                  </a:txBody>
+                  <a:tcPr anchor="ctr"/>
+                </a:tc>
+                <a:tc>
+                  <a:txBody>
+                    <a:bodyPr/>
+                    <a:lstStyle/>
+                    <a:p>
+                      <a:pPr algn="ctr"/>
+                      <a:endParaRPr lang="fr-FR" sz="900" dirty="0"/>
+                    </a:p>
+                  </a:txBody>
+                  <a:tcPr anchor="ctr">
+                    <a:solidFill>
+                      <a:srgbClr val="A6A6A6"/>
+                    </a:solidFill>
+                  </a:tcPr>
+                </a:tc>
+                <a:tc>
+                  <a:txBody>
+                    <a:bodyPr/>
+                    <a:lstStyle/>
+                    <a:p>
+                      <a:pPr algn="ctr"/>
+                      <a:r>
+                        <a:rPr lang="fr-FR" sz="900" dirty="0"/>
+                        <a:t>L’explication est claire et compréhensible</a:t>
+                      </a:r>
+                    </a:p>
+                  </a:txBody>
+                  <a:tcPr anchor="ctr"/>
+                </a:tc>
+                <a:extLst>
+                  <a:ext uri="{0D108BD9-81ED-4DB2-BD59-A6C34878D82A}">
+                    <a16:rowId xmlns:a16="http://schemas.microsoft.com/office/drawing/2014/main" val="1911863720"/>
+                  </a:ext>
+                </a:extLst>
+              </a:tr>
+              <a:tr h="1186246">
+                <a:tc>
+                  <a:txBody>
+                    <a:bodyPr/>
+                    <a:lstStyle/>
+                    <a:p>
+                      <a:pPr marL="72000"/>
+                      <a:r>
+                        <a:rPr lang="fr-FR" sz="1400" dirty="0">
+                          <a:solidFill>
+                            <a:schemeClr val="tx1"/>
+                          </a:solidFill>
+                          <a:latin typeface="Comic Sans MS" panose="030F0702030302020204" pitchFamily="66" charset="0"/>
+                          <a:ea typeface="JetBrains Mono" panose="02000009000000000000" pitchFamily="49" charset="0"/>
+                          <a:cs typeface="Courier New" panose="02070309020205020404" pitchFamily="49" charset="0"/>
+                        </a:rPr>
+                        <a:t>L’élève est capable de proposer et d’expliquer une modification (4 pts)</a:t>
+                      </a:r>
+                    </a:p>
+                  </a:txBody>
+                  <a:tcPr anchor="ctr"/>
+                </a:tc>
+                <a:tc>
+                  <a:txBody>
+                    <a:bodyPr/>
+                    <a:lstStyle/>
+                    <a:p>
+                      <a:endParaRPr lang="fr-FR" sz="1400" dirty="0"/>
+                    </a:p>
+                  </a:txBody>
+                  <a:tcPr anchor="ctr">
+                    <a:blipFill>
+                      <a:blip r:embed="rId2"/>
+                      <a:tile tx="0" ty="0" sx="100000" sy="100000" flip="none" algn="tl"/>
+                    </a:blipFill>
+                  </a:tcPr>
+                </a:tc>
+                <a:tc>
+                  <a:txBody>
+                    <a:bodyPr/>
+                    <a:lstStyle/>
+                    <a:p>
+                      <a:pPr algn="ctr"/>
+                      <a:r>
+                        <a:rPr lang="fr-FR" sz="900" dirty="0">
+                          <a:solidFill>
+                            <a:schemeClr val="tx1"/>
+                          </a:solidFill>
+                          <a:latin typeface="Comic Sans MS" panose="030F0702030302020204" pitchFamily="66" charset="0"/>
+                          <a:ea typeface="JetBrains Mono" panose="02000009000000000000" pitchFamily="49" charset="0"/>
+                          <a:cs typeface="Courier New" panose="02070309020205020404" pitchFamily="49" charset="0"/>
+                        </a:rPr>
+                        <a:t>Aucune modification n’est proposés</a:t>
+                      </a:r>
+                      <a:endParaRPr lang="fr-FR" sz="900" dirty="0"/>
+                    </a:p>
+                  </a:txBody>
+                  <a:tcPr anchor="ctr"/>
+                </a:tc>
+                <a:tc>
+                  <a:txBody>
+                    <a:bodyPr/>
+                    <a:lstStyle/>
+                    <a:p>
+                      <a:pPr algn="ctr"/>
+                      <a:r>
+                        <a:rPr lang="fr-FR" sz="900" dirty="0"/>
+                        <a:t>Les modifications proposées ne sont pas justifié ou mal expliquées</a:t>
+                      </a:r>
+                    </a:p>
+                  </a:txBody>
+                  <a:tcPr anchor="ctr">
+                    <a:noFill/>
+                  </a:tcPr>
+                </a:tc>
+                <a:tc>
+                  <a:txBody>
+                    <a:bodyPr/>
+                    <a:lstStyle/>
+                    <a:p>
+                      <a:pPr algn="ctr"/>
+                      <a:endParaRPr lang="fr-FR" sz="900" dirty="0"/>
+                    </a:p>
+                  </a:txBody>
+                  <a:tcPr anchor="ctr">
+                    <a:solidFill>
+                      <a:srgbClr val="A6A6A6"/>
+                    </a:solidFill>
+                  </a:tcPr>
+                </a:tc>
+                <a:tc>
+                  <a:txBody>
+                    <a:bodyPr/>
+                    <a:lstStyle/>
+                    <a:p>
+                      <a:pPr marL="72000"/>
+                      <a:r>
+                        <a:rPr lang="fr-FR" sz="900" dirty="0">
+                          <a:solidFill>
+                            <a:schemeClr val="tx1"/>
+                          </a:solidFill>
+                          <a:latin typeface="Comic Sans MS" panose="030F0702030302020204" pitchFamily="66" charset="0"/>
+                          <a:ea typeface="JetBrains Mono" panose="02000009000000000000" pitchFamily="49" charset="0"/>
+                          <a:cs typeface="Courier New" panose="02070309020205020404" pitchFamily="49" charset="0"/>
+                        </a:rPr>
+                        <a:t>Les modifications sont justifiées et expliquées</a:t>
+                      </a:r>
+                    </a:p>
+                  </a:txBody>
+                  <a:tcPr anchor="ctr"/>
+                </a:tc>
+                <a:extLst>
+                  <a:ext uri="{0D108BD9-81ED-4DB2-BD59-A6C34878D82A}">
+                    <a16:rowId xmlns:a16="http://schemas.microsoft.com/office/drawing/2014/main" val="3673042529"/>
+                  </a:ext>
+                </a:extLst>
+              </a:tr>
+              <a:tr h="1186246">
+                <a:tc>
+                  <a:txBody>
+                    <a:bodyPr/>
+                    <a:lstStyle/>
+                    <a:p>
+                      <a:pPr algn="ctr"/>
+                      <a:r>
+                        <a:rPr lang="fr-FR" dirty="0"/>
+                        <a:t>Note finale: </a:t>
+                      </a:r>
+                    </a:p>
+                  </a:txBody>
+                  <a:tcPr anchor="ctr"/>
+                </a:tc>
+                <a:tc gridSpan="5">
+                  <a:txBody>
+                    <a:bodyPr/>
+                    <a:lstStyle/>
+                    <a:p>
+                      <a:endParaRPr lang="fr-FR" sz="1400" dirty="0"/>
+                    </a:p>
+                  </a:txBody>
+                  <a:tcPr anchor="ctr"/>
+                </a:tc>
+                <a:tc hMerge="1">
+                  <a:txBody>
+                    <a:bodyPr/>
+                    <a:lstStyle/>
+                    <a:p>
+                      <a:endParaRPr lang="fr-FR" sz="1400" dirty="0"/>
+                    </a:p>
+                  </a:txBody>
+                  <a:tcPr anchor="ctr"/>
+                </a:tc>
+                <a:tc hMerge="1">
+                  <a:txBody>
+                    <a:bodyPr/>
+                    <a:lstStyle/>
+                    <a:p>
+                      <a:endParaRPr lang="fr-FR" sz="1400" dirty="0"/>
+                    </a:p>
+                  </a:txBody>
+                  <a:tcPr anchor="ctr"/>
+                </a:tc>
+                <a:tc hMerge="1">
+                  <a:txBody>
+                    <a:bodyPr/>
+                    <a:lstStyle/>
+                    <a:p>
+                      <a:endParaRPr lang="fr-FR" sz="1400" dirty="0"/>
+                    </a:p>
+                  </a:txBody>
+                  <a:tcPr anchor="ctr"/>
+                </a:tc>
+                <a:tc hMerge="1">
+                  <a:txBody>
+                    <a:bodyPr/>
+                    <a:lstStyle/>
+                    <a:p>
+                      <a:endParaRPr lang="fr-FR" sz="1400" dirty="0"/>
+                    </a:p>
+                  </a:txBody>
+                  <a:tcPr anchor="ctr"/>
+                </a:tc>
+                <a:extLst>
+                  <a:ext uri="{0D108BD9-81ED-4DB2-BD59-A6C34878D82A}">
+                    <a16:rowId xmlns:a16="http://schemas.microsoft.com/office/drawing/2014/main" val="3834295413"/>
+                  </a:ext>
+                </a:extLst>
+              </a:tr>
+            </a:tbl>
+          </a:graphicData>
+        </a:graphic>
+      </p:graphicFrame>
+    </p:spTree>
+    <p:extLst>
+      <p:ext uri="{BB962C8B-B14F-4D97-AF65-F5344CB8AC3E}">
+        <p14:creationId xmlns:p14="http://schemas.microsoft.com/office/powerpoint/2010/main" val="613079102"/>
       </p:ext>
     </p:extLst>
   </p:cSld>

--- a/CCF/CCF.pptx
+++ b/CCF/CCF.pptx
@@ -5,16 +5,17 @@
     <p:sldMasterId id="2147483660" r:id="rId1"/>
   </p:sldMasterIdLst>
   <p:notesMasterIdLst>
-    <p:notesMasterId r:id="rId6"/>
+    <p:notesMasterId r:id="rId7"/>
   </p:notesMasterIdLst>
   <p:handoutMasterIdLst>
-    <p:handoutMasterId r:id="rId7"/>
+    <p:handoutMasterId r:id="rId8"/>
   </p:handoutMasterIdLst>
   <p:sldIdLst>
     <p:sldId id="256" r:id="rId2"/>
     <p:sldId id="257" r:id="rId3"/>
     <p:sldId id="258" r:id="rId4"/>
     <p:sldId id="259" r:id="rId5"/>
+    <p:sldId id="260" r:id="rId6"/>
   </p:sldIdLst>
   <p:sldSz cx="15119350" cy="10799763"/>
   <p:notesSz cx="6797675" cy="9926638"/>
@@ -206,7 +207,7 @@
           <a:p>
             <a:fld id="{175ECC00-C06A-4323-852F-768318D8586A}" type="datetimeFigureOut">
               <a:rPr lang="fr-FR" smtClean="0"/>
-              <a:t>24/01/2025</a:t>
+              <a:t>09/02/2025</a:t>
             </a:fld>
             <a:endParaRPr lang="fr-FR"/>
           </a:p>
@@ -371,7 +372,7 @@
           <a:p>
             <a:fld id="{AE8DAB01-C85E-4F33-91A5-B6D112914A5D}" type="datetimeFigureOut">
               <a:rPr lang="fr-FR" smtClean="0"/>
-              <a:t>24/01/2025</a:t>
+              <a:t>09/02/2025</a:t>
             </a:fld>
             <a:endParaRPr lang="fr-FR"/>
           </a:p>
@@ -770,7 +771,7 @@
           <a:p>
             <a:fld id="{A69F3118-5675-4AEB-B17B-1E109ACFC119}" type="datetimeFigureOut">
               <a:rPr lang="fr-FR" smtClean="0"/>
-              <a:t>24/01/2025</a:t>
+              <a:t>09/02/2025</a:t>
             </a:fld>
             <a:endParaRPr lang="fr-FR"/>
           </a:p>
@@ -940,7 +941,7 @@
           <a:p>
             <a:fld id="{A69F3118-5675-4AEB-B17B-1E109ACFC119}" type="datetimeFigureOut">
               <a:rPr lang="fr-FR" smtClean="0"/>
-              <a:t>24/01/2025</a:t>
+              <a:t>09/02/2025</a:t>
             </a:fld>
             <a:endParaRPr lang="fr-FR"/>
           </a:p>
@@ -1120,7 +1121,7 @@
           <a:p>
             <a:fld id="{A69F3118-5675-4AEB-B17B-1E109ACFC119}" type="datetimeFigureOut">
               <a:rPr lang="fr-FR" smtClean="0"/>
-              <a:t>24/01/2025</a:t>
+              <a:t>09/02/2025</a:t>
             </a:fld>
             <a:endParaRPr lang="fr-FR"/>
           </a:p>
@@ -1290,7 +1291,7 @@
           <a:p>
             <a:fld id="{A69F3118-5675-4AEB-B17B-1E109ACFC119}" type="datetimeFigureOut">
               <a:rPr lang="fr-FR" smtClean="0"/>
-              <a:t>24/01/2025</a:t>
+              <a:t>09/02/2025</a:t>
             </a:fld>
             <a:endParaRPr lang="fr-FR"/>
           </a:p>
@@ -1534,7 +1535,7 @@
           <a:p>
             <a:fld id="{A69F3118-5675-4AEB-B17B-1E109ACFC119}" type="datetimeFigureOut">
               <a:rPr lang="fr-FR" smtClean="0"/>
-              <a:t>24/01/2025</a:t>
+              <a:t>09/02/2025</a:t>
             </a:fld>
             <a:endParaRPr lang="fr-FR"/>
           </a:p>
@@ -1766,7 +1767,7 @@
           <a:p>
             <a:fld id="{A69F3118-5675-4AEB-B17B-1E109ACFC119}" type="datetimeFigureOut">
               <a:rPr lang="fr-FR" smtClean="0"/>
-              <a:t>24/01/2025</a:t>
+              <a:t>09/02/2025</a:t>
             </a:fld>
             <a:endParaRPr lang="fr-FR"/>
           </a:p>
@@ -2133,7 +2134,7 @@
           <a:p>
             <a:fld id="{A69F3118-5675-4AEB-B17B-1E109ACFC119}" type="datetimeFigureOut">
               <a:rPr lang="fr-FR" smtClean="0"/>
-              <a:t>24/01/2025</a:t>
+              <a:t>09/02/2025</a:t>
             </a:fld>
             <a:endParaRPr lang="fr-FR"/>
           </a:p>
@@ -2251,7 +2252,7 @@
           <a:p>
             <a:fld id="{A69F3118-5675-4AEB-B17B-1E109ACFC119}" type="datetimeFigureOut">
               <a:rPr lang="fr-FR" smtClean="0"/>
-              <a:t>24/01/2025</a:t>
+              <a:t>09/02/2025</a:t>
             </a:fld>
             <a:endParaRPr lang="fr-FR"/>
           </a:p>
@@ -2346,7 +2347,7 @@
           <a:p>
             <a:fld id="{A69F3118-5675-4AEB-B17B-1E109ACFC119}" type="datetimeFigureOut">
               <a:rPr lang="fr-FR" smtClean="0"/>
-              <a:t>24/01/2025</a:t>
+              <a:t>09/02/2025</a:t>
             </a:fld>
             <a:endParaRPr lang="fr-FR"/>
           </a:p>
@@ -2623,7 +2624,7 @@
           <a:p>
             <a:fld id="{A69F3118-5675-4AEB-B17B-1E109ACFC119}" type="datetimeFigureOut">
               <a:rPr lang="fr-FR" smtClean="0"/>
-              <a:t>24/01/2025</a:t>
+              <a:t>09/02/2025</a:t>
             </a:fld>
             <a:endParaRPr lang="fr-FR"/>
           </a:p>
@@ -2880,7 +2881,7 @@
           <a:p>
             <a:fld id="{A69F3118-5675-4AEB-B17B-1E109ACFC119}" type="datetimeFigureOut">
               <a:rPr lang="fr-FR" smtClean="0"/>
-              <a:t>24/01/2025</a:t>
+              <a:t>09/02/2025</a:t>
             </a:fld>
             <a:endParaRPr lang="fr-FR"/>
           </a:p>
@@ -3093,7 +3094,7 @@
           <a:p>
             <a:fld id="{A69F3118-5675-4AEB-B17B-1E109ACFC119}" type="datetimeFigureOut">
               <a:rPr lang="fr-FR" smtClean="0"/>
-              <a:t>24/01/2025</a:t>
+              <a:t>09/02/2025</a:t>
             </a:fld>
             <a:endParaRPr lang="fr-FR"/>
           </a:p>
@@ -9979,6 +9980,1773 @@
     <p:extLst>
       <p:ext uri="{BB962C8B-B14F-4D97-AF65-F5344CB8AC3E}">
         <p14:creationId xmlns:p14="http://schemas.microsoft.com/office/powerpoint/2010/main" val="613079102"/>
+      </p:ext>
+    </p:extLst>
+  </p:cSld>
+  <p:clrMapOvr>
+    <a:masterClrMapping/>
+  </p:clrMapOvr>
+</p:sld>
+</file>
+
+<file path=ppt/slides/slide5.xml><?xml version="1.0" encoding="utf-8"?>
+<p:sld xmlns:a="http://schemas.openxmlformats.org/drawingml/2006/main" xmlns:r="http://schemas.openxmlformats.org/officeDocument/2006/relationships" xmlns:p="http://schemas.openxmlformats.org/presentationml/2006/main">
+  <p:cSld>
+    <p:spTree>
+      <p:nvGrpSpPr>
+        <p:cNvPr id="1" name=""/>
+        <p:cNvGrpSpPr/>
+        <p:nvPr/>
+      </p:nvGrpSpPr>
+      <p:grpSpPr>
+        <a:xfrm>
+          <a:off x="0" y="0"/>
+          <a:ext cx="0" cy="0"/>
+          <a:chOff x="0" y="0"/>
+          <a:chExt cx="0" cy="0"/>
+        </a:xfrm>
+      </p:grpSpPr>
+      <p:sp>
+        <p:nvSpPr>
+          <p:cNvPr id="17" name="Rectangle 16"/>
+          <p:cNvSpPr/>
+          <p:nvPr/>
+        </p:nvSpPr>
+        <p:spPr>
+          <a:xfrm>
+            <a:off x="4039557" y="179881"/>
+            <a:ext cx="7040235" cy="10440000"/>
+          </a:xfrm>
+          <a:prstGeom prst="rect">
+            <a:avLst/>
+          </a:prstGeom>
+          <a:ln w="57150"/>
+        </p:spPr>
+        <p:style>
+          <a:lnRef idx="2">
+            <a:schemeClr val="dk1"/>
+          </a:lnRef>
+          <a:fillRef idx="1">
+            <a:schemeClr val="lt1"/>
+          </a:fillRef>
+          <a:effectRef idx="0">
+            <a:schemeClr val="dk1"/>
+          </a:effectRef>
+          <a:fontRef idx="minor">
+            <a:schemeClr val="dk1"/>
+          </a:fontRef>
+        </p:style>
+        <p:txBody>
+          <a:bodyPr rtlCol="0" anchor="t"/>
+          <a:lstStyle/>
+          <a:p>
+            <a:pPr marL="72000"/>
+            <a:endParaRPr lang="fr-FR" b="1" dirty="0">
+              <a:solidFill>
+                <a:schemeClr val="tx1"/>
+              </a:solidFill>
+              <a:latin typeface="Comic Sans MS" panose="030F0702030302020204" pitchFamily="66" charset="0"/>
+              <a:ea typeface="JetBrains Mono" panose="02000009000000000000" pitchFamily="49" charset="0"/>
+              <a:cs typeface="Arial" panose="020B0604020202020204" pitchFamily="34" charset="0"/>
+            </a:endParaRPr>
+          </a:p>
+          <a:p>
+            <a:pPr marL="72000"/>
+            <a:r>
+              <a:rPr lang="fr-FR" b="1" dirty="0">
+                <a:solidFill>
+                  <a:schemeClr val="tx1"/>
+                </a:solidFill>
+                <a:latin typeface="Comic Sans MS" panose="030F0702030302020204" pitchFamily="66" charset="0"/>
+                <a:ea typeface="JetBrains Mono" panose="02000009000000000000" pitchFamily="49" charset="0"/>
+                <a:cs typeface="Arial" panose="020B0604020202020204" pitchFamily="34" charset="0"/>
+              </a:rPr>
+              <a:t>Critères de notation :</a:t>
+            </a:r>
+          </a:p>
+        </p:txBody>
+      </p:sp>
+      <p:sp>
+        <p:nvSpPr>
+          <p:cNvPr id="18" name="Rectangle 17"/>
+          <p:cNvSpPr/>
+          <p:nvPr/>
+        </p:nvSpPr>
+        <p:spPr>
+          <a:xfrm>
+            <a:off x="142517" y="1390649"/>
+            <a:ext cx="3763202" cy="9229231"/>
+          </a:xfrm>
+          <a:prstGeom prst="rect">
+            <a:avLst/>
+          </a:prstGeom>
+          <a:ln w="57150"/>
+        </p:spPr>
+        <p:style>
+          <a:lnRef idx="2">
+            <a:schemeClr val="dk1"/>
+          </a:lnRef>
+          <a:fillRef idx="1">
+            <a:schemeClr val="lt1"/>
+          </a:fillRef>
+          <a:effectRef idx="0">
+            <a:schemeClr val="dk1"/>
+          </a:effectRef>
+          <a:fontRef idx="minor">
+            <a:schemeClr val="dk1"/>
+          </a:fontRef>
+        </p:style>
+        <p:txBody>
+          <a:bodyPr rtlCol="0" anchor="ctr"/>
+          <a:lstStyle/>
+          <a:p>
+            <a:pPr marL="72000"/>
+            <a:endParaRPr lang="fr-FR" sz="1600" b="1" dirty="0">
+              <a:solidFill>
+                <a:schemeClr val="tx1"/>
+              </a:solidFill>
+              <a:latin typeface="Comic Sans MS" panose="030F0702030302020204" pitchFamily="66" charset="0"/>
+              <a:ea typeface="JetBrains Mono" panose="02000009000000000000" pitchFamily="49" charset="0"/>
+              <a:cs typeface="Courier New" panose="02070309020205020404" pitchFamily="49" charset="0"/>
+            </a:endParaRPr>
+          </a:p>
+          <a:p>
+            <a:pPr marL="72000"/>
+            <a:endParaRPr lang="fr-FR" sz="1600" b="1" dirty="0">
+              <a:solidFill>
+                <a:schemeClr val="tx1"/>
+              </a:solidFill>
+              <a:latin typeface="Comic Sans MS" panose="030F0702030302020204" pitchFamily="66" charset="0"/>
+              <a:ea typeface="JetBrains Mono" panose="02000009000000000000" pitchFamily="49" charset="0"/>
+              <a:cs typeface="Courier New" panose="02070309020205020404" pitchFamily="49" charset="0"/>
+            </a:endParaRPr>
+          </a:p>
+          <a:p>
+            <a:pPr marL="72000"/>
+            <a:endParaRPr lang="fr-FR" sz="1600" b="1" dirty="0">
+              <a:solidFill>
+                <a:schemeClr val="tx1"/>
+              </a:solidFill>
+              <a:latin typeface="Comic Sans MS" panose="030F0702030302020204" pitchFamily="66" charset="0"/>
+              <a:ea typeface="JetBrains Mono" panose="02000009000000000000" pitchFamily="49" charset="0"/>
+              <a:cs typeface="Courier New" panose="02070309020205020404" pitchFamily="49" charset="0"/>
+            </a:endParaRPr>
+          </a:p>
+          <a:p>
+            <a:pPr marL="72000"/>
+            <a:r>
+              <a:rPr lang="fr-FR" sz="1600" b="1" dirty="0">
+                <a:solidFill>
+                  <a:schemeClr val="tx1"/>
+                </a:solidFill>
+                <a:latin typeface="Comic Sans MS" panose="030F0702030302020204" pitchFamily="66" charset="0"/>
+                <a:ea typeface="JetBrains Mono" panose="02000009000000000000" pitchFamily="49" charset="0"/>
+                <a:cs typeface="Courier New" panose="02070309020205020404" pitchFamily="49" charset="0"/>
+              </a:rPr>
+              <a:t>Noms et prénoms de l’élève :</a:t>
+            </a:r>
+          </a:p>
+          <a:p>
+            <a:pPr marL="72000"/>
+            <a:endParaRPr lang="fr-FR" sz="1600" b="1" dirty="0">
+              <a:solidFill>
+                <a:schemeClr val="tx1"/>
+              </a:solidFill>
+              <a:latin typeface="Comic Sans MS" panose="030F0702030302020204" pitchFamily="66" charset="0"/>
+              <a:ea typeface="JetBrains Mono" panose="02000009000000000000" pitchFamily="49" charset="0"/>
+              <a:cs typeface="Courier New" panose="02070309020205020404" pitchFamily="49" charset="0"/>
+            </a:endParaRPr>
+          </a:p>
+          <a:p>
+            <a:pPr marL="72000"/>
+            <a:r>
+              <a:rPr lang="fr-FR" sz="1600" b="1" dirty="0">
+                <a:solidFill>
+                  <a:schemeClr val="tx1"/>
+                </a:solidFill>
+                <a:latin typeface="Comic Sans MS" panose="030F0702030302020204" pitchFamily="66" charset="0"/>
+                <a:ea typeface="JetBrains Mono" panose="02000009000000000000" pitchFamily="49" charset="0"/>
+                <a:cs typeface="Courier New" panose="02070309020205020404" pitchFamily="49" charset="0"/>
+              </a:rPr>
+              <a:t>………………………………………………… (TTMA)</a:t>
+            </a:r>
+          </a:p>
+          <a:p>
+            <a:pPr marL="72000"/>
+            <a:endParaRPr lang="fr-FR" sz="1600" b="1" dirty="0">
+              <a:solidFill>
+                <a:schemeClr val="tx1"/>
+              </a:solidFill>
+              <a:latin typeface="Comic Sans MS" panose="030F0702030302020204" pitchFamily="66" charset="0"/>
+              <a:ea typeface="JetBrains Mono" panose="02000009000000000000" pitchFamily="49" charset="0"/>
+              <a:cs typeface="Courier New" panose="02070309020205020404" pitchFamily="49" charset="0"/>
+            </a:endParaRPr>
+          </a:p>
+          <a:p>
+            <a:pPr marL="72000"/>
+            <a:r>
+              <a:rPr lang="fr-FR" sz="1600" b="1" dirty="0">
+                <a:solidFill>
+                  <a:schemeClr val="tx1"/>
+                </a:solidFill>
+                <a:latin typeface="Comic Sans MS" panose="030F0702030302020204" pitchFamily="66" charset="0"/>
+                <a:ea typeface="JetBrains Mono" panose="02000009000000000000" pitchFamily="49" charset="0"/>
+                <a:cs typeface="Courier New" panose="02070309020205020404" pitchFamily="49" charset="0"/>
+              </a:rPr>
+              <a:t>Instructions :</a:t>
+            </a:r>
+          </a:p>
+          <a:p>
+            <a:pPr marL="72000"/>
+            <a:endParaRPr lang="fr-FR" sz="1600" b="1" dirty="0">
+              <a:solidFill>
+                <a:schemeClr val="tx1"/>
+              </a:solidFill>
+              <a:latin typeface="Comic Sans MS" panose="030F0702030302020204" pitchFamily="66" charset="0"/>
+              <a:ea typeface="JetBrains Mono" panose="02000009000000000000" pitchFamily="49" charset="0"/>
+              <a:cs typeface="Courier New" panose="02070309020205020404" pitchFamily="49" charset="0"/>
+            </a:endParaRPr>
+          </a:p>
+          <a:p>
+            <a:pPr marL="72000"/>
+            <a:r>
+              <a:rPr lang="fr-FR" sz="1600" dirty="0">
+                <a:solidFill>
+                  <a:schemeClr val="tx1"/>
+                </a:solidFill>
+                <a:latin typeface="Comic Sans MS" panose="030F0702030302020204" pitchFamily="66" charset="0"/>
+                <a:ea typeface="JetBrains Mono" panose="02000009000000000000" pitchFamily="49" charset="0"/>
+                <a:cs typeface="Courier New" panose="02070309020205020404" pitchFamily="49" charset="0"/>
+              </a:rPr>
+              <a:t>Poser un ouvrage de menuiserie à une hauteur donnée dans une limite de 30 minutes</a:t>
+            </a:r>
+          </a:p>
+          <a:p>
+            <a:pPr marL="72000"/>
+            <a:endParaRPr lang="fr-FR" sz="1600" b="1" dirty="0">
+              <a:solidFill>
+                <a:schemeClr val="tx1"/>
+              </a:solidFill>
+              <a:latin typeface="Comic Sans MS" panose="030F0702030302020204" pitchFamily="66" charset="0"/>
+              <a:ea typeface="JetBrains Mono" panose="02000009000000000000" pitchFamily="49" charset="0"/>
+              <a:cs typeface="Courier New" panose="02070309020205020404" pitchFamily="49" charset="0"/>
+            </a:endParaRPr>
+          </a:p>
+          <a:p>
+            <a:pPr marL="72000"/>
+            <a:r>
+              <a:rPr lang="fr-FR" sz="1600" b="1" dirty="0">
+                <a:solidFill>
+                  <a:schemeClr val="tx1"/>
+                </a:solidFill>
+                <a:latin typeface="Comic Sans MS" panose="030F0702030302020204" pitchFamily="66" charset="0"/>
+                <a:ea typeface="JetBrains Mono" panose="02000009000000000000" pitchFamily="49" charset="0"/>
+                <a:cs typeface="Courier New" panose="02070309020205020404" pitchFamily="49" charset="0"/>
+              </a:rPr>
+              <a:t>A Vérifier :</a:t>
+            </a:r>
+          </a:p>
+          <a:p>
+            <a:pPr marL="72000"/>
+            <a:endParaRPr lang="fr-FR" sz="1600" b="1" dirty="0">
+              <a:solidFill>
+                <a:schemeClr val="tx1"/>
+              </a:solidFill>
+              <a:latin typeface="Comic Sans MS" panose="030F0702030302020204" pitchFamily="66" charset="0"/>
+              <a:ea typeface="JetBrains Mono" panose="02000009000000000000" pitchFamily="49" charset="0"/>
+              <a:cs typeface="Courier New" panose="02070309020205020404" pitchFamily="49" charset="0"/>
+            </a:endParaRPr>
+          </a:p>
+          <a:p>
+            <a:pPr marL="72000"/>
+            <a:r>
+              <a:rPr lang="fr-FR" sz="1600" dirty="0">
+                <a:solidFill>
+                  <a:schemeClr val="tx1"/>
+                </a:solidFill>
+                <a:latin typeface="Comic Sans MS" panose="030F0702030302020204" pitchFamily="66" charset="0"/>
+                <a:ea typeface="JetBrains Mono" panose="02000009000000000000" pitchFamily="49" charset="0"/>
+                <a:cs typeface="Courier New" panose="02070309020205020404" pitchFamily="49" charset="0"/>
+              </a:rPr>
+              <a:t>Le meuble est de niveau</a:t>
+            </a:r>
+          </a:p>
+          <a:p>
+            <a:pPr marL="72000"/>
+            <a:endParaRPr lang="fr-FR" sz="1600" dirty="0">
+              <a:solidFill>
+                <a:schemeClr val="tx1"/>
+              </a:solidFill>
+              <a:latin typeface="Comic Sans MS" panose="030F0702030302020204" pitchFamily="66" charset="0"/>
+              <a:ea typeface="JetBrains Mono" panose="02000009000000000000" pitchFamily="49" charset="0"/>
+              <a:cs typeface="Courier New" panose="02070309020205020404" pitchFamily="49" charset="0"/>
+            </a:endParaRPr>
+          </a:p>
+          <a:p>
+            <a:pPr marL="72000"/>
+            <a:r>
+              <a:rPr lang="fr-FR" sz="1600" dirty="0">
+                <a:solidFill>
+                  <a:schemeClr val="tx1"/>
+                </a:solidFill>
+                <a:latin typeface="Comic Sans MS" panose="030F0702030302020204" pitchFamily="66" charset="0"/>
+                <a:ea typeface="JetBrains Mono" panose="02000009000000000000" pitchFamily="49" charset="0"/>
+                <a:cs typeface="Courier New" panose="02070309020205020404" pitchFamily="49" charset="0"/>
+              </a:rPr>
+              <a:t>Le meuble est à la hauteur souhaité</a:t>
+            </a:r>
+          </a:p>
+          <a:p>
+            <a:pPr marL="72000"/>
+            <a:endParaRPr lang="fr-FR" sz="1600" dirty="0">
+              <a:solidFill>
+                <a:schemeClr val="tx1"/>
+              </a:solidFill>
+              <a:latin typeface="Comic Sans MS" panose="030F0702030302020204" pitchFamily="66" charset="0"/>
+              <a:ea typeface="JetBrains Mono" panose="02000009000000000000" pitchFamily="49" charset="0"/>
+              <a:cs typeface="Courier New" panose="02070309020205020404" pitchFamily="49" charset="0"/>
+            </a:endParaRPr>
+          </a:p>
+          <a:p>
+            <a:pPr marL="72000"/>
+            <a:r>
+              <a:rPr lang="fr-FR" sz="1600" dirty="0">
+                <a:solidFill>
+                  <a:schemeClr val="tx1"/>
+                </a:solidFill>
+                <a:latin typeface="Comic Sans MS" panose="030F0702030302020204" pitchFamily="66" charset="0"/>
+                <a:ea typeface="JetBrains Mono" panose="02000009000000000000" pitchFamily="49" charset="0"/>
+                <a:cs typeface="Courier New" panose="02070309020205020404" pitchFamily="49" charset="0"/>
+              </a:rPr>
+              <a:t>Les vis sur le tasseau ou bandeau de pose ne traverse pas la matière</a:t>
+            </a:r>
+          </a:p>
+          <a:p>
+            <a:pPr marL="72000"/>
+            <a:endParaRPr lang="fr-FR" sz="1600" dirty="0">
+              <a:solidFill>
+                <a:schemeClr val="tx1"/>
+              </a:solidFill>
+              <a:latin typeface="Comic Sans MS" panose="030F0702030302020204" pitchFamily="66" charset="0"/>
+              <a:ea typeface="JetBrains Mono" panose="02000009000000000000" pitchFamily="49" charset="0"/>
+              <a:cs typeface="Courier New" panose="02070309020205020404" pitchFamily="49" charset="0"/>
+            </a:endParaRPr>
+          </a:p>
+          <a:p>
+            <a:pPr marL="72000"/>
+            <a:r>
+              <a:rPr lang="fr-FR" sz="1600" dirty="0">
+                <a:solidFill>
+                  <a:schemeClr val="tx1"/>
+                </a:solidFill>
+                <a:latin typeface="Comic Sans MS" panose="030F0702030302020204" pitchFamily="66" charset="0"/>
+                <a:ea typeface="JetBrains Mono" panose="02000009000000000000" pitchFamily="49" charset="0"/>
+                <a:cs typeface="Courier New" panose="02070309020205020404" pitchFamily="49" charset="0"/>
+              </a:rPr>
+              <a:t>La fixation n’a pas affectée</a:t>
+            </a:r>
+          </a:p>
+          <a:p>
+            <a:pPr marL="72000"/>
+            <a:r>
+              <a:rPr lang="fr-FR" sz="1600" dirty="0">
+                <a:solidFill>
+                  <a:schemeClr val="tx1"/>
+                </a:solidFill>
+                <a:latin typeface="Comic Sans MS" panose="030F0702030302020204" pitchFamily="66" charset="0"/>
+                <a:ea typeface="JetBrains Mono" panose="02000009000000000000" pitchFamily="49" charset="0"/>
+                <a:cs typeface="Courier New" panose="02070309020205020404" pitchFamily="49" charset="0"/>
+              </a:rPr>
+              <a:t>l’ esthétisme du meuble (intérieur /extérieur)</a:t>
+            </a:r>
+          </a:p>
+          <a:p>
+            <a:pPr marL="72000"/>
+            <a:endParaRPr lang="fr-FR" sz="1600" dirty="0">
+              <a:solidFill>
+                <a:schemeClr val="tx1"/>
+              </a:solidFill>
+              <a:latin typeface="Comic Sans MS" panose="030F0702030302020204" pitchFamily="66" charset="0"/>
+              <a:ea typeface="JetBrains Mono" panose="02000009000000000000" pitchFamily="49" charset="0"/>
+              <a:cs typeface="Courier New" panose="02070309020205020404" pitchFamily="49" charset="0"/>
+            </a:endParaRPr>
+          </a:p>
+          <a:p>
+            <a:pPr marL="72000"/>
+            <a:r>
+              <a:rPr lang="fr-FR" sz="1600" dirty="0">
+                <a:solidFill>
+                  <a:schemeClr val="tx1"/>
+                </a:solidFill>
+                <a:latin typeface="Comic Sans MS" panose="030F0702030302020204" pitchFamily="66" charset="0"/>
+                <a:ea typeface="JetBrains Mono" panose="02000009000000000000" pitchFamily="49" charset="0"/>
+                <a:cs typeface="Courier New" panose="02070309020205020404" pitchFamily="49" charset="0"/>
+              </a:rPr>
+              <a:t>Le temps de pose est respecté</a:t>
+            </a:r>
+          </a:p>
+          <a:p>
+            <a:pPr marL="72000"/>
+            <a:endParaRPr lang="fr-FR" sz="1600" dirty="0">
+              <a:solidFill>
+                <a:schemeClr val="tx1"/>
+              </a:solidFill>
+              <a:latin typeface="Comic Sans MS" panose="030F0702030302020204" pitchFamily="66" charset="0"/>
+              <a:ea typeface="JetBrains Mono" panose="02000009000000000000" pitchFamily="49" charset="0"/>
+              <a:cs typeface="Courier New" panose="02070309020205020404" pitchFamily="49" charset="0"/>
+            </a:endParaRPr>
+          </a:p>
+          <a:p>
+            <a:pPr marL="72000"/>
+            <a:endParaRPr lang="fr-FR" sz="1600" dirty="0">
+              <a:solidFill>
+                <a:schemeClr val="tx1"/>
+              </a:solidFill>
+              <a:latin typeface="Comic Sans MS" panose="030F0702030302020204" pitchFamily="66" charset="0"/>
+              <a:ea typeface="JetBrains Mono" panose="02000009000000000000" pitchFamily="49" charset="0"/>
+              <a:cs typeface="Courier New" panose="02070309020205020404" pitchFamily="49" charset="0"/>
+            </a:endParaRPr>
+          </a:p>
+          <a:p>
+            <a:pPr marL="72000"/>
+            <a:endParaRPr lang="fr-FR" sz="1600" dirty="0">
+              <a:solidFill>
+                <a:schemeClr val="tx1"/>
+              </a:solidFill>
+              <a:latin typeface="Comic Sans MS" panose="030F0702030302020204" pitchFamily="66" charset="0"/>
+              <a:ea typeface="JetBrains Mono" panose="02000009000000000000" pitchFamily="49" charset="0"/>
+              <a:cs typeface="Courier New" panose="02070309020205020404" pitchFamily="49" charset="0"/>
+            </a:endParaRPr>
+          </a:p>
+          <a:p>
+            <a:pPr marL="72000"/>
+            <a:endParaRPr lang="fr-FR" sz="1600" dirty="0">
+              <a:solidFill>
+                <a:schemeClr val="tx1"/>
+              </a:solidFill>
+              <a:latin typeface="Comic Sans MS" panose="030F0702030302020204" pitchFamily="66" charset="0"/>
+              <a:ea typeface="JetBrains Mono" panose="02000009000000000000" pitchFamily="49" charset="0"/>
+              <a:cs typeface="Courier New" panose="02070309020205020404" pitchFamily="49" charset="0"/>
+            </a:endParaRPr>
+          </a:p>
+          <a:p>
+            <a:pPr marL="72000"/>
+            <a:endParaRPr lang="fr-FR" sz="1600" dirty="0">
+              <a:solidFill>
+                <a:schemeClr val="tx1"/>
+              </a:solidFill>
+              <a:latin typeface="Comic Sans MS" panose="030F0702030302020204" pitchFamily="66" charset="0"/>
+              <a:ea typeface="JetBrains Mono" panose="02000009000000000000" pitchFamily="49" charset="0"/>
+              <a:cs typeface="Courier New" panose="02070309020205020404" pitchFamily="49" charset="0"/>
+            </a:endParaRPr>
+          </a:p>
+          <a:p>
+            <a:pPr marL="72000"/>
+            <a:endParaRPr lang="fr-FR" sz="1600" dirty="0">
+              <a:solidFill>
+                <a:schemeClr val="tx1"/>
+              </a:solidFill>
+              <a:latin typeface="Comic Sans MS" panose="030F0702030302020204" pitchFamily="66" charset="0"/>
+              <a:ea typeface="JetBrains Mono" panose="02000009000000000000" pitchFamily="49" charset="0"/>
+              <a:cs typeface="Courier New" panose="02070309020205020404" pitchFamily="49" charset="0"/>
+            </a:endParaRPr>
+          </a:p>
+          <a:p>
+            <a:pPr marL="72000"/>
+            <a:endParaRPr lang="fr-FR" sz="1600" dirty="0">
+              <a:solidFill>
+                <a:schemeClr val="tx1"/>
+              </a:solidFill>
+              <a:latin typeface="Comic Sans MS" panose="030F0702030302020204" pitchFamily="66" charset="0"/>
+              <a:ea typeface="JetBrains Mono" panose="02000009000000000000" pitchFamily="49" charset="0"/>
+              <a:cs typeface="Courier New" panose="02070309020205020404" pitchFamily="49" charset="0"/>
+            </a:endParaRPr>
+          </a:p>
+        </p:txBody>
+      </p:sp>
+      <p:sp>
+        <p:nvSpPr>
+          <p:cNvPr id="19" name="Rectangle 18"/>
+          <p:cNvSpPr/>
+          <p:nvPr/>
+        </p:nvSpPr>
+        <p:spPr>
+          <a:xfrm>
+            <a:off x="11213630" y="1390649"/>
+            <a:ext cx="3726044" cy="9229231"/>
+          </a:xfrm>
+          <a:prstGeom prst="rect">
+            <a:avLst/>
+          </a:prstGeom>
+          <a:ln w="57150"/>
+        </p:spPr>
+        <p:style>
+          <a:lnRef idx="2">
+            <a:schemeClr val="dk1"/>
+          </a:lnRef>
+          <a:fillRef idx="1">
+            <a:schemeClr val="lt1"/>
+          </a:fillRef>
+          <a:effectRef idx="0">
+            <a:schemeClr val="dk1"/>
+          </a:effectRef>
+          <a:fontRef idx="minor">
+            <a:schemeClr val="dk1"/>
+          </a:fontRef>
+        </p:style>
+        <p:txBody>
+          <a:bodyPr rtlCol="0" anchor="ctr"/>
+          <a:lstStyle/>
+          <a:p>
+            <a:r>
+              <a:rPr lang="fr-FR" sz="1400" b="1" dirty="0"/>
+              <a:t>Compétences évaluées :</a:t>
+            </a:r>
+          </a:p>
+          <a:p>
+            <a:endParaRPr lang="fr-FR" sz="1400" b="1" dirty="0"/>
+          </a:p>
+          <a:p>
+            <a:r>
+              <a:rPr lang="fr-FR" sz="1400" b="1" dirty="0"/>
+              <a:t>C4.1 - Organiser et mettre en sécurité la zone d’intervention</a:t>
+            </a:r>
+          </a:p>
+          <a:p>
+            <a:endParaRPr lang="fr-FR" sz="1400" b="1" dirty="0"/>
+          </a:p>
+          <a:p>
+            <a:r>
+              <a:rPr lang="fr-FR" sz="1400" b="1" dirty="0"/>
+              <a:t>Préparer les matériels et outillages adaptés.</a:t>
+            </a:r>
+          </a:p>
+          <a:p>
+            <a:endParaRPr lang="fr-FR" sz="1400" b="1" dirty="0"/>
+          </a:p>
+          <a:p>
+            <a:r>
+              <a:rPr lang="fr-FR" sz="1400" b="1" dirty="0"/>
+              <a:t>C4.2 - Contrôler la conformité des supports et des ouvrages</a:t>
+            </a:r>
+          </a:p>
+          <a:p>
+            <a:r>
+              <a:rPr lang="fr-FR" sz="1400" b="1" dirty="0"/>
+              <a:t>Vérifier les caractéristiques géométriques et dimensionnelles des supports.</a:t>
+            </a:r>
+          </a:p>
+          <a:p>
+            <a:endParaRPr lang="fr-FR" sz="1400" b="1" dirty="0"/>
+          </a:p>
+          <a:p>
+            <a:r>
+              <a:rPr lang="fr-FR" sz="1400" b="1" dirty="0"/>
+              <a:t>S’assurer de l’aplomb, du niveau et de la géométrie des baies.</a:t>
+            </a:r>
+          </a:p>
+          <a:p>
+            <a:r>
+              <a:rPr lang="fr-FR" sz="1400" b="1" dirty="0"/>
+              <a:t>C4.3 - Implanter et distribuer les ouvrages</a:t>
+            </a:r>
+          </a:p>
+          <a:p>
+            <a:r>
+              <a:rPr lang="fr-FR" sz="1400" b="1" dirty="0"/>
+              <a:t>Tracer les axes et niveaux.</a:t>
+            </a:r>
+          </a:p>
+          <a:p>
+            <a:endParaRPr lang="fr-FR" sz="1400" b="1" dirty="0"/>
+          </a:p>
+          <a:p>
+            <a:r>
+              <a:rPr lang="fr-FR" sz="1400" b="1" dirty="0"/>
+              <a:t>C4.4 - Préparer, adapter et ajuster les ouvrages</a:t>
+            </a:r>
+          </a:p>
+          <a:p>
+            <a:r>
+              <a:rPr lang="fr-FR" sz="1400" b="1" dirty="0"/>
+              <a:t>Régler les niveaux, jeux et alignements.</a:t>
+            </a:r>
+          </a:p>
+          <a:p>
+            <a:r>
+              <a:rPr lang="fr-FR" sz="1400" b="1" dirty="0"/>
+              <a:t>C4.5 - Conduire les opérations de pose sur chantier</a:t>
+            </a:r>
+          </a:p>
+          <a:p>
+            <a:r>
+              <a:rPr lang="fr-FR" sz="1400" b="1" dirty="0"/>
+              <a:t>C4.6 - Installer les équipements techniques et les accessoires</a:t>
+            </a:r>
+          </a:p>
+          <a:p>
+            <a:endParaRPr lang="fr-FR" sz="1400" b="1" dirty="0"/>
+          </a:p>
+        </p:txBody>
+      </p:sp>
+      <p:sp>
+        <p:nvSpPr>
+          <p:cNvPr id="24" name="Rectangle 23"/>
+          <p:cNvSpPr/>
+          <p:nvPr/>
+        </p:nvSpPr>
+        <p:spPr>
+          <a:xfrm>
+            <a:off x="11213630" y="179881"/>
+            <a:ext cx="3726045" cy="1067028"/>
+          </a:xfrm>
+          <a:prstGeom prst="rect">
+            <a:avLst/>
+          </a:prstGeom>
+          <a:ln w="57150"/>
+        </p:spPr>
+        <p:style>
+          <a:lnRef idx="2">
+            <a:schemeClr val="dk1"/>
+          </a:lnRef>
+          <a:fillRef idx="1">
+            <a:schemeClr val="lt1"/>
+          </a:fillRef>
+          <a:effectRef idx="0">
+            <a:schemeClr val="dk1"/>
+          </a:effectRef>
+          <a:fontRef idx="minor">
+            <a:schemeClr val="dk1"/>
+          </a:fontRef>
+        </p:style>
+        <p:txBody>
+          <a:bodyPr rtlCol="0" anchor="ctr"/>
+          <a:lstStyle/>
+          <a:p>
+            <a:pPr algn="ctr"/>
+            <a:r>
+              <a:rPr lang="fr-FR" sz="1600" spc="300" dirty="0">
+                <a:latin typeface="Comic Sans MS" panose="030F0702030302020204" pitchFamily="66" charset="0"/>
+                <a:ea typeface="JetBrains Mono" panose="02000009000000000000" pitchFamily="49" charset="0"/>
+                <a:cs typeface="JetBrains Mono" panose="02000009000000000000" pitchFamily="49" charset="0"/>
+              </a:rPr>
+              <a:t>Technicien</a:t>
+            </a:r>
+          </a:p>
+          <a:p>
+            <a:pPr algn="ctr"/>
+            <a:r>
+              <a:rPr lang="fr-FR" sz="1600" spc="300" dirty="0">
+                <a:latin typeface="Comic Sans MS" panose="030F0702030302020204" pitchFamily="66" charset="0"/>
+                <a:ea typeface="JetBrains Mono" panose="02000009000000000000" pitchFamily="49" charset="0"/>
+                <a:cs typeface="JetBrains Mono" panose="02000009000000000000" pitchFamily="49" charset="0"/>
+              </a:rPr>
+              <a:t>Menuisier Agenceur</a:t>
+            </a:r>
+          </a:p>
+        </p:txBody>
+      </p:sp>
+      <p:sp>
+        <p:nvSpPr>
+          <p:cNvPr id="25" name="Rectangle 24"/>
+          <p:cNvSpPr/>
+          <p:nvPr/>
+        </p:nvSpPr>
+        <p:spPr>
+          <a:xfrm>
+            <a:off x="142517" y="179881"/>
+            <a:ext cx="3763201" cy="1067028"/>
+          </a:xfrm>
+          <a:prstGeom prst="rect">
+            <a:avLst/>
+          </a:prstGeom>
+          <a:ln w="57150"/>
+        </p:spPr>
+        <p:style>
+          <a:lnRef idx="2">
+            <a:schemeClr val="dk1"/>
+          </a:lnRef>
+          <a:fillRef idx="1">
+            <a:schemeClr val="lt1"/>
+          </a:fillRef>
+          <a:effectRef idx="0">
+            <a:schemeClr val="dk1"/>
+          </a:effectRef>
+          <a:fontRef idx="minor">
+            <a:schemeClr val="dk1"/>
+          </a:fontRef>
+        </p:style>
+        <p:txBody>
+          <a:bodyPr rtlCol="0" anchor="ctr"/>
+          <a:lstStyle/>
+          <a:p>
+            <a:pPr algn="ctr"/>
+            <a:r>
+              <a:rPr lang="fr-FR" b="1" dirty="0">
+                <a:latin typeface="Comic Sans MS" panose="030F0702030302020204" pitchFamily="66" charset="0"/>
+                <a:ea typeface="JetBrains Mono" panose="02000009000000000000" pitchFamily="49" charset="0"/>
+                <a:cs typeface="JetBrains Mono" panose="02000009000000000000" pitchFamily="49" charset="0"/>
+              </a:rPr>
+              <a:t>Sujet : Pose d’un ouvrage</a:t>
+            </a:r>
+          </a:p>
+        </p:txBody>
+      </p:sp>
+      <p:graphicFrame>
+        <p:nvGraphicFramePr>
+          <p:cNvPr id="2" name="Table 1">
+            <a:extLst>
+              <a:ext uri="{FF2B5EF4-FFF2-40B4-BE49-F238E27FC236}">
+                <a16:creationId xmlns:a16="http://schemas.microsoft.com/office/drawing/2014/main" id="{AFCB8B3A-B6F8-4548-A2DA-06057CDA9A4C}"/>
+              </a:ext>
+            </a:extLst>
+          </p:cNvPr>
+          <p:cNvGraphicFramePr>
+            <a:graphicFrameLocks noGrp="1"/>
+          </p:cNvGraphicFramePr>
+          <p:nvPr>
+            <p:extLst>
+              <p:ext uri="{D42A27DB-BD31-4B8C-83A1-F6EECF244321}">
+                <p14:modId xmlns:p14="http://schemas.microsoft.com/office/powerpoint/2010/main" val="2509506809"/>
+              </p:ext>
+            </p:extLst>
+          </p:nvPr>
+        </p:nvGraphicFramePr>
+        <p:xfrm>
+          <a:off x="4039556" y="944558"/>
+          <a:ext cx="6980869" cy="9675322"/>
+        </p:xfrm>
+        <a:graphic>
+          <a:graphicData uri="http://schemas.openxmlformats.org/drawingml/2006/table">
+            <a:tbl>
+              <a:tblPr firstRow="1" bandRow="1">
+                <a:tableStyleId>{5940675A-B579-460E-94D1-54222C63F5DA}</a:tableStyleId>
+              </a:tblPr>
+              <a:tblGrid>
+                <a:gridCol w="2253173">
+                  <a:extLst>
+                    <a:ext uri="{9D8B030D-6E8A-4147-A177-3AD203B41FA5}">
+                      <a16:colId xmlns:a16="http://schemas.microsoft.com/office/drawing/2014/main" val="2787692130"/>
+                    </a:ext>
+                  </a:extLst>
+                </a:gridCol>
+                <a:gridCol w="957412">
+                  <a:extLst>
+                    <a:ext uri="{9D8B030D-6E8A-4147-A177-3AD203B41FA5}">
+                      <a16:colId xmlns:a16="http://schemas.microsoft.com/office/drawing/2014/main" val="607649727"/>
+                    </a:ext>
+                  </a:extLst>
+                </a:gridCol>
+                <a:gridCol w="957412">
+                  <a:extLst>
+                    <a:ext uri="{9D8B030D-6E8A-4147-A177-3AD203B41FA5}">
+                      <a16:colId xmlns:a16="http://schemas.microsoft.com/office/drawing/2014/main" val="2879588787"/>
+                    </a:ext>
+                  </a:extLst>
+                </a:gridCol>
+                <a:gridCol w="957412">
+                  <a:extLst>
+                    <a:ext uri="{9D8B030D-6E8A-4147-A177-3AD203B41FA5}">
+                      <a16:colId xmlns:a16="http://schemas.microsoft.com/office/drawing/2014/main" val="963493659"/>
+                    </a:ext>
+                  </a:extLst>
+                </a:gridCol>
+                <a:gridCol w="957412">
+                  <a:extLst>
+                    <a:ext uri="{9D8B030D-6E8A-4147-A177-3AD203B41FA5}">
+                      <a16:colId xmlns:a16="http://schemas.microsoft.com/office/drawing/2014/main" val="283199609"/>
+                    </a:ext>
+                  </a:extLst>
+                </a:gridCol>
+                <a:gridCol w="898048">
+                  <a:extLst>
+                    <a:ext uri="{9D8B030D-6E8A-4147-A177-3AD203B41FA5}">
+                      <a16:colId xmlns:a16="http://schemas.microsoft.com/office/drawing/2014/main" val="3524401581"/>
+                    </a:ext>
+                  </a:extLst>
+                </a:gridCol>
+              </a:tblGrid>
+              <a:tr h="1371600">
+                <a:tc>
+                  <a:txBody>
+                    <a:bodyPr/>
+                    <a:lstStyle/>
+                    <a:p>
+                      <a:pPr algn="ctr"/>
+                      <a:r>
+                        <a:rPr lang="fr-FR" sz="1400" dirty="0">
+                          <a:solidFill>
+                            <a:schemeClr val="bg1"/>
+                          </a:solidFill>
+                        </a:rPr>
+                        <a:t>Critère évalué</a:t>
+                      </a:r>
+                    </a:p>
+                  </a:txBody>
+                  <a:tcPr anchor="ctr">
+                    <a:solidFill>
+                      <a:schemeClr val="tx1"/>
+                    </a:solidFill>
+                  </a:tcPr>
+                </a:tc>
+                <a:tc>
+                  <a:txBody>
+                    <a:bodyPr/>
+                    <a:lstStyle/>
+                    <a:p>
+                      <a:pPr algn="ctr"/>
+                      <a:r>
+                        <a:rPr lang="fr-FR" sz="900" dirty="0"/>
+                        <a:t>Le </a:t>
+                      </a:r>
+                      <a:r>
+                        <a:rPr lang="fr-FR" sz="900" dirty="0" err="1"/>
+                        <a:t>meube</a:t>
+                      </a:r>
+                      <a:r>
+                        <a:rPr lang="fr-FR" sz="900" dirty="0"/>
+                        <a:t> n’est pas posé</a:t>
+                      </a:r>
+                    </a:p>
+                  </a:txBody>
+                  <a:tcPr anchor="ctr">
+                    <a:solidFill>
+                      <a:schemeClr val="bg2">
+                        <a:lumMod val="75000"/>
+                      </a:schemeClr>
+                    </a:solidFill>
+                  </a:tcPr>
+                </a:tc>
+                <a:tc>
+                  <a:txBody>
+                    <a:bodyPr/>
+                    <a:lstStyle/>
+                    <a:p>
+                      <a:pPr algn="ctr"/>
+                      <a:r>
+                        <a:rPr lang="fr-FR" sz="900" dirty="0"/>
+                        <a:t>Non maitrisé</a:t>
+                      </a:r>
+                    </a:p>
+                  </a:txBody>
+                  <a:tcPr anchor="ctr">
+                    <a:solidFill>
+                      <a:srgbClr val="FF0000"/>
+                    </a:solidFill>
+                  </a:tcPr>
+                </a:tc>
+                <a:tc>
+                  <a:txBody>
+                    <a:bodyPr/>
+                    <a:lstStyle/>
+                    <a:p>
+                      <a:pPr algn="ctr"/>
+                      <a:r>
+                        <a:rPr lang="fr-FR" sz="900" dirty="0"/>
+                        <a:t>Moyennement acquis</a:t>
+                      </a:r>
+                    </a:p>
+                  </a:txBody>
+                  <a:tcPr anchor="ctr">
+                    <a:solidFill>
+                      <a:schemeClr val="accent4"/>
+                    </a:solidFill>
+                  </a:tcPr>
+                </a:tc>
+                <a:tc>
+                  <a:txBody>
+                    <a:bodyPr/>
+                    <a:lstStyle/>
+                    <a:p>
+                      <a:pPr algn="ctr"/>
+                      <a:r>
+                        <a:rPr lang="fr-FR" sz="900" dirty="0"/>
+                        <a:t>satisfaisant</a:t>
+                      </a:r>
+                    </a:p>
+                  </a:txBody>
+                  <a:tcPr anchor="ctr">
+                    <a:solidFill>
+                      <a:srgbClr val="FFFF00"/>
+                    </a:solidFill>
+                  </a:tcPr>
+                </a:tc>
+                <a:tc>
+                  <a:txBody>
+                    <a:bodyPr/>
+                    <a:lstStyle/>
+                    <a:p>
+                      <a:pPr algn="ctr"/>
+                      <a:r>
+                        <a:rPr lang="fr-FR" sz="900" dirty="0"/>
+                        <a:t>Très satisfaisant</a:t>
+                      </a:r>
+                    </a:p>
+                  </a:txBody>
+                  <a:tcPr anchor="ctr">
+                    <a:solidFill>
+                      <a:schemeClr val="accent6"/>
+                    </a:solidFill>
+                  </a:tcPr>
+                </a:tc>
+                <a:extLst>
+                  <a:ext uri="{0D108BD9-81ED-4DB2-BD59-A6C34878D82A}">
+                    <a16:rowId xmlns:a16="http://schemas.microsoft.com/office/drawing/2014/main" val="3340223667"/>
+                  </a:ext>
+                </a:extLst>
+              </a:tr>
+              <a:tr h="1186246">
+                <a:tc>
+                  <a:txBody>
+                    <a:bodyPr/>
+                    <a:lstStyle/>
+                    <a:p>
+                      <a:pPr marL="72000" marR="0" lvl="0" indent="0" algn="l" defTabSz="1439997" rtl="0" eaLnBrk="1" fontAlgn="auto" latinLnBrk="0" hangingPunct="1">
+                        <a:lnSpc>
+                          <a:spcPct val="100000"/>
+                        </a:lnSpc>
+                        <a:spcBef>
+                          <a:spcPts val="0"/>
+                        </a:spcBef>
+                        <a:spcAft>
+                          <a:spcPts val="0"/>
+                        </a:spcAft>
+                        <a:buClrTx/>
+                        <a:buSzTx/>
+                        <a:buFontTx/>
+                        <a:buNone/>
+                        <a:tabLst/>
+                        <a:defRPr/>
+                      </a:pPr>
+                      <a:r>
+                        <a:rPr lang="fr-FR" sz="1400" dirty="0"/>
+                        <a:t>Le meuble est de niveau (4 pts)</a:t>
+                      </a:r>
+                    </a:p>
+                  </a:txBody>
+                  <a:tcPr anchor="ctr"/>
+                </a:tc>
+                <a:tc>
+                  <a:txBody>
+                    <a:bodyPr/>
+                    <a:lstStyle/>
+                    <a:p>
+                      <a:endParaRPr lang="fr-FR" sz="1400" dirty="0"/>
+                    </a:p>
+                  </a:txBody>
+                  <a:tcPr anchor="ctr">
+                    <a:blipFill>
+                      <a:blip r:embed="rId2"/>
+                      <a:tile tx="0" ty="0" sx="100000" sy="100000" flip="none" algn="tl"/>
+                    </a:blipFill>
+                  </a:tcPr>
+                </a:tc>
+                <a:tc>
+                  <a:txBody>
+                    <a:bodyPr/>
+                    <a:lstStyle/>
+                    <a:p>
+                      <a:pPr algn="ctr"/>
+                      <a:r>
+                        <a:rPr lang="fr-FR" sz="900" dirty="0"/>
+                        <a:t>Moins de 5 minutes</a:t>
+                      </a:r>
+                    </a:p>
+                  </a:txBody>
+                  <a:tcPr anchor="ctr">
+                    <a:solidFill>
+                      <a:schemeClr val="bg1"/>
+                    </a:solidFill>
+                  </a:tcPr>
+                </a:tc>
+                <a:tc>
+                  <a:txBody>
+                    <a:bodyPr/>
+                    <a:lstStyle/>
+                    <a:p>
+                      <a:pPr algn="ctr"/>
+                      <a:r>
+                        <a:rPr lang="fr-FR" sz="900" dirty="0"/>
+                        <a:t>5 à 6 minutes</a:t>
+                      </a:r>
+                    </a:p>
+                  </a:txBody>
+                  <a:tcPr anchor="ctr">
+                    <a:solidFill>
+                      <a:schemeClr val="bg1"/>
+                    </a:solidFill>
+                  </a:tcPr>
+                </a:tc>
+                <a:tc>
+                  <a:txBody>
+                    <a:bodyPr/>
+                    <a:lstStyle/>
+                    <a:p>
+                      <a:pPr algn="ctr"/>
+                      <a:r>
+                        <a:rPr lang="fr-FR" sz="900" dirty="0"/>
+                        <a:t>7 à 8 minutes</a:t>
+                      </a:r>
+                    </a:p>
+                  </a:txBody>
+                  <a:tcPr anchor="ctr">
+                    <a:solidFill>
+                      <a:schemeClr val="bg1"/>
+                    </a:solidFill>
+                  </a:tcPr>
+                </a:tc>
+                <a:tc>
+                  <a:txBody>
+                    <a:bodyPr/>
+                    <a:lstStyle/>
+                    <a:p>
+                      <a:pPr algn="ctr"/>
+                      <a:r>
+                        <a:rPr lang="fr-FR" sz="900" dirty="0"/>
+                        <a:t>9 à 10 minutes</a:t>
+                      </a:r>
+                    </a:p>
+                  </a:txBody>
+                  <a:tcPr anchor="ctr">
+                    <a:solidFill>
+                      <a:schemeClr val="bg1"/>
+                    </a:solidFill>
+                  </a:tcPr>
+                </a:tc>
+                <a:extLst>
+                  <a:ext uri="{0D108BD9-81ED-4DB2-BD59-A6C34878D82A}">
+                    <a16:rowId xmlns:a16="http://schemas.microsoft.com/office/drawing/2014/main" val="3605164153"/>
+                  </a:ext>
+                </a:extLst>
+              </a:tr>
+              <a:tr h="1186246">
+                <a:tc>
+                  <a:txBody>
+                    <a:bodyPr/>
+                    <a:lstStyle/>
+                    <a:p>
+                      <a:pPr marL="72000" marR="0" lvl="0" indent="0" algn="l" defTabSz="1439997" rtl="0" eaLnBrk="1" fontAlgn="auto" latinLnBrk="0" hangingPunct="1">
+                        <a:lnSpc>
+                          <a:spcPct val="100000"/>
+                        </a:lnSpc>
+                        <a:spcBef>
+                          <a:spcPts val="0"/>
+                        </a:spcBef>
+                        <a:spcAft>
+                          <a:spcPts val="0"/>
+                        </a:spcAft>
+                        <a:buClrTx/>
+                        <a:buSzTx/>
+                        <a:buFontTx/>
+                        <a:buNone/>
+                        <a:tabLst/>
+                        <a:defRPr/>
+                      </a:pPr>
+                      <a:r>
+                        <a:rPr lang="fr-FR" sz="1400" dirty="0">
+                          <a:solidFill>
+                            <a:schemeClr val="tx1"/>
+                          </a:solidFill>
+                          <a:latin typeface="Comic Sans MS" panose="030F0702030302020204" pitchFamily="66" charset="0"/>
+                          <a:ea typeface="JetBrains Mono" panose="02000009000000000000" pitchFamily="49" charset="0"/>
+                          <a:cs typeface="Courier New" panose="02070309020205020404" pitchFamily="49" charset="0"/>
+                        </a:rPr>
+                        <a:t>Le meuble est à la hauteur souhaité</a:t>
+                      </a:r>
+                    </a:p>
+                    <a:p>
+                      <a:pPr marL="72000" marR="0" lvl="0" indent="0" algn="l" defTabSz="1439997" rtl="0" eaLnBrk="1" fontAlgn="auto" latinLnBrk="0" hangingPunct="1">
+                        <a:lnSpc>
+                          <a:spcPct val="100000"/>
+                        </a:lnSpc>
+                        <a:spcBef>
+                          <a:spcPts val="0"/>
+                        </a:spcBef>
+                        <a:spcAft>
+                          <a:spcPts val="0"/>
+                        </a:spcAft>
+                        <a:buClrTx/>
+                        <a:buSzTx/>
+                        <a:buFontTx/>
+                        <a:buNone/>
+                        <a:tabLst/>
+                        <a:defRPr/>
+                      </a:pPr>
+                      <a:r>
+                        <a:rPr lang="fr-FR" sz="1400">
+                          <a:solidFill>
+                            <a:schemeClr val="tx1"/>
+                          </a:solidFill>
+                          <a:latin typeface="Comic Sans MS" panose="030F0702030302020204" pitchFamily="66" charset="0"/>
+                          <a:ea typeface="JetBrains Mono" panose="02000009000000000000" pitchFamily="49" charset="0"/>
+                          <a:cs typeface="Courier New" panose="02070309020205020404" pitchFamily="49" charset="0"/>
+                        </a:rPr>
+                        <a:t>(4 </a:t>
+                      </a:r>
+                      <a:r>
+                        <a:rPr lang="fr-FR" sz="1400" dirty="0">
+                          <a:solidFill>
+                            <a:schemeClr val="tx1"/>
+                          </a:solidFill>
+                          <a:latin typeface="Comic Sans MS" panose="030F0702030302020204" pitchFamily="66" charset="0"/>
+                          <a:ea typeface="JetBrains Mono" panose="02000009000000000000" pitchFamily="49" charset="0"/>
+                          <a:cs typeface="Courier New" panose="02070309020205020404" pitchFamily="49" charset="0"/>
+                        </a:rPr>
+                        <a:t>pts)</a:t>
+                      </a:r>
+                      <a:endParaRPr lang="fr-FR" sz="1400" dirty="0"/>
+                    </a:p>
+                  </a:txBody>
+                  <a:tcPr anchor="ctr"/>
+                </a:tc>
+                <a:tc>
+                  <a:txBody>
+                    <a:bodyPr/>
+                    <a:lstStyle/>
+                    <a:p>
+                      <a:endParaRPr lang="fr-FR" sz="1400" dirty="0"/>
+                    </a:p>
+                  </a:txBody>
+                  <a:tcPr anchor="ctr">
+                    <a:blipFill>
+                      <a:blip r:embed="rId2"/>
+                      <a:tile tx="0" ty="0" sx="100000" sy="100000" flip="none" algn="tl"/>
+                    </a:blipFill>
+                  </a:tcPr>
+                </a:tc>
+                <a:tc>
+                  <a:txBody>
+                    <a:bodyPr/>
+                    <a:lstStyle/>
+                    <a:p>
+                      <a:pPr algn="ctr"/>
+                      <a:r>
+                        <a:rPr lang="fr-FR" sz="900" dirty="0"/>
+                        <a:t>Décalage de plus d’1 mm</a:t>
+                      </a:r>
+                    </a:p>
+                  </a:txBody>
+                  <a:tcPr anchor="ctr">
+                    <a:noFill/>
+                  </a:tcPr>
+                </a:tc>
+                <a:tc>
+                  <a:txBody>
+                    <a:bodyPr/>
+                    <a:lstStyle/>
+                    <a:p>
+                      <a:pPr algn="ctr"/>
+                      <a:r>
+                        <a:rPr lang="fr-FR" sz="900" dirty="0"/>
+                        <a:t>Décalage de 1mm</a:t>
+                      </a:r>
+                    </a:p>
+                  </a:txBody>
+                  <a:tcPr anchor="ctr">
+                    <a:noFill/>
+                  </a:tcPr>
+                </a:tc>
+                <a:tc>
+                  <a:txBody>
+                    <a:bodyPr/>
+                    <a:lstStyle/>
+                    <a:p>
+                      <a:pPr algn="ctr"/>
+                      <a:endParaRPr lang="fr-FR" sz="900" dirty="0"/>
+                    </a:p>
+                  </a:txBody>
+                  <a:tcPr anchor="ctr">
+                    <a:solidFill>
+                      <a:srgbClr val="A6A6A6"/>
+                    </a:solidFill>
+                  </a:tcPr>
+                </a:tc>
+                <a:tc>
+                  <a:txBody>
+                    <a:bodyPr/>
+                    <a:lstStyle/>
+                    <a:p>
+                      <a:pPr algn="ctr"/>
+                      <a:r>
+                        <a:rPr lang="fr-FR" sz="900" dirty="0"/>
+                        <a:t>Hauteur souhaitée</a:t>
+                      </a:r>
+                    </a:p>
+                  </a:txBody>
+                  <a:tcPr anchor="ctr">
+                    <a:noFill/>
+                  </a:tcPr>
+                </a:tc>
+                <a:extLst>
+                  <a:ext uri="{0D108BD9-81ED-4DB2-BD59-A6C34878D82A}">
+                    <a16:rowId xmlns:a16="http://schemas.microsoft.com/office/drawing/2014/main" val="2998772913"/>
+                  </a:ext>
+                </a:extLst>
+              </a:tr>
+              <a:tr h="1186246">
+                <a:tc>
+                  <a:txBody>
+                    <a:bodyPr/>
+                    <a:lstStyle/>
+                    <a:p>
+                      <a:pPr marL="72000"/>
+                      <a:r>
+                        <a:rPr lang="fr-FR" sz="1400" dirty="0">
+                          <a:solidFill>
+                            <a:schemeClr val="tx1"/>
+                          </a:solidFill>
+                          <a:latin typeface="Comic Sans MS" panose="030F0702030302020204" pitchFamily="66" charset="0"/>
+                          <a:ea typeface="JetBrains Mono" panose="02000009000000000000" pitchFamily="49" charset="0"/>
+                          <a:cs typeface="Courier New" panose="02070309020205020404" pitchFamily="49" charset="0"/>
+                        </a:rPr>
+                        <a:t>Les vis sur le tasseau ou bandeau de pose ne traverse pas la matière (4pts)</a:t>
+                      </a:r>
+                    </a:p>
+                  </a:txBody>
+                  <a:tcPr anchor="ctr"/>
+                </a:tc>
+                <a:tc>
+                  <a:txBody>
+                    <a:bodyPr/>
+                    <a:lstStyle/>
+                    <a:p>
+                      <a:endParaRPr lang="fr-FR" sz="1400" dirty="0"/>
+                    </a:p>
+                  </a:txBody>
+                  <a:tcPr anchor="ctr">
+                    <a:blipFill>
+                      <a:blip r:embed="rId2"/>
+                      <a:tile tx="0" ty="0" sx="100000" sy="100000" flip="none" algn="tl"/>
+                    </a:blipFill>
+                  </a:tcPr>
+                </a:tc>
+                <a:tc>
+                  <a:txBody>
+                    <a:bodyPr/>
+                    <a:lstStyle/>
+                    <a:p>
+                      <a:pPr algn="ctr"/>
+                      <a:r>
+                        <a:rPr lang="fr-FR" sz="900" dirty="0"/>
+                        <a:t>Une tète de vis est au dessus de la surface</a:t>
+                      </a:r>
+                    </a:p>
+                  </a:txBody>
+                  <a:tcPr anchor="ctr">
+                    <a:solidFill>
+                      <a:schemeClr val="bg1"/>
+                    </a:solidFill>
+                  </a:tcPr>
+                </a:tc>
+                <a:tc>
+                  <a:txBody>
+                    <a:bodyPr/>
+                    <a:lstStyle/>
+                    <a:p>
+                      <a:pPr algn="ctr"/>
+                      <a:r>
+                        <a:rPr lang="fr-FR" sz="900" dirty="0"/>
+                        <a:t>Une vis pénètre dans la matière</a:t>
+                      </a:r>
+                    </a:p>
+                  </a:txBody>
+                  <a:tcPr anchor="ctr">
+                    <a:solidFill>
+                      <a:schemeClr val="bg1"/>
+                    </a:solidFill>
+                  </a:tcPr>
+                </a:tc>
+                <a:tc>
+                  <a:txBody>
+                    <a:bodyPr/>
+                    <a:lstStyle/>
+                    <a:p>
+                      <a:pPr algn="ctr"/>
+                      <a:endParaRPr lang="fr-FR" sz="900" dirty="0"/>
+                    </a:p>
+                  </a:txBody>
+                  <a:tcPr anchor="ctr">
+                    <a:solidFill>
+                      <a:srgbClr val="A6A6A6"/>
+                    </a:solidFill>
+                  </a:tcPr>
+                </a:tc>
+                <a:tc>
+                  <a:txBody>
+                    <a:bodyPr/>
+                    <a:lstStyle/>
+                    <a:p>
+                      <a:r>
+                        <a:rPr lang="fr-FR" sz="900" dirty="0"/>
+                        <a:t>Les vis sont à fleur</a:t>
+                      </a:r>
+                    </a:p>
+                  </a:txBody>
+                  <a:tcPr anchor="ctr">
+                    <a:solidFill>
+                      <a:schemeClr val="bg1"/>
+                    </a:solidFill>
+                  </a:tcPr>
+                </a:tc>
+                <a:extLst>
+                  <a:ext uri="{0D108BD9-81ED-4DB2-BD59-A6C34878D82A}">
+                    <a16:rowId xmlns:a16="http://schemas.microsoft.com/office/drawing/2014/main" val="263690387"/>
+                  </a:ext>
+                </a:extLst>
+              </a:tr>
+              <a:tr h="1186246">
+                <a:tc>
+                  <a:txBody>
+                    <a:bodyPr/>
+                    <a:lstStyle/>
+                    <a:p>
+                      <a:pPr marL="72000"/>
+                      <a:r>
+                        <a:rPr lang="fr-FR" sz="1400" dirty="0">
+                          <a:solidFill>
+                            <a:schemeClr val="tx1"/>
+                          </a:solidFill>
+                          <a:latin typeface="Comic Sans MS" panose="030F0702030302020204" pitchFamily="66" charset="0"/>
+                          <a:ea typeface="JetBrains Mono" panose="02000009000000000000" pitchFamily="49" charset="0"/>
+                          <a:cs typeface="Courier New" panose="02070309020205020404" pitchFamily="49" charset="0"/>
+                        </a:rPr>
+                        <a:t>La fixation n’a pas affectée</a:t>
+                      </a:r>
+                    </a:p>
+                    <a:p>
+                      <a:pPr marL="72000"/>
+                      <a:r>
+                        <a:rPr lang="fr-FR" sz="1400" dirty="0">
+                          <a:solidFill>
+                            <a:schemeClr val="tx1"/>
+                          </a:solidFill>
+                          <a:latin typeface="Comic Sans MS" panose="030F0702030302020204" pitchFamily="66" charset="0"/>
+                          <a:ea typeface="JetBrains Mono" panose="02000009000000000000" pitchFamily="49" charset="0"/>
+                          <a:cs typeface="Courier New" panose="02070309020205020404" pitchFamily="49" charset="0"/>
+                        </a:rPr>
+                        <a:t>l’esthétisme du meuble (intérieur /extérieur)</a:t>
+                      </a:r>
+                    </a:p>
+                    <a:p>
+                      <a:pPr marL="72000"/>
+                      <a:r>
+                        <a:rPr lang="fr-FR" sz="1400" dirty="0"/>
+                        <a:t>(4 pts)</a:t>
+                      </a:r>
+                    </a:p>
+                  </a:txBody>
+                  <a:tcPr anchor="ctr"/>
+                </a:tc>
+                <a:tc>
+                  <a:txBody>
+                    <a:bodyPr/>
+                    <a:lstStyle/>
+                    <a:p>
+                      <a:endParaRPr lang="fr-FR" sz="1400" dirty="0"/>
+                    </a:p>
+                  </a:txBody>
+                  <a:tcPr anchor="ctr">
+                    <a:blipFill>
+                      <a:blip r:embed="rId2"/>
+                      <a:tile tx="0" ty="0" sx="100000" sy="100000" flip="none" algn="tl"/>
+                    </a:blipFill>
+                  </a:tcPr>
+                </a:tc>
+                <a:tc>
+                  <a:txBody>
+                    <a:bodyPr/>
+                    <a:lstStyle/>
+                    <a:p>
+                      <a:pPr algn="ctr"/>
+                      <a:r>
+                        <a:rPr lang="fr-FR" sz="900" dirty="0"/>
+                        <a:t>Les machines ou les outils ne sont pas cités.</a:t>
+                      </a:r>
+                    </a:p>
+                  </a:txBody>
+                  <a:tcPr anchor="ctr"/>
+                </a:tc>
+                <a:tc>
+                  <a:txBody>
+                    <a:bodyPr/>
+                    <a:lstStyle/>
+                    <a:p>
+                      <a:pPr algn="ctr"/>
+                      <a:r>
+                        <a:rPr lang="fr-FR" sz="900" dirty="0"/>
+                        <a:t>L’utilisation est peu compréhensible</a:t>
+                      </a:r>
+                    </a:p>
+                  </a:txBody>
+                  <a:tcPr anchor="ctr"/>
+                </a:tc>
+                <a:tc>
+                  <a:txBody>
+                    <a:bodyPr/>
+                    <a:lstStyle/>
+                    <a:p>
+                      <a:pPr algn="ctr"/>
+                      <a:endParaRPr lang="fr-FR" sz="900" dirty="0"/>
+                    </a:p>
+                  </a:txBody>
+                  <a:tcPr anchor="ctr">
+                    <a:solidFill>
+                      <a:srgbClr val="A6A6A6"/>
+                    </a:solidFill>
+                  </a:tcPr>
+                </a:tc>
+                <a:tc>
+                  <a:txBody>
+                    <a:bodyPr/>
+                    <a:lstStyle/>
+                    <a:p>
+                      <a:pPr algn="ctr"/>
+                      <a:r>
+                        <a:rPr lang="fr-FR" sz="900" dirty="0"/>
+                        <a:t>Détails et utilisation de machines ou d’outils de menuiserie</a:t>
+                      </a:r>
+                    </a:p>
+                  </a:txBody>
+                  <a:tcPr anchor="ctr"/>
+                </a:tc>
+                <a:extLst>
+                  <a:ext uri="{0D108BD9-81ED-4DB2-BD59-A6C34878D82A}">
+                    <a16:rowId xmlns:a16="http://schemas.microsoft.com/office/drawing/2014/main" val="1047825679"/>
+                  </a:ext>
+                </a:extLst>
+              </a:tr>
+              <a:tr h="1186246">
+                <a:tc>
+                  <a:txBody>
+                    <a:bodyPr/>
+                    <a:lstStyle/>
+                    <a:p>
+                      <a:pPr marL="72000" marR="0" lvl="0" indent="0" algn="l" defTabSz="1439997" rtl="0" eaLnBrk="1" fontAlgn="auto" latinLnBrk="0" hangingPunct="1">
+                        <a:lnSpc>
+                          <a:spcPct val="100000"/>
+                        </a:lnSpc>
+                        <a:spcBef>
+                          <a:spcPts val="0"/>
+                        </a:spcBef>
+                        <a:spcAft>
+                          <a:spcPts val="0"/>
+                        </a:spcAft>
+                        <a:buClrTx/>
+                        <a:buSzTx/>
+                        <a:buFontTx/>
+                        <a:buNone/>
+                        <a:tabLst/>
+                        <a:defRPr/>
+                      </a:pPr>
+                      <a:r>
+                        <a:rPr lang="fr-FR" sz="1400" dirty="0">
+                          <a:solidFill>
+                            <a:schemeClr val="tx1"/>
+                          </a:solidFill>
+                          <a:latin typeface="Comic Sans MS" panose="030F0702030302020204" pitchFamily="66" charset="0"/>
+                          <a:ea typeface="JetBrains Mono" panose="02000009000000000000" pitchFamily="49" charset="0"/>
+                          <a:cs typeface="Courier New" panose="02070309020205020404" pitchFamily="49" charset="0"/>
+                        </a:rPr>
+                        <a:t>temps de pose est respecté</a:t>
+                      </a:r>
+                    </a:p>
+                    <a:p>
+                      <a:pPr marL="72000"/>
+                      <a:r>
+                        <a:rPr lang="fr-FR" sz="1400" dirty="0">
+                          <a:solidFill>
+                            <a:schemeClr val="tx1"/>
+                          </a:solidFill>
+                          <a:latin typeface="Comic Sans MS" panose="030F0702030302020204" pitchFamily="66" charset="0"/>
+                          <a:ea typeface="JetBrains Mono" panose="02000009000000000000" pitchFamily="49" charset="0"/>
+                          <a:cs typeface="Courier New" panose="02070309020205020404" pitchFamily="49" charset="0"/>
+                        </a:rPr>
+                        <a:t>(4 pts)</a:t>
+                      </a:r>
+                    </a:p>
+                  </a:txBody>
+                  <a:tcPr anchor="ctr"/>
+                </a:tc>
+                <a:tc>
+                  <a:txBody>
+                    <a:bodyPr/>
+                    <a:lstStyle/>
+                    <a:p>
+                      <a:endParaRPr lang="fr-FR" sz="1400" dirty="0"/>
+                    </a:p>
+                  </a:txBody>
+                  <a:tcPr anchor="ctr">
+                    <a:blipFill>
+                      <a:blip r:embed="rId2"/>
+                      <a:tile tx="0" ty="0" sx="100000" sy="100000" flip="none" algn="tl"/>
+                    </a:blipFill>
+                  </a:tcPr>
+                </a:tc>
+                <a:tc>
+                  <a:txBody>
+                    <a:bodyPr/>
+                    <a:lstStyle/>
+                    <a:p>
+                      <a:pPr algn="ctr"/>
+                      <a:r>
+                        <a:rPr lang="fr-FR" sz="900" dirty="0"/>
+                        <a:t>Le temps n’est pas respecté</a:t>
+                      </a:r>
+                    </a:p>
+                  </a:txBody>
+                  <a:tcPr anchor="ctr"/>
+                </a:tc>
+                <a:tc>
+                  <a:txBody>
+                    <a:bodyPr/>
+                    <a:lstStyle/>
+                    <a:p>
+                      <a:pPr algn="ctr"/>
+                      <a:endParaRPr lang="fr-FR" sz="900" dirty="0"/>
+                    </a:p>
+                  </a:txBody>
+                  <a:tcPr anchor="ctr">
+                    <a:solidFill>
+                      <a:srgbClr val="A6A6A6"/>
+                    </a:solidFill>
+                  </a:tcPr>
+                </a:tc>
+                <a:tc>
+                  <a:txBody>
+                    <a:bodyPr/>
+                    <a:lstStyle/>
+                    <a:p>
+                      <a:pPr algn="ctr"/>
+                      <a:endParaRPr lang="fr-FR" sz="900" dirty="0"/>
+                    </a:p>
+                  </a:txBody>
+                  <a:tcPr anchor="ctr">
+                    <a:solidFill>
+                      <a:srgbClr val="A6A6A6"/>
+                    </a:solidFill>
+                  </a:tcPr>
+                </a:tc>
+                <a:tc>
+                  <a:txBody>
+                    <a:bodyPr/>
+                    <a:lstStyle/>
+                    <a:p>
+                      <a:pPr algn="ctr"/>
+                      <a:r>
+                        <a:rPr lang="fr-FR" sz="900" dirty="0"/>
+                        <a:t>Le temps est respecté</a:t>
+                      </a:r>
+                    </a:p>
+                  </a:txBody>
+                  <a:tcPr anchor="ctr"/>
+                </a:tc>
+                <a:extLst>
+                  <a:ext uri="{0D108BD9-81ED-4DB2-BD59-A6C34878D82A}">
+                    <a16:rowId xmlns:a16="http://schemas.microsoft.com/office/drawing/2014/main" val="1911863720"/>
+                  </a:ext>
+                </a:extLst>
+              </a:tr>
+              <a:tr h="1186246">
+                <a:tc>
+                  <a:txBody>
+                    <a:bodyPr/>
+                    <a:lstStyle/>
+                    <a:p>
+                      <a:pPr marL="72000"/>
+                      <a:endParaRPr lang="fr-FR" sz="1400" dirty="0">
+                        <a:solidFill>
+                          <a:schemeClr val="tx1"/>
+                        </a:solidFill>
+                        <a:latin typeface="Comic Sans MS" panose="030F0702030302020204" pitchFamily="66" charset="0"/>
+                        <a:ea typeface="JetBrains Mono" panose="02000009000000000000" pitchFamily="49" charset="0"/>
+                        <a:cs typeface="Courier New" panose="02070309020205020404" pitchFamily="49" charset="0"/>
+                      </a:endParaRPr>
+                    </a:p>
+                  </a:txBody>
+                  <a:tcPr anchor="ctr">
+                    <a:solidFill>
+                      <a:schemeClr val="bg1">
+                        <a:lumMod val="65000"/>
+                      </a:schemeClr>
+                    </a:solidFill>
+                  </a:tcPr>
+                </a:tc>
+                <a:tc>
+                  <a:txBody>
+                    <a:bodyPr/>
+                    <a:lstStyle/>
+                    <a:p>
+                      <a:endParaRPr lang="fr-FR" sz="1400" dirty="0"/>
+                    </a:p>
+                  </a:txBody>
+                  <a:tcPr anchor="ctr">
+                    <a:solidFill>
+                      <a:schemeClr val="bg1">
+                        <a:lumMod val="65000"/>
+                      </a:schemeClr>
+                    </a:solidFill>
+                  </a:tcPr>
+                </a:tc>
+                <a:tc>
+                  <a:txBody>
+                    <a:bodyPr/>
+                    <a:lstStyle/>
+                    <a:p>
+                      <a:pPr algn="ctr"/>
+                      <a:endParaRPr lang="fr-FR" sz="900" dirty="0"/>
+                    </a:p>
+                  </a:txBody>
+                  <a:tcPr anchor="ctr">
+                    <a:solidFill>
+                      <a:schemeClr val="bg1">
+                        <a:lumMod val="65000"/>
+                      </a:schemeClr>
+                    </a:solidFill>
+                  </a:tcPr>
+                </a:tc>
+                <a:tc>
+                  <a:txBody>
+                    <a:bodyPr/>
+                    <a:lstStyle/>
+                    <a:p>
+                      <a:pPr algn="ctr"/>
+                      <a:endParaRPr lang="fr-FR" sz="900" dirty="0"/>
+                    </a:p>
+                  </a:txBody>
+                  <a:tcPr anchor="ctr">
+                    <a:solidFill>
+                      <a:schemeClr val="bg1">
+                        <a:lumMod val="65000"/>
+                      </a:schemeClr>
+                    </a:solidFill>
+                  </a:tcPr>
+                </a:tc>
+                <a:tc>
+                  <a:txBody>
+                    <a:bodyPr/>
+                    <a:lstStyle/>
+                    <a:p>
+                      <a:pPr algn="ctr"/>
+                      <a:endParaRPr lang="fr-FR" sz="900" dirty="0"/>
+                    </a:p>
+                  </a:txBody>
+                  <a:tcPr anchor="ctr">
+                    <a:solidFill>
+                      <a:schemeClr val="bg1">
+                        <a:lumMod val="65000"/>
+                      </a:schemeClr>
+                    </a:solidFill>
+                  </a:tcPr>
+                </a:tc>
+                <a:tc>
+                  <a:txBody>
+                    <a:bodyPr/>
+                    <a:lstStyle/>
+                    <a:p>
+                      <a:pPr marL="72000"/>
+                      <a:endParaRPr lang="fr-FR" sz="900" dirty="0">
+                        <a:solidFill>
+                          <a:schemeClr val="tx1"/>
+                        </a:solidFill>
+                        <a:latin typeface="Comic Sans MS" panose="030F0702030302020204" pitchFamily="66" charset="0"/>
+                        <a:ea typeface="JetBrains Mono" panose="02000009000000000000" pitchFamily="49" charset="0"/>
+                        <a:cs typeface="Courier New" panose="02070309020205020404" pitchFamily="49" charset="0"/>
+                      </a:endParaRPr>
+                    </a:p>
+                  </a:txBody>
+                  <a:tcPr anchor="ctr">
+                    <a:solidFill>
+                      <a:schemeClr val="bg1">
+                        <a:lumMod val="65000"/>
+                      </a:schemeClr>
+                    </a:solidFill>
+                  </a:tcPr>
+                </a:tc>
+                <a:extLst>
+                  <a:ext uri="{0D108BD9-81ED-4DB2-BD59-A6C34878D82A}">
+                    <a16:rowId xmlns:a16="http://schemas.microsoft.com/office/drawing/2014/main" val="3673042529"/>
+                  </a:ext>
+                </a:extLst>
+              </a:tr>
+              <a:tr h="1186246">
+                <a:tc>
+                  <a:txBody>
+                    <a:bodyPr/>
+                    <a:lstStyle/>
+                    <a:p>
+                      <a:pPr algn="ctr"/>
+                      <a:r>
+                        <a:rPr lang="fr-FR" dirty="0"/>
+                        <a:t>Note finale: </a:t>
+                      </a:r>
+                    </a:p>
+                  </a:txBody>
+                  <a:tcPr anchor="ctr"/>
+                </a:tc>
+                <a:tc gridSpan="5">
+                  <a:txBody>
+                    <a:bodyPr/>
+                    <a:lstStyle/>
+                    <a:p>
+                      <a:endParaRPr lang="fr-FR" sz="1400" dirty="0"/>
+                    </a:p>
+                  </a:txBody>
+                  <a:tcPr anchor="ctr"/>
+                </a:tc>
+                <a:tc hMerge="1">
+                  <a:txBody>
+                    <a:bodyPr/>
+                    <a:lstStyle/>
+                    <a:p>
+                      <a:endParaRPr lang="fr-FR" sz="1400" dirty="0"/>
+                    </a:p>
+                  </a:txBody>
+                  <a:tcPr anchor="ctr"/>
+                </a:tc>
+                <a:tc hMerge="1">
+                  <a:txBody>
+                    <a:bodyPr/>
+                    <a:lstStyle/>
+                    <a:p>
+                      <a:endParaRPr lang="fr-FR" sz="1400" dirty="0"/>
+                    </a:p>
+                  </a:txBody>
+                  <a:tcPr anchor="ctr"/>
+                </a:tc>
+                <a:tc hMerge="1">
+                  <a:txBody>
+                    <a:bodyPr/>
+                    <a:lstStyle/>
+                    <a:p>
+                      <a:endParaRPr lang="fr-FR" sz="1400" dirty="0"/>
+                    </a:p>
+                  </a:txBody>
+                  <a:tcPr anchor="ctr"/>
+                </a:tc>
+                <a:tc hMerge="1">
+                  <a:txBody>
+                    <a:bodyPr/>
+                    <a:lstStyle/>
+                    <a:p>
+                      <a:endParaRPr lang="fr-FR" sz="1400" dirty="0"/>
+                    </a:p>
+                  </a:txBody>
+                  <a:tcPr anchor="ctr"/>
+                </a:tc>
+                <a:extLst>
+                  <a:ext uri="{0D108BD9-81ED-4DB2-BD59-A6C34878D82A}">
+                    <a16:rowId xmlns:a16="http://schemas.microsoft.com/office/drawing/2014/main" val="3834295413"/>
+                  </a:ext>
+                </a:extLst>
+              </a:tr>
+            </a:tbl>
+          </a:graphicData>
+        </a:graphic>
+      </p:graphicFrame>
+    </p:spTree>
+    <p:extLst>
+      <p:ext uri="{BB962C8B-B14F-4D97-AF65-F5344CB8AC3E}">
+        <p14:creationId xmlns:p14="http://schemas.microsoft.com/office/powerpoint/2010/main" val="2540894303"/>
       </p:ext>
     </p:extLst>
   </p:cSld>
